--- a/powerpoint/test_writing.pptx
+++ b/powerpoint/test_writing.pptx
@@ -1,9 +1,12 @@
 
 <file path=ppt/presentation.xml><?xml version="1.0" encoding="utf-8"?>
-<p:presentation xmlns:a="http://schemas.openxmlformats.org/drawingml/2006/main" xmlns:p="http://schemas.openxmlformats.org/presentationml/2006/main" xmlns:r="http://schemas.openxmlformats.org/officeDocument/2006/relationships" autoCompressPictures="0" saveSubsetFonts="1">
+<p:presentation xmlns:a="http://schemas.openxmlformats.org/drawingml/2006/main" xmlns:p="http://schemas.openxmlformats.org/presentationml/2006/main" xmlns:r="http://schemas.openxmlformats.org/officeDocument/2006/relationships" saveSubsetFonts="1">
   <p:sldMasterIdLst>
-    <p:sldMasterId id="2147483648" r:id="rId1"/>
+    <p:sldMasterId id="2147483690" r:id="rId1"/>
   </p:sldMasterIdLst>
+  <p:notesMasterIdLst>
+    <p:notesMasterId r:id="rId8"/>
+  </p:notesMasterIdLst>
   <p:sldIdLst>
     <p:sldId id="256" r:id="rId2"/>
     <p:sldId id="257" r:id="rId3"/>
@@ -11,17 +14,15 @@
     <p:sldId id="259" r:id="rId5"/>
     <p:sldId id="260" r:id="rId6"/>
     <p:sldId id="261" r:id="rId7"/>
-    <p:sldId id="262" r:id="rId8"/>
-    <p:sldId id="263" r:id="rId9"/>
   </p:sldIdLst>
   <p:sldSz cx="9144000" cy="5143500" type="screen16x9"/>
   <p:notesSz cx="6858000" cy="9144000"/>
   <p:defaultTextStyle>
     <a:defPPr>
-      <a:defRPr lang="en-US"/>
+      <a:defRPr lang="ja-JP"/>
     </a:defPPr>
-    <a:lvl1pPr algn="l" defTabSz="457200" eaLnBrk="1" hangingPunct="1" latinLnBrk="0" marL="0" rtl="0">
-      <a:defRPr kern="1200" sz="1800">
+    <a:lvl1pPr algn="l" defTabSz="914400" eaLnBrk="1" hangingPunct="1" latinLnBrk="0" marL="0" rtl="0">
+      <a:defRPr kern="1200" kumimoji="1" sz="1800">
         <a:solidFill>
           <a:schemeClr val="tx1"/>
         </a:solidFill>
@@ -30,8 +31,8 @@
         <a:cs typeface="+mn-cs"/>
       </a:defRPr>
     </a:lvl1pPr>
-    <a:lvl2pPr algn="l" defTabSz="457200" eaLnBrk="1" hangingPunct="1" latinLnBrk="0" marL="457200" rtl="0">
-      <a:defRPr kern="1200" sz="1800">
+    <a:lvl2pPr algn="l" defTabSz="914400" eaLnBrk="1" hangingPunct="1" latinLnBrk="0" marL="457200" rtl="0">
+      <a:defRPr kern="1200" kumimoji="1" sz="1800">
         <a:solidFill>
           <a:schemeClr val="tx1"/>
         </a:solidFill>
@@ -40,8 +41,8 @@
         <a:cs typeface="+mn-cs"/>
       </a:defRPr>
     </a:lvl2pPr>
-    <a:lvl3pPr algn="l" defTabSz="457200" eaLnBrk="1" hangingPunct="1" latinLnBrk="0" marL="914400" rtl="0">
-      <a:defRPr kern="1200" sz="1800">
+    <a:lvl3pPr algn="l" defTabSz="914400" eaLnBrk="1" hangingPunct="1" latinLnBrk="0" marL="914400" rtl="0">
+      <a:defRPr kern="1200" kumimoji="1" sz="1800">
         <a:solidFill>
           <a:schemeClr val="tx1"/>
         </a:solidFill>
@@ -50,8 +51,8 @@
         <a:cs typeface="+mn-cs"/>
       </a:defRPr>
     </a:lvl3pPr>
-    <a:lvl4pPr algn="l" defTabSz="457200" eaLnBrk="1" hangingPunct="1" latinLnBrk="0" marL="1371600" rtl="0">
-      <a:defRPr kern="1200" sz="1800">
+    <a:lvl4pPr algn="l" defTabSz="914400" eaLnBrk="1" hangingPunct="1" latinLnBrk="0" marL="1371600" rtl="0">
+      <a:defRPr kern="1200" kumimoji="1" sz="1800">
         <a:solidFill>
           <a:schemeClr val="tx1"/>
         </a:solidFill>
@@ -60,8 +61,8 @@
         <a:cs typeface="+mn-cs"/>
       </a:defRPr>
     </a:lvl4pPr>
-    <a:lvl5pPr algn="l" defTabSz="457200" eaLnBrk="1" hangingPunct="1" latinLnBrk="0" marL="1828800" rtl="0">
-      <a:defRPr kern="1200" sz="1800">
+    <a:lvl5pPr algn="l" defTabSz="914400" eaLnBrk="1" hangingPunct="1" latinLnBrk="0" marL="1828800" rtl="0">
+      <a:defRPr kern="1200" kumimoji="1" sz="1800">
         <a:solidFill>
           <a:schemeClr val="tx1"/>
         </a:solidFill>
@@ -70,8 +71,8 @@
         <a:cs typeface="+mn-cs"/>
       </a:defRPr>
     </a:lvl5pPr>
-    <a:lvl6pPr algn="l" defTabSz="457200" eaLnBrk="1" hangingPunct="1" latinLnBrk="0" marL="2286000" rtl="0">
-      <a:defRPr kern="1200" sz="1800">
+    <a:lvl6pPr algn="l" defTabSz="914400" eaLnBrk="1" hangingPunct="1" latinLnBrk="0" marL="2286000" rtl="0">
+      <a:defRPr kern="1200" kumimoji="1" sz="1800">
         <a:solidFill>
           <a:schemeClr val="tx1"/>
         </a:solidFill>
@@ -80,8 +81,8 @@
         <a:cs typeface="+mn-cs"/>
       </a:defRPr>
     </a:lvl6pPr>
-    <a:lvl7pPr algn="l" defTabSz="457200" eaLnBrk="1" hangingPunct="1" latinLnBrk="0" marL="2743200" rtl="0">
-      <a:defRPr kern="1200" sz="1800">
+    <a:lvl7pPr algn="l" defTabSz="914400" eaLnBrk="1" hangingPunct="1" latinLnBrk="0" marL="2743200" rtl="0">
+      <a:defRPr kern="1200" kumimoji="1" sz="1800">
         <a:solidFill>
           <a:schemeClr val="tx1"/>
         </a:solidFill>
@@ -90,8 +91,8 @@
         <a:cs typeface="+mn-cs"/>
       </a:defRPr>
     </a:lvl7pPr>
-    <a:lvl8pPr algn="l" defTabSz="457200" eaLnBrk="1" hangingPunct="1" latinLnBrk="0" marL="3200400" rtl="0">
-      <a:defRPr kern="1200" sz="1800">
+    <a:lvl8pPr algn="l" defTabSz="914400" eaLnBrk="1" hangingPunct="1" latinLnBrk="0" marL="3200400" rtl="0">
+      <a:defRPr kern="1200" kumimoji="1" sz="1800">
         <a:solidFill>
           <a:schemeClr val="tx1"/>
         </a:solidFill>
@@ -100,8 +101,8 @@
         <a:cs typeface="+mn-cs"/>
       </a:defRPr>
     </a:lvl8pPr>
-    <a:lvl9pPr algn="l" defTabSz="457200" eaLnBrk="1" hangingPunct="1" latinLnBrk="0" marL="3657600" rtl="0">
-      <a:defRPr kern="1200" sz="1800">
+    <a:lvl9pPr algn="l" defTabSz="914400" eaLnBrk="1" hangingPunct="1" latinLnBrk="0" marL="3657600" rtl="0">
+      <a:defRPr kern="1200" kumimoji="1" sz="1800">
         <a:solidFill>
           <a:schemeClr val="tx1"/>
         </a:solidFill>
@@ -113,21 +114,498 @@
   </p:defaultTextStyle>
   <p:extLst>
     <p:ext uri="{EFAFB233-063F-42B5-8137-9DF3F51BA10A}">
-      <p15:sldGuideLst xmlns:p15="http://schemas.microsoft.com/office/powerpoint/2012/main">
-        <p15:guide id="1" orient="horz" pos="1620" userDrawn="1">
-          <p15:clr>
-            <a:srgbClr val="A4A3A4"/>
-          </p15:clr>
-        </p15:guide>
-        <p15:guide id="2" pos="2880" userDrawn="1">
-          <p15:clr>
-            <a:srgbClr val="A4A3A4"/>
-          </p15:clr>
-        </p15:guide>
-      </p15:sldGuideLst>
+      <p15:sldGuideLst xmlns:p15="http://schemas.microsoft.com/office/powerpoint/2012/main"/>
     </p:ext>
   </p:extLst>
 </p:presentation>
+</file>
+
+<file path=ppt/notesMasters/notesMaster1.xml><?xml version="1.0" encoding="utf-8"?>
+<p:notesMaster xmlns:a="http://schemas.openxmlformats.org/drawingml/2006/main" xmlns:r="http://schemas.openxmlformats.org/officeDocument/2006/relationships" xmlns:p="http://schemas.openxmlformats.org/presentationml/2006/main">
+  <p:cSld>
+    <p:bg>
+      <p:bgRef idx="1001">
+        <a:schemeClr val="bg1"/>
+      </p:bgRef>
+    </p:bg>
+    <p:spTree>
+      <p:nvGrpSpPr>
+        <p:cNvPr id="1" name=""/>
+        <p:cNvGrpSpPr/>
+        <p:nvPr/>
+      </p:nvGrpSpPr>
+      <p:grpSpPr>
+        <a:xfrm>
+          <a:off x="0" y="0"/>
+          <a:ext cx="0" cy="0"/>
+          <a:chOff x="0" y="0"/>
+          <a:chExt cx="0" cy="0"/>
+        </a:xfrm>
+      </p:grpSpPr>
+      <p:sp>
+        <p:nvSpPr>
+          <p:cNvPr id="2" name="ヘッダー プレースホルダー 1"/>
+          <p:cNvSpPr>
+            <a:spLocks noGrp="1"/>
+          </p:cNvSpPr>
+          <p:nvPr>
+            <p:ph type="hdr" sz="quarter"/>
+          </p:nvPr>
+        </p:nvSpPr>
+        <p:spPr>
+          <a:xfrm>
+            <a:off x="0" y="0"/>
+            <a:ext cx="2971800" cy="458788"/>
+          </a:xfrm>
+          <a:prstGeom prst="rect">
+            <a:avLst/>
+          </a:prstGeom>
+        </p:spPr>
+        <p:txBody>
+          <a:bodyPr vert="horz" lIns="91440" tIns="45720" rIns="91440" bIns="45720" rtlCol="0"/>
+          <a:lstStyle>
+            <a:lvl1pPr algn="l">
+              <a:defRPr sz="1200"/>
+            </a:lvl1pPr>
+          </a:lstStyle>
+          <a:p>
+            <a:endParaRPr kumimoji="1" lang="ja-JP" altLang="en-US"/>
+          </a:p>
+        </p:txBody>
+      </p:sp>
+      <p:sp>
+        <p:nvSpPr>
+          <p:cNvPr id="3" name="日付プレースホルダー 2"/>
+          <p:cNvSpPr>
+            <a:spLocks noGrp="1"/>
+          </p:cNvSpPr>
+          <p:nvPr>
+            <p:ph type="dt" idx="1"/>
+          </p:nvPr>
+        </p:nvSpPr>
+        <p:spPr>
+          <a:xfrm>
+            <a:off x="3884613" y="0"/>
+            <a:ext cx="2971800" cy="458788"/>
+          </a:xfrm>
+          <a:prstGeom prst="rect">
+            <a:avLst/>
+          </a:prstGeom>
+        </p:spPr>
+        <p:txBody>
+          <a:bodyPr vert="horz" lIns="91440" tIns="45720" rIns="91440" bIns="45720" rtlCol="0"/>
+          <a:lstStyle>
+            <a:lvl1pPr algn="r">
+              <a:defRPr sz="1200"/>
+            </a:lvl1pPr>
+          </a:lstStyle>
+          <a:p>
+            <a:fld id="{77E41C1C-4D84-4077-B863-CECA71DE9336}" type="datetimeFigureOut">
+              <a:rPr kumimoji="1" lang="ja-JP" altLang="en-US" smtClean="0"/>
+              <a:t>2024/4/22</a:t>
+            </a:fld>
+            <a:endParaRPr kumimoji="1" lang="ja-JP" altLang="en-US"/>
+          </a:p>
+        </p:txBody>
+      </p:sp>
+      <p:sp>
+        <p:nvSpPr>
+          <p:cNvPr id="4" name="スライド イメージ プレースホルダー 3"/>
+          <p:cNvSpPr>
+            <a:spLocks noGrp="1" noRot="1" noChangeAspect="1"/>
+          </p:cNvSpPr>
+          <p:nvPr>
+            <p:ph type="sldImg" idx="2"/>
+          </p:nvPr>
+        </p:nvSpPr>
+        <p:spPr>
+          <a:xfrm>
+            <a:off x="685800" y="1143000"/>
+            <a:ext cx="5486400" cy="3086100"/>
+          </a:xfrm>
+          <a:prstGeom prst="rect">
+            <a:avLst/>
+          </a:prstGeom>
+          <a:noFill/>
+          <a:ln w="12700">
+            <a:solidFill>
+              <a:prstClr val="black"/>
+            </a:solidFill>
+          </a:ln>
+        </p:spPr>
+        <p:txBody>
+          <a:bodyPr vert="horz" lIns="91440" tIns="45720" rIns="91440" bIns="45720" rtlCol="0" anchor="ctr"/>
+          <a:lstStyle/>
+          <a:p>
+            <a:endParaRPr lang="ja-JP" altLang="en-US"/>
+          </a:p>
+        </p:txBody>
+      </p:sp>
+      <p:sp>
+        <p:nvSpPr>
+          <p:cNvPr id="5" name="ノート プレースホルダー 4"/>
+          <p:cNvSpPr>
+            <a:spLocks noGrp="1"/>
+          </p:cNvSpPr>
+          <p:nvPr>
+            <p:ph type="body" sz="quarter" idx="3"/>
+          </p:nvPr>
+        </p:nvSpPr>
+        <p:spPr>
+          <a:xfrm>
+            <a:off x="685800" y="4400550"/>
+            <a:ext cx="5486400" cy="3600450"/>
+          </a:xfrm>
+          <a:prstGeom prst="rect">
+            <a:avLst/>
+          </a:prstGeom>
+        </p:spPr>
+        <p:txBody>
+          <a:bodyPr vert="horz" lIns="91440" tIns="45720" rIns="91440" bIns="45720" rtlCol="0"/>
+          <a:lstStyle/>
+          <a:p>
+            <a:pPr lvl="0"/>
+            <a:r>
+              <a:rPr kumimoji="1" lang="ja-JP" altLang="en-US" smtClean="0"/>
+              <a:t>マスター テキストの書式設定</a:t>
+            </a:r>
+          </a:p>
+          <a:p>
+            <a:pPr lvl="1"/>
+            <a:r>
+              <a:rPr kumimoji="1" lang="ja-JP" altLang="en-US" smtClean="0"/>
+              <a:t>第 </a:t>
+            </a:r>
+            <a:r>
+              <a:rPr kumimoji="1" lang="en-US" altLang="ja-JP" smtClean="0"/>
+              <a:t>2 </a:t>
+            </a:r>
+            <a:r>
+              <a:rPr kumimoji="1" lang="ja-JP" altLang="en-US" smtClean="0"/>
+              <a:t>レベル</a:t>
+            </a:r>
+          </a:p>
+          <a:p>
+            <a:pPr lvl="2"/>
+            <a:r>
+              <a:rPr kumimoji="1" lang="ja-JP" altLang="en-US" smtClean="0"/>
+              <a:t>第 </a:t>
+            </a:r>
+            <a:r>
+              <a:rPr kumimoji="1" lang="en-US" altLang="ja-JP" smtClean="0"/>
+              <a:t>3 </a:t>
+            </a:r>
+            <a:r>
+              <a:rPr kumimoji="1" lang="ja-JP" altLang="en-US" smtClean="0"/>
+              <a:t>レベル</a:t>
+            </a:r>
+          </a:p>
+          <a:p>
+            <a:pPr lvl="3"/>
+            <a:r>
+              <a:rPr kumimoji="1" lang="ja-JP" altLang="en-US" smtClean="0"/>
+              <a:t>第 </a:t>
+            </a:r>
+            <a:r>
+              <a:rPr kumimoji="1" lang="en-US" altLang="ja-JP" smtClean="0"/>
+              <a:t>4 </a:t>
+            </a:r>
+            <a:r>
+              <a:rPr kumimoji="1" lang="ja-JP" altLang="en-US" smtClean="0"/>
+              <a:t>レベル</a:t>
+            </a:r>
+          </a:p>
+          <a:p>
+            <a:pPr lvl="4"/>
+            <a:r>
+              <a:rPr kumimoji="1" lang="ja-JP" altLang="en-US" smtClean="0"/>
+              <a:t>第 </a:t>
+            </a:r>
+            <a:r>
+              <a:rPr kumimoji="1" lang="en-US" altLang="ja-JP" smtClean="0"/>
+              <a:t>5 </a:t>
+            </a:r>
+            <a:r>
+              <a:rPr kumimoji="1" lang="ja-JP" altLang="en-US" smtClean="0"/>
+              <a:t>レベル</a:t>
+            </a:r>
+            <a:endParaRPr kumimoji="1" lang="ja-JP" altLang="en-US"/>
+          </a:p>
+        </p:txBody>
+      </p:sp>
+      <p:sp>
+        <p:nvSpPr>
+          <p:cNvPr id="6" name="フッター プレースホルダー 5"/>
+          <p:cNvSpPr>
+            <a:spLocks noGrp="1"/>
+          </p:cNvSpPr>
+          <p:nvPr>
+            <p:ph type="ftr" sz="quarter" idx="4"/>
+          </p:nvPr>
+        </p:nvSpPr>
+        <p:spPr>
+          <a:xfrm>
+            <a:off x="0" y="8685213"/>
+            <a:ext cx="2971800" cy="458787"/>
+          </a:xfrm>
+          <a:prstGeom prst="rect">
+            <a:avLst/>
+          </a:prstGeom>
+        </p:spPr>
+        <p:txBody>
+          <a:bodyPr vert="horz" lIns="91440" tIns="45720" rIns="91440" bIns="45720" rtlCol="0" anchor="b"/>
+          <a:lstStyle>
+            <a:lvl1pPr algn="l">
+              <a:defRPr sz="1200"/>
+            </a:lvl1pPr>
+          </a:lstStyle>
+          <a:p>
+            <a:endParaRPr kumimoji="1" lang="ja-JP" altLang="en-US"/>
+          </a:p>
+        </p:txBody>
+      </p:sp>
+      <p:sp>
+        <p:nvSpPr>
+          <p:cNvPr id="7" name="スライド番号プレースホルダー 6"/>
+          <p:cNvSpPr>
+            <a:spLocks noGrp="1"/>
+          </p:cNvSpPr>
+          <p:nvPr>
+            <p:ph type="sldNum" sz="quarter" idx="5"/>
+          </p:nvPr>
+        </p:nvSpPr>
+        <p:spPr>
+          <a:xfrm>
+            <a:off x="3884613" y="8685213"/>
+            <a:ext cx="2971800" cy="458787"/>
+          </a:xfrm>
+          <a:prstGeom prst="rect">
+            <a:avLst/>
+          </a:prstGeom>
+        </p:spPr>
+        <p:txBody>
+          <a:bodyPr vert="horz" lIns="91440" tIns="45720" rIns="91440" bIns="45720" rtlCol="0" anchor="b"/>
+          <a:lstStyle>
+            <a:lvl1pPr algn="r">
+              <a:defRPr sz="1200"/>
+            </a:lvl1pPr>
+          </a:lstStyle>
+          <a:p>
+            <a:fld id="{60A91CCB-BFD1-4B04-9F11-78D6DF2FE44B}" type="slidenum">
+              <a:rPr kumimoji="1" lang="ja-JP" altLang="en-US" smtClean="0"/>
+              <a:t>‹#›</a:t>
+            </a:fld>
+            <a:endParaRPr kumimoji="1" lang="ja-JP" altLang="en-US"/>
+          </a:p>
+        </p:txBody>
+      </p:sp>
+    </p:spTree>
+    <p:extLst>
+      <p:ext uri="{BB962C8B-B14F-4D97-AF65-F5344CB8AC3E}">
+        <p14:creationId xmlns:p14="http://schemas.microsoft.com/office/powerpoint/2010/main" val="2612692026"/>
+      </p:ext>
+    </p:extLst>
+  </p:cSld>
+  <p:clrMap bg1="lt1" tx1="dk1" bg2="lt2" tx2="dk2" accent1="accent1" accent2="accent2" accent3="accent3" accent4="accent4" accent5="accent5" accent6="accent6" hlink="hlink" folHlink="folHlink"/>
+  <p:notesStyle>
+    <a:lvl1pPr marL="0" algn="l" defTabSz="914400" rtl="0" eaLnBrk="1" latinLnBrk="0" hangingPunct="1">
+      <a:defRPr kumimoji="1" sz="1200" kern="1200">
+        <a:solidFill>
+          <a:schemeClr val="tx1"/>
+        </a:solidFill>
+        <a:latin typeface="+mn-lt"/>
+        <a:ea typeface="+mn-ea"/>
+        <a:cs typeface="+mn-cs"/>
+      </a:defRPr>
+    </a:lvl1pPr>
+    <a:lvl2pPr marL="457200" algn="l" defTabSz="914400" rtl="0" eaLnBrk="1" latinLnBrk="0" hangingPunct="1">
+      <a:defRPr kumimoji="1" sz="1200" kern="1200">
+        <a:solidFill>
+          <a:schemeClr val="tx1"/>
+        </a:solidFill>
+        <a:latin typeface="+mn-lt"/>
+        <a:ea typeface="+mn-ea"/>
+        <a:cs typeface="+mn-cs"/>
+      </a:defRPr>
+    </a:lvl2pPr>
+    <a:lvl3pPr marL="914400" algn="l" defTabSz="914400" rtl="0" eaLnBrk="1" latinLnBrk="0" hangingPunct="1">
+      <a:defRPr kumimoji="1" sz="1200" kern="1200">
+        <a:solidFill>
+          <a:schemeClr val="tx1"/>
+        </a:solidFill>
+        <a:latin typeface="+mn-lt"/>
+        <a:ea typeface="+mn-ea"/>
+        <a:cs typeface="+mn-cs"/>
+      </a:defRPr>
+    </a:lvl3pPr>
+    <a:lvl4pPr marL="1371600" algn="l" defTabSz="914400" rtl="0" eaLnBrk="1" latinLnBrk="0" hangingPunct="1">
+      <a:defRPr kumimoji="1" sz="1200" kern="1200">
+        <a:solidFill>
+          <a:schemeClr val="tx1"/>
+        </a:solidFill>
+        <a:latin typeface="+mn-lt"/>
+        <a:ea typeface="+mn-ea"/>
+        <a:cs typeface="+mn-cs"/>
+      </a:defRPr>
+    </a:lvl4pPr>
+    <a:lvl5pPr marL="1828800" algn="l" defTabSz="914400" rtl="0" eaLnBrk="1" latinLnBrk="0" hangingPunct="1">
+      <a:defRPr kumimoji="1" sz="1200" kern="1200">
+        <a:solidFill>
+          <a:schemeClr val="tx1"/>
+        </a:solidFill>
+        <a:latin typeface="+mn-lt"/>
+        <a:ea typeface="+mn-ea"/>
+        <a:cs typeface="+mn-cs"/>
+      </a:defRPr>
+    </a:lvl5pPr>
+    <a:lvl6pPr marL="2286000" algn="l" defTabSz="914400" rtl="0" eaLnBrk="1" latinLnBrk="0" hangingPunct="1">
+      <a:defRPr kumimoji="1" sz="1200" kern="1200">
+        <a:solidFill>
+          <a:schemeClr val="tx1"/>
+        </a:solidFill>
+        <a:latin typeface="+mn-lt"/>
+        <a:ea typeface="+mn-ea"/>
+        <a:cs typeface="+mn-cs"/>
+      </a:defRPr>
+    </a:lvl6pPr>
+    <a:lvl7pPr marL="2743200" algn="l" defTabSz="914400" rtl="0" eaLnBrk="1" latinLnBrk="0" hangingPunct="1">
+      <a:defRPr kumimoji="1" sz="1200" kern="1200">
+        <a:solidFill>
+          <a:schemeClr val="tx1"/>
+        </a:solidFill>
+        <a:latin typeface="+mn-lt"/>
+        <a:ea typeface="+mn-ea"/>
+        <a:cs typeface="+mn-cs"/>
+      </a:defRPr>
+    </a:lvl7pPr>
+    <a:lvl8pPr marL="3200400" algn="l" defTabSz="914400" rtl="0" eaLnBrk="1" latinLnBrk="0" hangingPunct="1">
+      <a:defRPr kumimoji="1" sz="1200" kern="1200">
+        <a:solidFill>
+          <a:schemeClr val="tx1"/>
+        </a:solidFill>
+        <a:latin typeface="+mn-lt"/>
+        <a:ea typeface="+mn-ea"/>
+        <a:cs typeface="+mn-cs"/>
+      </a:defRPr>
+    </a:lvl8pPr>
+    <a:lvl9pPr marL="3657600" algn="l" defTabSz="914400" rtl="0" eaLnBrk="1" latinLnBrk="0" hangingPunct="1">
+      <a:defRPr kumimoji="1" sz="1200" kern="1200">
+        <a:solidFill>
+          <a:schemeClr val="tx1"/>
+        </a:solidFill>
+        <a:latin typeface="+mn-lt"/>
+        <a:ea typeface="+mn-ea"/>
+        <a:cs typeface="+mn-cs"/>
+      </a:defRPr>
+    </a:lvl9pPr>
+  </p:notesStyle>
+</p:notesMaster>
+</file>
+
+<file path=ppt/notesSlides/notesSlide1.xml><?xml version="1.0" encoding="utf-8"?>
+<p:notes xmlns:a="http://schemas.openxmlformats.org/drawingml/2006/main" xmlns:r="http://schemas.openxmlformats.org/officeDocument/2006/relationships" xmlns:p="http://schemas.openxmlformats.org/presentationml/2006/main">
+  <p:cSld>
+    <p:spTree>
+      <p:nvGrpSpPr>
+        <p:cNvPr id="1" name=""/>
+        <p:cNvGrpSpPr/>
+        <p:nvPr/>
+      </p:nvGrpSpPr>
+      <p:grpSpPr>
+        <a:xfrm>
+          <a:off x="0" y="0"/>
+          <a:ext cx="0" cy="0"/>
+          <a:chOff x="0" y="0"/>
+          <a:chExt cx="0" cy="0"/>
+        </a:xfrm>
+      </p:grpSpPr>
+      <p:sp>
+        <p:nvSpPr>
+          <p:cNvPr id="2" name="Slide Image Placeholder 1"/>
+          <p:cNvSpPr>
+            <a:spLocks noGrp="1" noRot="1" noChangeAspect="1"/>
+          </p:cNvSpPr>
+          <p:nvPr>
+            <p:ph type="sldImg"/>
+          </p:nvPr>
+        </p:nvSpPr>
+        <p:spPr/>
+      </p:sp>
+      <p:sp>
+        <p:nvSpPr>
+          <p:cNvPr id="3" name="Notes Placeholder 2"/>
+          <p:cNvSpPr>
+            <a:spLocks noGrp="1"/>
+          </p:cNvSpPr>
+          <p:nvPr>
+            <p:ph type="body" idx="1"/>
+          </p:nvPr>
+        </p:nvSpPr>
+        <p:spPr/>
+        <p:txBody>
+          <a:bodyPr/>
+          <a:lstStyle/>
+          <a:p>
+            <a:pPr lvl="0" indent="0" marL="0">
+              <a:buNone/>
+            </a:pPr>
+            <a:r>
+              <a:rPr/>
+              <a:t>This is my note.</a:t>
+            </a:r>
+          </a:p>
+          <a:p>
+            <a:pPr lvl="0" indent="0" marL="0">
+              <a:buNone/>
+            </a:pPr>
+          </a:p>
+          <a:p>
+            <a:pPr lvl="0"/>
+            <a:r>
+              <a:rPr/>
+              <a:t>It can contain Markdown</a:t>
+            </a:r>
+          </a:p>
+          <a:p>
+            <a:pPr lvl="0" indent="0" marL="0">
+              <a:buNone/>
+            </a:pPr>
+          </a:p>
+          <a:p>
+            <a:pPr lvl="0"/>
+            <a:r>
+              <a:rPr/>
+              <a:t>like this list</a:t>
+            </a:r>
+          </a:p>
+        </p:txBody>
+      </p:sp>
+      <p:sp>
+        <p:nvSpPr>
+          <p:cNvPr id="4" name="Slide Number Placeholder 3"/>
+          <p:cNvSpPr>
+            <a:spLocks noGrp="1"/>
+          </p:cNvSpPr>
+          <p:nvPr>
+            <p:ph type="sldNum" sz="quarter" idx="10"/>
+          </p:nvPr>
+        </p:nvSpPr>
+        <p:spPr/>
+        <p:txBody>
+          <a:bodyPr/>
+          <a:lstStyle/>
+          <a:p>
+            <a:fld id="{60A91CCB-BFD1-4B04-9F11-78D6DF2FE44B}" type="slidenum">
+              <a:rPr lang="en-US"/>
+              <a:t>6</a:t>
+            </a:fld>
+            <a:endParaRPr lang="en-US"/>
+          </a:p>
+        </p:txBody>
+      </p:sp>
+    </p:spTree>
+  </p:cSld>
+</p:notes>
 </file>
 
 <file path=ppt/slideLayouts/slideLayout1.xml><?xml version="1.0" encoding="utf-8"?>
@@ -149,7 +627,7 @@
       </p:grpSpPr>
       <p:sp>
         <p:nvSpPr>
-          <p:cNvPr id="2" name="Title 1"/>
+          <p:cNvPr id="2" name="タイトル 1"/>
           <p:cNvSpPr>
             <a:spLocks noGrp="1"/>
           </p:cNvSpPr>
@@ -159,24 +637,31 @@
         </p:nvSpPr>
         <p:spPr>
           <a:xfrm>
-            <a:off x="685800" y="1597819"/>
-            <a:ext cx="7772400" cy="1102519"/>
-          </a:xfrm>
-        </p:spPr>
-        <p:txBody>
-          <a:bodyPr/>
-          <a:lstStyle/>
-          <a:p>
-            <a:r>
-              <a:rPr lang="en-US"/>
-              <a:t>Click to edit Master title style</a:t>
-            </a:r>
-          </a:p>
-        </p:txBody>
-      </p:sp>
-      <p:sp>
-        <p:nvSpPr>
-          <p:cNvPr id="3" name="Subtitle 2"/>
+            <a:off x="414000" y="3960000"/>
+            <a:ext cx="6584400" cy="320400"/>
+          </a:xfrm>
+        </p:spPr>
+        <p:txBody>
+          <a:bodyPr anchor="b">
+            <a:normAutofit/>
+          </a:bodyPr>
+          <a:lstStyle>
+            <a:lvl1pPr algn="l">
+              <a:defRPr sz="1800"/>
+            </a:lvl1pPr>
+          </a:lstStyle>
+          <a:p>
+            <a:r>
+              <a:rPr kumimoji="1" lang="ja-JP" altLang="en-US" smtClean="0"/>
+              <a:t>マスター タイトルの書式設定</a:t>
+            </a:r>
+            <a:endParaRPr kumimoji="1" lang="ja-JP" altLang="en-US"/>
+          </a:p>
+        </p:txBody>
+      </p:sp>
+      <p:sp>
+        <p:nvSpPr>
+          <p:cNvPr id="3" name="サブタイトル 2"/>
           <p:cNvSpPr>
             <a:spLocks noGrp="1"/>
           </p:cNvSpPr>
@@ -186,115 +671,62 @@
         </p:nvSpPr>
         <p:spPr>
           <a:xfrm>
-            <a:off x="1371600" y="2914650"/>
-            <a:ext cx="6400800" cy="1314450"/>
+            <a:off x="432000" y="4712400"/>
+            <a:ext cx="4968000" cy="262800"/>
           </a:xfrm>
         </p:spPr>
         <p:txBody>
           <a:bodyPr/>
           <a:lstStyle>
-            <a:lvl1pPr marL="0" indent="0" algn="ctr">
-              <a:buNone/>
-              <a:defRPr>
-                <a:solidFill>
-                  <a:schemeClr val="tx1">
-                    <a:tint val="75000"/>
-                  </a:schemeClr>
-                </a:solidFill>
-              </a:defRPr>
+            <a:lvl1pPr marL="0" indent="0" algn="l">
+              <a:buNone/>
+              <a:defRPr sz="900"/>
             </a:lvl1pPr>
             <a:lvl2pPr marL="342900" indent="0" algn="ctr">
               <a:buNone/>
-              <a:defRPr>
-                <a:solidFill>
-                  <a:schemeClr val="tx1">
-                    <a:tint val="75000"/>
-                  </a:schemeClr>
-                </a:solidFill>
-              </a:defRPr>
+              <a:defRPr sz="1500"/>
             </a:lvl2pPr>
             <a:lvl3pPr marL="685800" indent="0" algn="ctr">
               <a:buNone/>
-              <a:defRPr>
-                <a:solidFill>
-                  <a:schemeClr val="tx1">
-                    <a:tint val="75000"/>
-                  </a:schemeClr>
-                </a:solidFill>
-              </a:defRPr>
+              <a:defRPr sz="1350"/>
             </a:lvl3pPr>
             <a:lvl4pPr marL="1028700" indent="0" algn="ctr">
               <a:buNone/>
-              <a:defRPr>
-                <a:solidFill>
-                  <a:schemeClr val="tx1">
-                    <a:tint val="75000"/>
-                  </a:schemeClr>
-                </a:solidFill>
-              </a:defRPr>
+              <a:defRPr sz="1200"/>
             </a:lvl4pPr>
             <a:lvl5pPr marL="1371600" indent="0" algn="ctr">
               <a:buNone/>
-              <a:defRPr>
-                <a:solidFill>
-                  <a:schemeClr val="tx1">
-                    <a:tint val="75000"/>
-                  </a:schemeClr>
-                </a:solidFill>
-              </a:defRPr>
+              <a:defRPr sz="1200"/>
             </a:lvl5pPr>
             <a:lvl6pPr marL="1714500" indent="0" algn="ctr">
               <a:buNone/>
-              <a:defRPr>
-                <a:solidFill>
-                  <a:schemeClr val="tx1">
-                    <a:tint val="75000"/>
-                  </a:schemeClr>
-                </a:solidFill>
-              </a:defRPr>
+              <a:defRPr sz="1200"/>
             </a:lvl6pPr>
             <a:lvl7pPr marL="2057400" indent="0" algn="ctr">
               <a:buNone/>
-              <a:defRPr>
-                <a:solidFill>
-                  <a:schemeClr val="tx1">
-                    <a:tint val="75000"/>
-                  </a:schemeClr>
-                </a:solidFill>
-              </a:defRPr>
+              <a:defRPr sz="1200"/>
             </a:lvl7pPr>
             <a:lvl8pPr marL="2400300" indent="0" algn="ctr">
               <a:buNone/>
-              <a:defRPr>
-                <a:solidFill>
-                  <a:schemeClr val="tx1">
-                    <a:tint val="75000"/>
-                  </a:schemeClr>
-                </a:solidFill>
-              </a:defRPr>
+              <a:defRPr sz="1200"/>
             </a:lvl8pPr>
             <a:lvl9pPr marL="2743200" indent="0" algn="ctr">
               <a:buNone/>
-              <a:defRPr>
-                <a:solidFill>
-                  <a:schemeClr val="tx1">
-                    <a:tint val="75000"/>
-                  </a:schemeClr>
-                </a:solidFill>
-              </a:defRPr>
+              <a:defRPr sz="1200"/>
             </a:lvl9pPr>
           </a:lstStyle>
           <a:p>
             <a:r>
-              <a:rPr lang="en-US"/>
-              <a:t>Click to edit Master subtitle style</a:t>
-            </a:r>
-          </a:p>
-        </p:txBody>
-      </p:sp>
-      <p:sp>
-        <p:nvSpPr>
-          <p:cNvPr id="4" name="Date Placeholder 3"/>
+              <a:rPr kumimoji="1" lang="ja-JP" altLang="en-US" smtClean="0"/>
+              <a:t>マスター サブタイトルの書式設定</a:t>
+            </a:r>
+            <a:endParaRPr kumimoji="1" lang="ja-JP" altLang="en-US"/>
+          </a:p>
+        </p:txBody>
+      </p:sp>
+      <p:sp>
+        <p:nvSpPr>
+          <p:cNvPr id="4" name="日付プレースホルダー 3"/>
           <p:cNvSpPr>
             <a:spLocks noGrp="1"/>
           </p:cNvSpPr>
@@ -302,65 +734,147 @@
             <p:ph type="dt" sz="half" idx="10"/>
           </p:nvPr>
         </p:nvSpPr>
+        <p:spPr>
+          <a:xfrm>
+            <a:off x="628650" y="4767263"/>
+            <a:ext cx="2057400" cy="273844"/>
+          </a:xfrm>
+          <a:prstGeom prst="rect">
+            <a:avLst/>
+          </a:prstGeom>
+        </p:spPr>
+        <p:txBody>
+          <a:bodyPr/>
+          <a:lstStyle/>
+          <a:p>
+            <a:fld id="{2B2B8E5B-BA50-464C-8D3B-041D669C55FB}" type="datetime1">
+              <a:rPr kumimoji="1" lang="ja-JP" altLang="en-US" smtClean="0"/>
+              <a:t>2024/4/22</a:t>
+            </a:fld>
+            <a:endParaRPr kumimoji="1" lang="ja-JP" altLang="en-US"/>
+          </a:p>
+        </p:txBody>
+      </p:sp>
+      <p:sp>
+        <p:nvSpPr>
+          <p:cNvPr id="5" name="フッター プレースホルダー 4"/>
+          <p:cNvSpPr>
+            <a:spLocks noGrp="1"/>
+          </p:cNvSpPr>
+          <p:nvPr>
+            <p:ph type="ftr" sz="quarter" idx="11"/>
+          </p:nvPr>
+        </p:nvSpPr>
+        <p:spPr>
+          <a:xfrm>
+            <a:off x="3028950" y="4767263"/>
+            <a:ext cx="3086100" cy="273844"/>
+          </a:xfrm>
+          <a:prstGeom prst="rect">
+            <a:avLst/>
+          </a:prstGeom>
+        </p:spPr>
+        <p:txBody>
+          <a:bodyPr/>
+          <a:lstStyle/>
+          <a:p>
+            <a:endParaRPr kumimoji="1" lang="ja-JP" altLang="en-US"/>
+          </a:p>
+        </p:txBody>
+      </p:sp>
+      <p:sp>
+        <p:nvSpPr>
+          <p:cNvPr id="6" name="スライド番号プレースホルダー 5"/>
+          <p:cNvSpPr>
+            <a:spLocks noGrp="1"/>
+          </p:cNvSpPr>
+          <p:nvPr>
+            <p:ph type="sldNum" sz="quarter" idx="12"/>
+          </p:nvPr>
+        </p:nvSpPr>
         <p:spPr/>
         <p:txBody>
           <a:bodyPr/>
           <a:lstStyle/>
           <a:p>
-            <a:fld id="{241EB5C9-1307-BA42-ABA2-0BC069CD8E7F}" type="datetimeFigureOut">
-              <a:rPr lang="en-US" smtClean="0"/>
-              <a:t>1/2/22</a:t>
-            </a:fld>
-            <a:endParaRPr lang="en-US"/>
-          </a:p>
-        </p:txBody>
-      </p:sp>
-      <p:sp>
-        <p:nvSpPr>
-          <p:cNvPr id="5" name="Footer Placeholder 4"/>
-          <p:cNvSpPr>
-            <a:spLocks noGrp="1"/>
-          </p:cNvSpPr>
-          <p:nvPr>
-            <p:ph type="ftr" sz="quarter" idx="11"/>
-          </p:nvPr>
-        </p:nvSpPr>
-        <p:spPr/>
-        <p:txBody>
-          <a:bodyPr/>
-          <a:lstStyle/>
-          <a:p>
-            <a:endParaRPr lang="en-US"/>
-          </a:p>
-        </p:txBody>
-      </p:sp>
-      <p:sp>
-        <p:nvSpPr>
-          <p:cNvPr id="6" name="Slide Number Placeholder 5"/>
-          <p:cNvSpPr>
-            <a:spLocks noGrp="1"/>
-          </p:cNvSpPr>
-          <p:nvPr>
-            <p:ph type="sldNum" sz="quarter" idx="12"/>
-          </p:nvPr>
-        </p:nvSpPr>
-        <p:spPr/>
-        <p:txBody>
-          <a:bodyPr/>
-          <a:lstStyle/>
-          <a:p>
-            <a:fld id="{C5EF2332-01BF-834F-8236-50238282D533}" type="slidenum">
-              <a:rPr lang="en-US" smtClean="0"/>
+            <a:fld id="{EC9FE446-0DE4-4663-A80B-7CF44FF3B4A2}" type="slidenum">
+              <a:rPr kumimoji="1" lang="ja-JP" altLang="en-US" smtClean="0"/>
               <a:t>‹#›</a:t>
             </a:fld>
-            <a:endParaRPr lang="en-US"/>
-          </a:p>
-        </p:txBody>
-      </p:sp>
+            <a:endParaRPr kumimoji="1" lang="ja-JP" altLang="en-US"/>
+          </a:p>
+        </p:txBody>
+      </p:sp>
+      <p:pic>
+        <p:nvPicPr>
+          <p:cNvPr id="7" name="Grafik 1"/>
+          <p:cNvPicPr>
+            <a:picLocks noChangeAspect="1"/>
+          </p:cNvPicPr>
+          <p:nvPr userDrawn="1"/>
+        </p:nvPicPr>
+        <p:blipFill>
+          <a:blip r:embed="rId2" cstate="print">
+            <a:extLst>
+              <a:ext uri="{28A0092B-C50C-407E-A947-70E740481C1C}">
+                <a14:useLocalDpi xmlns:a14="http://schemas.microsoft.com/office/drawing/2010/main"/>
+              </a:ext>
+            </a:extLst>
+          </a:blip>
+          <a:stretch>
+            <a:fillRect/>
+          </a:stretch>
+        </p:blipFill>
+        <p:spPr>
+          <a:xfrm>
+            <a:off x="144461" y="144001"/>
+            <a:ext cx="8856000" cy="3612141"/>
+          </a:xfrm>
+          <a:prstGeom prst="rect">
+            <a:avLst/>
+          </a:prstGeom>
+        </p:spPr>
+      </p:pic>
+      <p:pic>
+        <p:nvPicPr>
+          <p:cNvPr id="8" name="Grafik 2">
+            <a:extLst>
+              <a:ext uri="{FF2B5EF4-FFF2-40B4-BE49-F238E27FC236}">
+                <a16:creationId xmlns:a16="http://schemas.microsoft.com/office/drawing/2014/main" id="{A327EC02-4AE0-9F43-1C8F-173C02CF123B}"/>
+              </a:ext>
+            </a:extLst>
+          </p:cNvPr>
+          <p:cNvPicPr>
+            <a:picLocks noChangeAspect="1"/>
+          </p:cNvPicPr>
+          <p:nvPr userDrawn="1"/>
+        </p:nvPicPr>
+        <p:blipFill>
+          <a:blip r:embed="rId3" cstate="print">
+            <a:extLst>
+              <a:ext uri="{28A0092B-C50C-407E-A947-70E740481C1C}">
+                <a14:useLocalDpi xmlns:a14="http://schemas.microsoft.com/office/drawing/2010/main" val="0"/>
+              </a:ext>
+            </a:extLst>
+          </a:blip>
+          <a:stretch>
+            <a:fillRect/>
+          </a:stretch>
+        </p:blipFill>
+        <p:spPr>
+          <a:xfrm>
+            <a:off x="6490927" y="4411645"/>
+            <a:ext cx="2489787" cy="291689"/>
+          </a:xfrm>
+          <a:prstGeom prst="rect">
+            <a:avLst/>
+          </a:prstGeom>
+        </p:spPr>
+      </p:pic>
     </p:spTree>
     <p:extLst>
       <p:ext uri="{BB962C8B-B14F-4D97-AF65-F5344CB8AC3E}">
-        <p14:creationId xmlns:p14="http://schemas.microsoft.com/office/powerpoint/2010/main" val="1444357513"/>
+        <p14:creationId xmlns:p14="http://schemas.microsoft.com/office/powerpoint/2010/main" val="4069258676"/>
       </p:ext>
     </p:extLst>
   </p:cSld>
@@ -735,7 +1249,7 @@
       </p:grpSpPr>
       <p:sp>
         <p:nvSpPr>
-          <p:cNvPr id="2" name="Title 1"/>
+          <p:cNvPr id="2" name="タイトル 1"/>
           <p:cNvSpPr>
             <a:spLocks noGrp="1"/>
           </p:cNvSpPr>
@@ -749,15 +1263,16 @@
           <a:lstStyle/>
           <a:p>
             <a:r>
-              <a:rPr lang="en-US"/>
-              <a:t>Click to edit Master title style</a:t>
-            </a:r>
-          </a:p>
-        </p:txBody>
-      </p:sp>
-      <p:sp>
-        <p:nvSpPr>
-          <p:cNvPr id="3" name="Content Placeholder 2"/>
+              <a:rPr kumimoji="1" lang="ja-JP" altLang="en-US" smtClean="0"/>
+              <a:t>マスター タイトルの書式設定</a:t>
+            </a:r>
+            <a:endParaRPr kumimoji="1" lang="ja-JP" altLang="en-US"/>
+          </a:p>
+        </p:txBody>
+      </p:sp>
+      <p:sp>
+        <p:nvSpPr>
+          <p:cNvPr id="3" name="コンテンツ プレースホルダー 2"/>
           <p:cNvSpPr>
             <a:spLocks noGrp="1"/>
           </p:cNvSpPr>
@@ -765,116 +1280,337 @@
             <p:ph idx="1"/>
           </p:nvPr>
         </p:nvSpPr>
+        <p:spPr>
+          <a:noFill/>
+          <a:ln w="9525">
+            <a:noFill/>
+            <a:miter lim="800000"/>
+            <a:headEnd/>
+            <a:tailEnd/>
+          </a:ln>
+        </p:spPr>
+        <p:txBody>
+          <a:bodyPr vert="horz" wrap="square" lIns="0" tIns="0" rIns="0" bIns="0" numCol="1" anchor="t" anchorCtr="0" compatLnSpc="1">
+            <a:prstTxWarp prst="textNoShape">
+              <a:avLst/>
+            </a:prstTxWarp>
+          </a:bodyPr>
+          <a:lstStyle>
+            <a:lvl1pPr>
+              <a:defRPr lang="ja-JP" altLang="en-US" smtClean="0">
+                <a:latin typeface="ＭＳ Ｐゴシック" panose="020B0600070205080204" pitchFamily="50" charset="-128"/>
+                <a:ea typeface="ＭＳ Ｐゴシック" panose="020B0600070205080204" pitchFamily="50" charset="-128"/>
+              </a:defRPr>
+            </a:lvl1pPr>
+            <a:lvl2pPr>
+              <a:defRPr lang="ja-JP" altLang="en-US" smtClean="0"/>
+            </a:lvl2pPr>
+            <a:lvl3pPr>
+              <a:defRPr lang="ja-JP" altLang="en-US" smtClean="0"/>
+            </a:lvl3pPr>
+            <a:lvl4pPr>
+              <a:defRPr lang="ja-JP" altLang="en-US" smtClean="0"/>
+            </a:lvl4pPr>
+            <a:lvl5pPr>
+              <a:defRPr lang="ja-JP" altLang="en-US"/>
+            </a:lvl5pPr>
+          </a:lstStyle>
+          <a:p>
+            <a:pPr marL="0" lvl="0" indent="0" eaLnBrk="0" fontAlgn="base" hangingPunct="0">
+              <a:lnSpc>
+                <a:spcPct val="100000"/>
+              </a:lnSpc>
+              <a:spcBef>
+                <a:spcPts val="450"/>
+              </a:spcBef>
+              <a:spcAft>
+                <a:spcPct val="0"/>
+              </a:spcAft>
+              <a:buNone/>
+            </a:pPr>
+            <a:r>
+              <a:rPr kumimoji="1" lang="ja-JP" altLang="en-US" smtClean="0"/>
+              <a:t>マスター テキストの書式設定</a:t>
+            </a:r>
+          </a:p>
+          <a:p>
+            <a:pPr marL="133347" lvl="1" indent="-132157" eaLnBrk="0" fontAlgn="base" hangingPunct="0">
+              <a:lnSpc>
+                <a:spcPct val="100000"/>
+              </a:lnSpc>
+              <a:spcBef>
+                <a:spcPts val="450"/>
+              </a:spcBef>
+              <a:spcAft>
+                <a:spcPct val="0"/>
+              </a:spcAft>
+              <a:buClr>
+                <a:srgbClr val="DA2131"/>
+              </a:buClr>
+            </a:pPr>
+            <a:r>
+              <a:rPr kumimoji="1" lang="ja-JP" altLang="en-US" smtClean="0"/>
+              <a:t>第 </a:t>
+            </a:r>
+            <a:r>
+              <a:rPr kumimoji="1" lang="en-US" altLang="ja-JP" smtClean="0"/>
+              <a:t>2 </a:t>
+            </a:r>
+            <a:r>
+              <a:rPr kumimoji="1" lang="ja-JP" altLang="en-US" smtClean="0"/>
+              <a:t>レベル</a:t>
+            </a:r>
+          </a:p>
+          <a:p>
+            <a:pPr marL="538150" lvl="2" indent="-111917" eaLnBrk="0" fontAlgn="base" hangingPunct="0">
+              <a:lnSpc>
+                <a:spcPct val="100000"/>
+              </a:lnSpc>
+              <a:spcBef>
+                <a:spcPts val="450"/>
+              </a:spcBef>
+              <a:spcAft>
+                <a:spcPct val="0"/>
+              </a:spcAft>
+              <a:buChar char="-"/>
+            </a:pPr>
+            <a:r>
+              <a:rPr kumimoji="1" lang="ja-JP" altLang="en-US" smtClean="0"/>
+              <a:t>第 </a:t>
+            </a:r>
+            <a:r>
+              <a:rPr kumimoji="1" lang="en-US" altLang="ja-JP" smtClean="0"/>
+              <a:t>3 </a:t>
+            </a:r>
+            <a:r>
+              <a:rPr kumimoji="1" lang="ja-JP" altLang="en-US" smtClean="0"/>
+              <a:t>レベル</a:t>
+            </a:r>
+          </a:p>
+          <a:p>
+            <a:pPr marL="1752557" lvl="3" indent="-133347" eaLnBrk="0" fontAlgn="base" hangingPunct="0">
+              <a:lnSpc>
+                <a:spcPct val="100000"/>
+              </a:lnSpc>
+              <a:spcBef>
+                <a:spcPts val="450"/>
+              </a:spcBef>
+              <a:spcAft>
+                <a:spcPct val="0"/>
+              </a:spcAft>
+              <a:buFont typeface="Symbol" panose="05050102010706020507" pitchFamily="18" charset="2"/>
+              <a:buChar char="-"/>
+            </a:pPr>
+            <a:r>
+              <a:rPr kumimoji="1" lang="ja-JP" altLang="en-US" smtClean="0"/>
+              <a:t>第 </a:t>
+            </a:r>
+            <a:r>
+              <a:rPr kumimoji="1" lang="en-US" altLang="ja-JP" smtClean="0"/>
+              <a:t>4 </a:t>
+            </a:r>
+            <a:r>
+              <a:rPr kumimoji="1" lang="ja-JP" altLang="en-US" smtClean="0"/>
+              <a:t>レベル</a:t>
+            </a:r>
+          </a:p>
+          <a:p>
+            <a:pPr marL="1752557" lvl="4" indent="-133347" eaLnBrk="0" fontAlgn="base" hangingPunct="0">
+              <a:lnSpc>
+                <a:spcPct val="100000"/>
+              </a:lnSpc>
+              <a:spcBef>
+                <a:spcPts val="450"/>
+              </a:spcBef>
+              <a:spcAft>
+                <a:spcPct val="0"/>
+              </a:spcAft>
+              <a:buClr>
+                <a:srgbClr val="DA2131"/>
+              </a:buClr>
+            </a:pPr>
+            <a:r>
+              <a:rPr kumimoji="1" lang="ja-JP" altLang="en-US" smtClean="0"/>
+              <a:t>第 </a:t>
+            </a:r>
+            <a:r>
+              <a:rPr kumimoji="1" lang="en-US" altLang="ja-JP" smtClean="0"/>
+              <a:t>5 </a:t>
+            </a:r>
+            <a:r>
+              <a:rPr kumimoji="1" lang="ja-JP" altLang="en-US" smtClean="0"/>
+              <a:t>レベル</a:t>
+            </a:r>
+            <a:endParaRPr kumimoji="1" lang="ja-JP" altLang="en-US"/>
+          </a:p>
+        </p:txBody>
+      </p:sp>
+      <p:sp>
+        <p:nvSpPr>
+          <p:cNvPr id="4" name="日付プレースホルダー 3"/>
+          <p:cNvSpPr>
+            <a:spLocks noGrp="1"/>
+          </p:cNvSpPr>
+          <p:nvPr>
+            <p:ph type="dt" sz="half" idx="10"/>
+          </p:nvPr>
+        </p:nvSpPr>
+        <p:spPr>
+          <a:xfrm>
+            <a:off x="628650" y="4767263"/>
+            <a:ext cx="2057400" cy="273844"/>
+          </a:xfrm>
+          <a:prstGeom prst="rect">
+            <a:avLst/>
+          </a:prstGeom>
+        </p:spPr>
+        <p:txBody>
+          <a:bodyPr/>
+          <a:lstStyle/>
+          <a:p>
+            <a:fld id="{11061F0C-B02F-4B72-9330-B608A15BCE6C}" type="datetime1">
+              <a:rPr kumimoji="1" lang="ja-JP" altLang="en-US" smtClean="0"/>
+              <a:t>2024/4/22</a:t>
+            </a:fld>
+            <a:endParaRPr kumimoji="1" lang="ja-JP" altLang="en-US"/>
+          </a:p>
+        </p:txBody>
+      </p:sp>
+      <p:sp>
+        <p:nvSpPr>
+          <p:cNvPr id="5" name="フッター プレースホルダー 4"/>
+          <p:cNvSpPr>
+            <a:spLocks noGrp="1"/>
+          </p:cNvSpPr>
+          <p:nvPr>
+            <p:ph type="ftr" sz="quarter" idx="11"/>
+          </p:nvPr>
+        </p:nvSpPr>
+        <p:spPr>
+          <a:xfrm>
+            <a:off x="3028950" y="4767263"/>
+            <a:ext cx="3086100" cy="273844"/>
+          </a:xfrm>
+          <a:prstGeom prst="rect">
+            <a:avLst/>
+          </a:prstGeom>
+        </p:spPr>
+        <p:txBody>
+          <a:bodyPr/>
+          <a:lstStyle/>
+          <a:p>
+            <a:endParaRPr kumimoji="1" lang="ja-JP" altLang="en-US"/>
+          </a:p>
+        </p:txBody>
+      </p:sp>
+      <p:sp>
+        <p:nvSpPr>
+          <p:cNvPr id="6" name="スライド番号プレースホルダー 5"/>
+          <p:cNvSpPr>
+            <a:spLocks noGrp="1"/>
+          </p:cNvSpPr>
+          <p:nvPr>
+            <p:ph type="sldNum" sz="quarter" idx="12"/>
+          </p:nvPr>
+        </p:nvSpPr>
         <p:spPr/>
         <p:txBody>
           <a:bodyPr/>
           <a:lstStyle/>
           <a:p>
-            <a:pPr lvl="0"/>
-            <a:r>
-              <a:rPr lang="en-US"/>
-              <a:t>Click to edit Master text styles</a:t>
-            </a:r>
-          </a:p>
-          <a:p>
-            <a:pPr lvl="1"/>
-            <a:r>
-              <a:rPr lang="en-US"/>
-              <a:t>Second level</a:t>
-            </a:r>
-          </a:p>
-          <a:p>
-            <a:pPr lvl="2"/>
-            <a:r>
-              <a:rPr lang="en-US"/>
-              <a:t>Third level</a:t>
-            </a:r>
-          </a:p>
-          <a:p>
-            <a:pPr lvl="3"/>
-            <a:r>
-              <a:rPr lang="en-US"/>
-              <a:t>Fourth level</a:t>
-            </a:r>
-          </a:p>
-          <a:p>
-            <a:pPr lvl="4"/>
-            <a:r>
-              <a:rPr lang="en-US"/>
-              <a:t>Fifth level</a:t>
-            </a:r>
-          </a:p>
-        </p:txBody>
-      </p:sp>
-      <p:sp>
-        <p:nvSpPr>
-          <p:cNvPr id="4" name="Date Placeholder 3"/>
-          <p:cNvSpPr>
-            <a:spLocks noGrp="1"/>
-          </p:cNvSpPr>
-          <p:nvPr>
-            <p:ph type="dt" sz="half" idx="10"/>
-          </p:nvPr>
-        </p:nvSpPr>
-        <p:spPr/>
-        <p:txBody>
-          <a:bodyPr/>
-          <a:lstStyle/>
-          <a:p>
-            <a:fld id="{241EB5C9-1307-BA42-ABA2-0BC069CD8E7F}" type="datetimeFigureOut">
-              <a:rPr lang="en-US" smtClean="0"/>
-              <a:t>1/2/22</a:t>
-            </a:fld>
-            <a:endParaRPr lang="en-US"/>
-          </a:p>
-        </p:txBody>
-      </p:sp>
-      <p:sp>
-        <p:nvSpPr>
-          <p:cNvPr id="5" name="Footer Placeholder 4"/>
-          <p:cNvSpPr>
-            <a:spLocks noGrp="1"/>
-          </p:cNvSpPr>
-          <p:nvPr>
-            <p:ph type="ftr" sz="quarter" idx="11"/>
-          </p:nvPr>
-        </p:nvSpPr>
-        <p:spPr/>
-        <p:txBody>
-          <a:bodyPr/>
-          <a:lstStyle/>
-          <a:p>
-            <a:endParaRPr lang="en-US"/>
-          </a:p>
-        </p:txBody>
-      </p:sp>
-      <p:sp>
-        <p:nvSpPr>
-          <p:cNvPr id="6" name="Slide Number Placeholder 5"/>
-          <p:cNvSpPr>
-            <a:spLocks noGrp="1"/>
-          </p:cNvSpPr>
-          <p:nvPr>
-            <p:ph type="sldNum" sz="quarter" idx="12"/>
-          </p:nvPr>
-        </p:nvSpPr>
-        <p:spPr/>
-        <p:txBody>
-          <a:bodyPr/>
-          <a:lstStyle/>
-          <a:p>
-            <a:fld id="{C5EF2332-01BF-834F-8236-50238282D533}" type="slidenum">
-              <a:rPr lang="en-US" smtClean="0"/>
+            <a:fld id="{D6591E97-2355-4C5F-BA98-15BCC4DBE61A}" type="slidenum">
+              <a:rPr kumimoji="1" lang="ja-JP" altLang="en-US" smtClean="0"/>
               <a:t>‹#›</a:t>
             </a:fld>
-            <a:endParaRPr lang="en-US"/>
+            <a:endParaRPr kumimoji="1" lang="ja-JP" altLang="en-US"/>
+          </a:p>
+        </p:txBody>
+      </p:sp>
+      <p:sp>
+        <p:nvSpPr>
+          <p:cNvPr id="7" name="Shape 2"/>
+          <p:cNvSpPr/>
+          <p:nvPr userDrawn="1"/>
+        </p:nvSpPr>
+        <p:spPr>
+          <a:xfrm>
+            <a:off x="286069" y="4879918"/>
+            <a:ext cx="198125" cy="198125"/>
+          </a:xfrm>
+          <a:custGeom>
+            <a:avLst/>
+            <a:gdLst/>
+            <a:ahLst/>
+            <a:cxnLst>
+              <a:cxn ang="0">
+                <a:pos x="wd2" y="hd2"/>
+              </a:cxn>
+              <a:cxn ang="5400000">
+                <a:pos x="wd2" y="hd2"/>
+              </a:cxn>
+              <a:cxn ang="10800000">
+                <a:pos x="wd2" y="hd2"/>
+              </a:cxn>
+              <a:cxn ang="16200000">
+                <a:pos x="wd2" y="hd2"/>
+              </a:cxn>
+            </a:cxnLst>
+            <a:rect l="0" t="0" r="r" b="b"/>
+            <a:pathLst>
+              <a:path w="19679" h="19679" extrusionOk="0">
+                <a:moveTo>
+                  <a:pt x="16796" y="2882"/>
+                </a:moveTo>
+                <a:cubicBezTo>
+                  <a:pt x="20639" y="6724"/>
+                  <a:pt x="20639" y="12954"/>
+                  <a:pt x="16796" y="16796"/>
+                </a:cubicBezTo>
+                <a:cubicBezTo>
+                  <a:pt x="12954" y="20639"/>
+                  <a:pt x="6724" y="20639"/>
+                  <a:pt x="2882" y="16796"/>
+                </a:cubicBezTo>
+                <a:cubicBezTo>
+                  <a:pt x="-961" y="12954"/>
+                  <a:pt x="-961" y="6724"/>
+                  <a:pt x="2882" y="2882"/>
+                </a:cubicBezTo>
+                <a:cubicBezTo>
+                  <a:pt x="6724" y="-961"/>
+                  <a:pt x="12954" y="-961"/>
+                  <a:pt x="16796" y="2882"/>
+                </a:cubicBezTo>
+                <a:close/>
+              </a:path>
+            </a:pathLst>
+          </a:custGeom>
+          <a:solidFill>
+            <a:srgbClr val="DA2128"/>
+          </a:solidFill>
+          <a:ln w="12700">
+            <a:miter lim="400000"/>
+          </a:ln>
+        </p:spPr>
+        <p:txBody>
+          <a:bodyPr lIns="0" tIns="0" rIns="0" bIns="0" anchor="ctr"/>
+          <a:lstStyle/>
+          <a:p>
+            <a:pPr lvl="0">
+              <a:defRPr sz="2400">
+                <a:solidFill>
+                  <a:srgbClr val="FFFFFF"/>
+                </a:solidFill>
+              </a:defRPr>
+            </a:pPr>
+            <a:endParaRPr sz="1500"/>
           </a:p>
         </p:txBody>
       </p:sp>
     </p:spTree>
     <p:extLst>
       <p:ext uri="{BB962C8B-B14F-4D97-AF65-F5344CB8AC3E}">
-        <p14:creationId xmlns:p14="http://schemas.microsoft.com/office/powerpoint/2010/main" val="338346009"/>
+        <p14:creationId xmlns:p14="http://schemas.microsoft.com/office/powerpoint/2010/main" val="184868823"/>
       </p:ext>
     </p:extLst>
   </p:cSld>
@@ -901,9 +1637,38 @@
           <a:chExt cx="0" cy="0"/>
         </a:xfrm>
       </p:grpSpPr>
-      <p:sp>
-        <p:nvSpPr>
-          <p:cNvPr id="2" name="Title 1"/>
+      <p:pic>
+        <p:nvPicPr>
+          <p:cNvPr id="7" name="Grafik 1"/>
+          <p:cNvPicPr preferRelativeResize="0">
+            <a:picLocks/>
+          </p:cNvPicPr>
+          <p:nvPr userDrawn="1"/>
+        </p:nvPicPr>
+        <p:blipFill rotWithShape="1">
+          <a:blip r:embed="rId2" cstate="screen">
+            <a:extLst>
+              <a:ext uri="{28A0092B-C50C-407E-A947-70E740481C1C}">
+                <a14:useLocalDpi xmlns:a14="http://schemas.microsoft.com/office/drawing/2010/main"/>
+              </a:ext>
+            </a:extLst>
+          </a:blip>
+          <a:srcRect b="4449"/>
+          <a:stretch/>
+        </p:blipFill>
+        <p:spPr>
+          <a:xfrm>
+            <a:off x="144000" y="143550"/>
+            <a:ext cx="8856000" cy="4640323"/>
+          </a:xfrm>
+          <a:prstGeom prst="rect">
+            <a:avLst/>
+          </a:prstGeom>
+        </p:spPr>
+      </p:pic>
+      <p:sp>
+        <p:nvSpPr>
+          <p:cNvPr id="2" name="タイトル 1"/>
           <p:cNvSpPr>
             <a:spLocks noGrp="1"/>
           </p:cNvSpPr>
@@ -913,28 +1678,36 @@
         </p:nvSpPr>
         <p:spPr>
           <a:xfrm>
-            <a:off x="722313" y="3305176"/>
-            <a:ext cx="7772400" cy="1021556"/>
-          </a:xfrm>
-        </p:spPr>
-        <p:txBody>
-          <a:bodyPr anchor="t"/>
+            <a:off x="860400" y="1098000"/>
+            <a:ext cx="3470400" cy="345600"/>
+          </a:xfrm>
+        </p:spPr>
+        <p:txBody>
+          <a:bodyPr anchor="b">
+            <a:normAutofit/>
+          </a:bodyPr>
           <a:lstStyle>
-            <a:lvl1pPr algn="l">
-              <a:defRPr sz="3000" b="1" cap="all"/>
+            <a:lvl1pPr>
+              <a:defRPr sz="1800">
+                <a:solidFill>
+                  <a:schemeClr val="bg1"/>
+                </a:solidFill>
+                <a:latin typeface="Arial Black" panose="020B0A04020102020204" pitchFamily="34" charset="0"/>
+              </a:defRPr>
             </a:lvl1pPr>
           </a:lstStyle>
           <a:p>
             <a:r>
-              <a:rPr lang="en-US"/>
-              <a:t>Click to edit Master title style</a:t>
-            </a:r>
-          </a:p>
-        </p:txBody>
-      </p:sp>
-      <p:sp>
-        <p:nvSpPr>
-          <p:cNvPr id="3" name="Text Placeholder 2"/>
+              <a:rPr kumimoji="1" lang="ja-JP" altLang="en-US" smtClean="0"/>
+              <a:t>マスター タイトルの書式設定</a:t>
+            </a:r>
+            <a:endParaRPr kumimoji="1" lang="ja-JP" altLang="en-US"/>
+          </a:p>
+        </p:txBody>
+      </p:sp>
+      <p:sp>
+        <p:nvSpPr>
+          <p:cNvPr id="3" name="テキスト プレースホルダー 2"/>
           <p:cNvSpPr>
             <a:spLocks noGrp="1"/>
           </p:cNvSpPr>
@@ -944,26 +1717,24 @@
         </p:nvSpPr>
         <p:spPr>
           <a:xfrm>
-            <a:off x="722313" y="2180035"/>
-            <a:ext cx="7772400" cy="1125140"/>
-          </a:xfrm>
-        </p:spPr>
-        <p:txBody>
-          <a:bodyPr anchor="b"/>
+            <a:off x="860400" y="1476000"/>
+            <a:ext cx="3470400" cy="619200"/>
+          </a:xfrm>
+        </p:spPr>
+        <p:txBody>
+          <a:bodyPr/>
           <a:lstStyle>
             <a:lvl1pPr marL="0" indent="0">
               <a:buNone/>
-              <a:defRPr sz="1500">
+              <a:defRPr sz="900">
                 <a:solidFill>
-                  <a:schemeClr val="tx1">
-                    <a:tint val="75000"/>
-                  </a:schemeClr>
+                  <a:schemeClr val="bg1"/>
                 </a:solidFill>
               </a:defRPr>
             </a:lvl1pPr>
             <a:lvl2pPr marL="342900" indent="0">
               <a:buNone/>
-              <a:defRPr sz="1350">
+              <a:defRPr sz="1500">
                 <a:solidFill>
                   <a:schemeClr val="tx1">
                     <a:tint val="75000"/>
@@ -973,7 +1744,7 @@
             </a:lvl2pPr>
             <a:lvl3pPr marL="685800" indent="0">
               <a:buNone/>
-              <a:defRPr sz="1200">
+              <a:defRPr sz="1350">
                 <a:solidFill>
                   <a:schemeClr val="tx1">
                     <a:tint val="75000"/>
@@ -983,7 +1754,7 @@
             </a:lvl3pPr>
             <a:lvl4pPr marL="1028700" indent="0">
               <a:buNone/>
-              <a:defRPr sz="1050">
+              <a:defRPr sz="1200">
                 <a:solidFill>
                   <a:schemeClr val="tx1">
                     <a:tint val="75000"/>
@@ -993,7 +1764,7 @@
             </a:lvl4pPr>
             <a:lvl5pPr marL="1371600" indent="0">
               <a:buNone/>
-              <a:defRPr sz="1050">
+              <a:defRPr sz="1200">
                 <a:solidFill>
                   <a:schemeClr val="tx1">
                     <a:tint val="75000"/>
@@ -1003,7 +1774,7 @@
             </a:lvl5pPr>
             <a:lvl6pPr marL="1714500" indent="0">
               <a:buNone/>
-              <a:defRPr sz="1050">
+              <a:defRPr sz="1200">
                 <a:solidFill>
                   <a:schemeClr val="tx1">
                     <a:tint val="75000"/>
@@ -1013,7 +1784,7 @@
             </a:lvl6pPr>
             <a:lvl7pPr marL="2057400" indent="0">
               <a:buNone/>
-              <a:defRPr sz="1050">
+              <a:defRPr sz="1200">
                 <a:solidFill>
                   <a:schemeClr val="tx1">
                     <a:tint val="75000"/>
@@ -1023,7 +1794,7 @@
             </a:lvl7pPr>
             <a:lvl8pPr marL="2400300" indent="0">
               <a:buNone/>
-              <a:defRPr sz="1050">
+              <a:defRPr sz="1200">
                 <a:solidFill>
                   <a:schemeClr val="tx1">
                     <a:tint val="75000"/>
@@ -1033,7 +1804,7 @@
             </a:lvl8pPr>
             <a:lvl9pPr marL="2743200" indent="0">
               <a:buNone/>
-              <a:defRPr sz="1050">
+              <a:defRPr sz="1200">
                 <a:solidFill>
                   <a:schemeClr val="tx1">
                     <a:tint val="75000"/>
@@ -1045,15 +1816,15 @@
           <a:p>
             <a:pPr lvl="0"/>
             <a:r>
-              <a:rPr lang="en-US"/>
-              <a:t>Click to edit Master text styles</a:t>
-            </a:r>
-          </a:p>
-        </p:txBody>
-      </p:sp>
-      <p:sp>
-        <p:nvSpPr>
-          <p:cNvPr id="4" name="Date Placeholder 3"/>
+              <a:rPr kumimoji="1" lang="ja-JP" altLang="en-US" smtClean="0"/>
+              <a:t>マスター テキストの書式設定</a:t>
+            </a:r>
+          </a:p>
+        </p:txBody>
+      </p:sp>
+      <p:sp>
+        <p:nvSpPr>
+          <p:cNvPr id="4" name="日付プレースホルダー 3"/>
           <p:cNvSpPr>
             <a:spLocks noGrp="1"/>
           </p:cNvSpPr>
@@ -1061,65 +1832,118 @@
             <p:ph type="dt" sz="half" idx="10"/>
           </p:nvPr>
         </p:nvSpPr>
+        <p:spPr>
+          <a:xfrm>
+            <a:off x="628650" y="4767263"/>
+            <a:ext cx="2057400" cy="273844"/>
+          </a:xfrm>
+          <a:prstGeom prst="rect">
+            <a:avLst/>
+          </a:prstGeom>
+        </p:spPr>
+        <p:txBody>
+          <a:bodyPr/>
+          <a:lstStyle/>
+          <a:p>
+            <a:fld id="{A05C19A2-0374-4011-89C3-86AC619A716D}" type="datetime1">
+              <a:rPr kumimoji="1" lang="ja-JP" altLang="en-US" smtClean="0"/>
+              <a:t>2024/4/22</a:t>
+            </a:fld>
+            <a:endParaRPr kumimoji="1" lang="ja-JP" altLang="en-US"/>
+          </a:p>
+        </p:txBody>
+      </p:sp>
+      <p:sp>
+        <p:nvSpPr>
+          <p:cNvPr id="5" name="フッター プレースホルダー 4"/>
+          <p:cNvSpPr>
+            <a:spLocks noGrp="1"/>
+          </p:cNvSpPr>
+          <p:nvPr>
+            <p:ph type="ftr" sz="quarter" idx="11"/>
+          </p:nvPr>
+        </p:nvSpPr>
+        <p:spPr>
+          <a:xfrm>
+            <a:off x="3028950" y="4767263"/>
+            <a:ext cx="3086100" cy="273844"/>
+          </a:xfrm>
+          <a:prstGeom prst="rect">
+            <a:avLst/>
+          </a:prstGeom>
+        </p:spPr>
+        <p:txBody>
+          <a:bodyPr/>
+          <a:lstStyle/>
+          <a:p>
+            <a:endParaRPr kumimoji="1" lang="ja-JP" altLang="en-US"/>
+          </a:p>
+        </p:txBody>
+      </p:sp>
+      <p:sp>
+        <p:nvSpPr>
+          <p:cNvPr id="6" name="スライド番号プレースホルダー 5"/>
+          <p:cNvSpPr>
+            <a:spLocks noGrp="1"/>
+          </p:cNvSpPr>
+          <p:nvPr>
+            <p:ph type="sldNum" sz="quarter" idx="12"/>
+          </p:nvPr>
+        </p:nvSpPr>
         <p:spPr/>
         <p:txBody>
           <a:bodyPr/>
           <a:lstStyle/>
           <a:p>
-            <a:fld id="{241EB5C9-1307-BA42-ABA2-0BC069CD8E7F}" type="datetimeFigureOut">
-              <a:rPr lang="en-US" smtClean="0"/>
-              <a:t>1/2/22</a:t>
-            </a:fld>
-            <a:endParaRPr lang="en-US"/>
-          </a:p>
-        </p:txBody>
-      </p:sp>
-      <p:sp>
-        <p:nvSpPr>
-          <p:cNvPr id="5" name="Footer Placeholder 4"/>
-          <p:cNvSpPr>
-            <a:spLocks noGrp="1"/>
-          </p:cNvSpPr>
-          <p:nvPr>
-            <p:ph type="ftr" sz="quarter" idx="11"/>
-          </p:nvPr>
-        </p:nvSpPr>
-        <p:spPr/>
-        <p:txBody>
-          <a:bodyPr/>
-          <a:lstStyle/>
-          <a:p>
-            <a:endParaRPr lang="en-US"/>
-          </a:p>
-        </p:txBody>
-      </p:sp>
-      <p:sp>
-        <p:nvSpPr>
-          <p:cNvPr id="6" name="Slide Number Placeholder 5"/>
-          <p:cNvSpPr>
-            <a:spLocks noGrp="1"/>
-          </p:cNvSpPr>
-          <p:nvPr>
-            <p:ph type="sldNum" sz="quarter" idx="12"/>
-          </p:nvPr>
-        </p:nvSpPr>
-        <p:spPr/>
-        <p:txBody>
-          <a:bodyPr/>
-          <a:lstStyle/>
-          <a:p>
-            <a:fld id="{C5EF2332-01BF-834F-8236-50238282D533}" type="slidenum">
-              <a:rPr lang="en-US" smtClean="0"/>
+            <a:fld id="{D6591E97-2355-4C5F-BA98-15BCC4DBE61A}" type="slidenum">
+              <a:rPr kumimoji="1" lang="ja-JP" altLang="en-US" smtClean="0"/>
               <a:t>‹#›</a:t>
             </a:fld>
-            <a:endParaRPr lang="en-US"/>
-          </a:p>
-        </p:txBody>
-      </p:sp>
+            <a:endParaRPr kumimoji="1" lang="ja-JP" altLang="en-US"/>
+          </a:p>
+        </p:txBody>
+      </p:sp>
+      <p:pic>
+        <p:nvPicPr>
+          <p:cNvPr id="8" name="Grafik 2">
+            <a:extLst>
+              <a:ext uri="{FF2B5EF4-FFF2-40B4-BE49-F238E27FC236}">
+                <a16:creationId xmlns:a16="http://schemas.microsoft.com/office/drawing/2014/main" id="{E4B73CF0-AB45-3DB0-EE7B-AE0F96A32684}"/>
+              </a:ext>
+            </a:extLst>
+          </p:cNvPr>
+          <p:cNvPicPr>
+            <a:picLocks noChangeAspect="1"/>
+          </p:cNvPicPr>
+          <p:nvPr userDrawn="1"/>
+        </p:nvPicPr>
+        <p:blipFill>
+          <a:blip r:embed="rId3" cstate="print">
+            <a:biLevel thresh="25000"/>
+            <a:extLst>
+              <a:ext uri="{28A0092B-C50C-407E-A947-70E740481C1C}">
+                <a14:useLocalDpi xmlns:a14="http://schemas.microsoft.com/office/drawing/2010/main" val="0"/>
+              </a:ext>
+            </a:extLst>
+          </a:blip>
+          <a:stretch>
+            <a:fillRect/>
+          </a:stretch>
+        </p:blipFill>
+        <p:spPr>
+          <a:xfrm>
+            <a:off x="6882492" y="349857"/>
+            <a:ext cx="1967593" cy="230512"/>
+          </a:xfrm>
+          <a:prstGeom prst="rect">
+            <a:avLst/>
+          </a:prstGeom>
+        </p:spPr>
+      </p:pic>
     </p:spTree>
     <p:extLst>
       <p:ext uri="{BB962C8B-B14F-4D97-AF65-F5344CB8AC3E}">
-        <p14:creationId xmlns:p14="http://schemas.microsoft.com/office/powerpoint/2010/main" val="1073069076"/>
+        <p14:creationId xmlns:p14="http://schemas.microsoft.com/office/powerpoint/2010/main" val="1201102497"/>
       </p:ext>
     </p:extLst>
   </p:cSld>
@@ -1148,7 +1972,7 @@
       </p:grpSpPr>
       <p:sp>
         <p:nvSpPr>
-          <p:cNvPr id="2" name="Title 1"/>
+          <p:cNvPr id="2" name="タイトル 1"/>
           <p:cNvSpPr>
             <a:spLocks noGrp="1"/>
           </p:cNvSpPr>
@@ -1162,15 +1986,16 @@
           <a:lstStyle/>
           <a:p>
             <a:r>
-              <a:rPr lang="en-US"/>
-              <a:t>Click to edit Master title style</a:t>
-            </a:r>
-          </a:p>
-        </p:txBody>
-      </p:sp>
-      <p:sp>
-        <p:nvSpPr>
-          <p:cNvPr id="3" name="Content Placeholder 2"/>
+              <a:rPr kumimoji="1" lang="ja-JP" altLang="en-US" smtClean="0"/>
+              <a:t>マスター タイトルの書式設定</a:t>
+            </a:r>
+            <a:endParaRPr kumimoji="1" lang="ja-JP" altLang="en-US"/>
+          </a:p>
+        </p:txBody>
+      </p:sp>
+      <p:sp>
+        <p:nvSpPr>
+          <p:cNvPr id="3" name="コンテンツ プレースホルダー 2"/>
           <p:cNvSpPr>
             <a:spLocks noGrp="1"/>
           </p:cNvSpPr>
@@ -1180,81 +2005,86 @@
         </p:nvSpPr>
         <p:spPr>
           <a:xfrm>
-            <a:off x="457200" y="1200151"/>
-            <a:ext cx="4038600" cy="3394472"/>
-          </a:xfrm>
-        </p:spPr>
-        <p:txBody>
-          <a:bodyPr/>
-          <a:lstStyle>
-            <a:lvl1pPr>
-              <a:defRPr sz="2100"/>
-            </a:lvl1pPr>
-            <a:lvl2pPr>
-              <a:defRPr sz="1800"/>
-            </a:lvl2pPr>
-            <a:lvl3pPr>
-              <a:defRPr sz="1500"/>
-            </a:lvl3pPr>
-            <a:lvl4pPr>
-              <a:defRPr sz="1350"/>
-            </a:lvl4pPr>
-            <a:lvl5pPr>
-              <a:defRPr sz="1350"/>
-            </a:lvl5pPr>
-            <a:lvl6pPr>
-              <a:defRPr sz="1350"/>
-            </a:lvl6pPr>
-            <a:lvl7pPr>
-              <a:defRPr sz="1350"/>
-            </a:lvl7pPr>
-            <a:lvl8pPr>
-              <a:defRPr sz="1350"/>
-            </a:lvl8pPr>
-            <a:lvl9pPr>
-              <a:defRPr sz="1350"/>
-            </a:lvl9pPr>
-          </a:lstStyle>
+            <a:off x="277198" y="914400"/>
+            <a:ext cx="4320000" cy="3862800"/>
+          </a:xfrm>
+        </p:spPr>
+        <p:txBody>
+          <a:bodyPr/>
+          <a:lstStyle/>
           <a:p>
             <a:pPr lvl="0"/>
             <a:r>
-              <a:rPr lang="en-US"/>
-              <a:t>Click to edit Master text styles</a:t>
+              <a:rPr kumimoji="1" lang="ja-JP" altLang="en-US" smtClean="0"/>
+              <a:t>マスター テキストの書式設定</a:t>
             </a:r>
           </a:p>
           <a:p>
             <a:pPr lvl="1"/>
             <a:r>
-              <a:rPr lang="en-US"/>
-              <a:t>Second level</a:t>
+              <a:rPr kumimoji="1" lang="ja-JP" altLang="en-US" smtClean="0"/>
+              <a:t>第 </a:t>
+            </a:r>
+            <a:r>
+              <a:rPr kumimoji="1" lang="en-US" altLang="ja-JP" smtClean="0"/>
+              <a:t>2 </a:t>
+            </a:r>
+            <a:r>
+              <a:rPr kumimoji="1" lang="ja-JP" altLang="en-US" smtClean="0"/>
+              <a:t>レベル</a:t>
             </a:r>
           </a:p>
           <a:p>
             <a:pPr lvl="2"/>
             <a:r>
-              <a:rPr lang="en-US"/>
-              <a:t>Third level</a:t>
+              <a:rPr kumimoji="1" lang="ja-JP" altLang="en-US" smtClean="0"/>
+              <a:t>第 </a:t>
+            </a:r>
+            <a:r>
+              <a:rPr kumimoji="1" lang="en-US" altLang="ja-JP" smtClean="0"/>
+              <a:t>3 </a:t>
+            </a:r>
+            <a:r>
+              <a:rPr kumimoji="1" lang="ja-JP" altLang="en-US" smtClean="0"/>
+              <a:t>レベル</a:t>
             </a:r>
           </a:p>
           <a:p>
             <a:pPr lvl="3"/>
             <a:r>
-              <a:rPr lang="en-US"/>
-              <a:t>Fourth level</a:t>
+              <a:rPr kumimoji="1" lang="ja-JP" altLang="en-US" smtClean="0"/>
+              <a:t>第 </a:t>
+            </a:r>
+            <a:r>
+              <a:rPr kumimoji="1" lang="en-US" altLang="ja-JP" smtClean="0"/>
+              <a:t>4 </a:t>
+            </a:r>
+            <a:r>
+              <a:rPr kumimoji="1" lang="ja-JP" altLang="en-US" smtClean="0"/>
+              <a:t>レベル</a:t>
             </a:r>
           </a:p>
           <a:p>
             <a:pPr lvl="4"/>
             <a:r>
-              <a:rPr lang="en-US"/>
-              <a:t>Fifth level</a:t>
-            </a:r>
-          </a:p>
-        </p:txBody>
-      </p:sp>
-      <p:sp>
-        <p:nvSpPr>
-          <p:cNvPr id="4" name="Content Placeholder 3"/>
+              <a:rPr kumimoji="1" lang="ja-JP" altLang="en-US" smtClean="0"/>
+              <a:t>第 </a:t>
+            </a:r>
+            <a:r>
+              <a:rPr kumimoji="1" lang="en-US" altLang="ja-JP" smtClean="0"/>
+              <a:t>5 </a:t>
+            </a:r>
+            <a:r>
+              <a:rPr kumimoji="1" lang="ja-JP" altLang="en-US" smtClean="0"/>
+              <a:t>レベル</a:t>
+            </a:r>
+            <a:endParaRPr kumimoji="1" lang="ja-JP" altLang="en-US"/>
+          </a:p>
+        </p:txBody>
+      </p:sp>
+      <p:sp>
+        <p:nvSpPr>
+          <p:cNvPr id="4" name="コンテンツ プレースホルダー 3"/>
           <p:cNvSpPr>
             <a:spLocks noGrp="1"/>
           </p:cNvSpPr>
@@ -1264,81 +2094,86 @@
         </p:nvSpPr>
         <p:spPr>
           <a:xfrm>
-            <a:off x="4648200" y="1200151"/>
-            <a:ext cx="4038600" cy="3394472"/>
-          </a:xfrm>
-        </p:spPr>
-        <p:txBody>
-          <a:bodyPr/>
-          <a:lstStyle>
-            <a:lvl1pPr>
-              <a:defRPr sz="2100"/>
-            </a:lvl1pPr>
-            <a:lvl2pPr>
-              <a:defRPr sz="1800"/>
-            </a:lvl2pPr>
-            <a:lvl3pPr>
-              <a:defRPr sz="1500"/>
-            </a:lvl3pPr>
-            <a:lvl4pPr>
-              <a:defRPr sz="1350"/>
-            </a:lvl4pPr>
-            <a:lvl5pPr>
-              <a:defRPr sz="1350"/>
-            </a:lvl5pPr>
-            <a:lvl6pPr>
-              <a:defRPr sz="1350"/>
-            </a:lvl6pPr>
-            <a:lvl7pPr>
-              <a:defRPr sz="1350"/>
-            </a:lvl7pPr>
-            <a:lvl8pPr>
-              <a:defRPr sz="1350"/>
-            </a:lvl8pPr>
-            <a:lvl9pPr>
-              <a:defRPr sz="1350"/>
-            </a:lvl9pPr>
-          </a:lstStyle>
+            <a:off x="4680000" y="914400"/>
+            <a:ext cx="4320000" cy="3862800"/>
+          </a:xfrm>
+        </p:spPr>
+        <p:txBody>
+          <a:bodyPr/>
+          <a:lstStyle/>
           <a:p>
             <a:pPr lvl="0"/>
             <a:r>
-              <a:rPr lang="en-US"/>
-              <a:t>Click to edit Master text styles</a:t>
+              <a:rPr kumimoji="1" lang="ja-JP" altLang="en-US" smtClean="0"/>
+              <a:t>マスター テキストの書式設定</a:t>
             </a:r>
           </a:p>
           <a:p>
             <a:pPr lvl="1"/>
             <a:r>
-              <a:rPr lang="en-US"/>
-              <a:t>Second level</a:t>
+              <a:rPr kumimoji="1" lang="ja-JP" altLang="en-US" smtClean="0"/>
+              <a:t>第 </a:t>
+            </a:r>
+            <a:r>
+              <a:rPr kumimoji="1" lang="en-US" altLang="ja-JP" smtClean="0"/>
+              <a:t>2 </a:t>
+            </a:r>
+            <a:r>
+              <a:rPr kumimoji="1" lang="ja-JP" altLang="en-US" smtClean="0"/>
+              <a:t>レベル</a:t>
             </a:r>
           </a:p>
           <a:p>
             <a:pPr lvl="2"/>
             <a:r>
-              <a:rPr lang="en-US"/>
-              <a:t>Third level</a:t>
+              <a:rPr kumimoji="1" lang="ja-JP" altLang="en-US" smtClean="0"/>
+              <a:t>第 </a:t>
+            </a:r>
+            <a:r>
+              <a:rPr kumimoji="1" lang="en-US" altLang="ja-JP" smtClean="0"/>
+              <a:t>3 </a:t>
+            </a:r>
+            <a:r>
+              <a:rPr kumimoji="1" lang="ja-JP" altLang="en-US" smtClean="0"/>
+              <a:t>レベル</a:t>
             </a:r>
           </a:p>
           <a:p>
             <a:pPr lvl="3"/>
             <a:r>
-              <a:rPr lang="en-US"/>
-              <a:t>Fourth level</a:t>
+              <a:rPr kumimoji="1" lang="ja-JP" altLang="en-US" smtClean="0"/>
+              <a:t>第 </a:t>
+            </a:r>
+            <a:r>
+              <a:rPr kumimoji="1" lang="en-US" altLang="ja-JP" smtClean="0"/>
+              <a:t>4 </a:t>
+            </a:r>
+            <a:r>
+              <a:rPr kumimoji="1" lang="ja-JP" altLang="en-US" smtClean="0"/>
+              <a:t>レベル</a:t>
             </a:r>
           </a:p>
           <a:p>
             <a:pPr lvl="4"/>
             <a:r>
-              <a:rPr lang="en-US"/>
-              <a:t>Fifth level</a:t>
-            </a:r>
-          </a:p>
-        </p:txBody>
-      </p:sp>
-      <p:sp>
-        <p:nvSpPr>
-          <p:cNvPr id="5" name="Date Placeholder 4"/>
+              <a:rPr kumimoji="1" lang="ja-JP" altLang="en-US" smtClean="0"/>
+              <a:t>第 </a:t>
+            </a:r>
+            <a:r>
+              <a:rPr kumimoji="1" lang="en-US" altLang="ja-JP" smtClean="0"/>
+              <a:t>5 </a:t>
+            </a:r>
+            <a:r>
+              <a:rPr kumimoji="1" lang="ja-JP" altLang="en-US" smtClean="0"/>
+              <a:t>レベル</a:t>
+            </a:r>
+            <a:endParaRPr kumimoji="1" lang="ja-JP" altLang="en-US"/>
+          </a:p>
+        </p:txBody>
+      </p:sp>
+      <p:sp>
+        <p:nvSpPr>
+          <p:cNvPr id="5" name="日付プレースホルダー 4"/>
           <p:cNvSpPr>
             <a:spLocks noGrp="1"/>
           </p:cNvSpPr>
@@ -1346,65 +2181,162 @@
             <p:ph type="dt" sz="half" idx="10"/>
           </p:nvPr>
         </p:nvSpPr>
+        <p:spPr>
+          <a:xfrm>
+            <a:off x="628650" y="4767263"/>
+            <a:ext cx="2057400" cy="273844"/>
+          </a:xfrm>
+          <a:prstGeom prst="rect">
+            <a:avLst/>
+          </a:prstGeom>
+        </p:spPr>
+        <p:txBody>
+          <a:bodyPr/>
+          <a:lstStyle/>
+          <a:p>
+            <a:fld id="{1DDF3888-BB9C-4A4D-8342-CBB04A01C890}" type="datetime1">
+              <a:rPr kumimoji="1" lang="ja-JP" altLang="en-US" smtClean="0"/>
+              <a:t>2024/4/22</a:t>
+            </a:fld>
+            <a:endParaRPr kumimoji="1" lang="ja-JP" altLang="en-US"/>
+          </a:p>
+        </p:txBody>
+      </p:sp>
+      <p:sp>
+        <p:nvSpPr>
+          <p:cNvPr id="6" name="フッター プレースホルダー 5"/>
+          <p:cNvSpPr>
+            <a:spLocks noGrp="1"/>
+          </p:cNvSpPr>
+          <p:nvPr>
+            <p:ph type="ftr" sz="quarter" idx="11"/>
+          </p:nvPr>
+        </p:nvSpPr>
+        <p:spPr>
+          <a:xfrm>
+            <a:off x="3028950" y="4767263"/>
+            <a:ext cx="3086100" cy="273844"/>
+          </a:xfrm>
+          <a:prstGeom prst="rect">
+            <a:avLst/>
+          </a:prstGeom>
+        </p:spPr>
+        <p:txBody>
+          <a:bodyPr/>
+          <a:lstStyle/>
+          <a:p>
+            <a:endParaRPr kumimoji="1" lang="ja-JP" altLang="en-US"/>
+          </a:p>
+        </p:txBody>
+      </p:sp>
+      <p:sp>
+        <p:nvSpPr>
+          <p:cNvPr id="7" name="スライド番号プレースホルダー 6"/>
+          <p:cNvSpPr>
+            <a:spLocks noGrp="1"/>
+          </p:cNvSpPr>
+          <p:nvPr>
+            <p:ph type="sldNum" sz="quarter" idx="12"/>
+          </p:nvPr>
+        </p:nvSpPr>
         <p:spPr/>
         <p:txBody>
           <a:bodyPr/>
           <a:lstStyle/>
           <a:p>
-            <a:fld id="{241EB5C9-1307-BA42-ABA2-0BC069CD8E7F}" type="datetimeFigureOut">
-              <a:rPr lang="en-US" smtClean="0"/>
-              <a:t>1/2/22</a:t>
-            </a:fld>
-            <a:endParaRPr lang="en-US"/>
-          </a:p>
-        </p:txBody>
-      </p:sp>
-      <p:sp>
-        <p:nvSpPr>
-          <p:cNvPr id="6" name="Footer Placeholder 5"/>
-          <p:cNvSpPr>
-            <a:spLocks noGrp="1"/>
-          </p:cNvSpPr>
-          <p:nvPr>
-            <p:ph type="ftr" sz="quarter" idx="11"/>
-          </p:nvPr>
-        </p:nvSpPr>
-        <p:spPr/>
-        <p:txBody>
-          <a:bodyPr/>
-          <a:lstStyle/>
-          <a:p>
-            <a:endParaRPr lang="en-US"/>
-          </a:p>
-        </p:txBody>
-      </p:sp>
-      <p:sp>
-        <p:nvSpPr>
-          <p:cNvPr id="7" name="Slide Number Placeholder 6"/>
-          <p:cNvSpPr>
-            <a:spLocks noGrp="1"/>
-          </p:cNvSpPr>
-          <p:nvPr>
-            <p:ph type="sldNum" sz="quarter" idx="12"/>
-          </p:nvPr>
-        </p:nvSpPr>
-        <p:spPr/>
-        <p:txBody>
-          <a:bodyPr/>
-          <a:lstStyle/>
-          <a:p>
-            <a:fld id="{C5EF2332-01BF-834F-8236-50238282D533}" type="slidenum">
-              <a:rPr lang="en-US" smtClean="0"/>
+            <a:fld id="{D6591E97-2355-4C5F-BA98-15BCC4DBE61A}" type="slidenum">
+              <a:rPr kumimoji="1" lang="ja-JP" altLang="en-US" smtClean="0"/>
               <a:t>‹#›</a:t>
             </a:fld>
-            <a:endParaRPr lang="en-US"/>
+            <a:endParaRPr kumimoji="1" lang="ja-JP" altLang="en-US"/>
+          </a:p>
+        </p:txBody>
+      </p:sp>
+      <p:sp>
+        <p:nvSpPr>
+          <p:cNvPr id="9" name="Shape 2"/>
+          <p:cNvSpPr/>
+          <p:nvPr userDrawn="1"/>
+        </p:nvSpPr>
+        <p:spPr>
+          <a:xfrm>
+            <a:off x="286069" y="4879918"/>
+            <a:ext cx="198125" cy="198125"/>
+          </a:xfrm>
+          <a:custGeom>
+            <a:avLst/>
+            <a:gdLst/>
+            <a:ahLst/>
+            <a:cxnLst>
+              <a:cxn ang="0">
+                <a:pos x="wd2" y="hd2"/>
+              </a:cxn>
+              <a:cxn ang="5400000">
+                <a:pos x="wd2" y="hd2"/>
+              </a:cxn>
+              <a:cxn ang="10800000">
+                <a:pos x="wd2" y="hd2"/>
+              </a:cxn>
+              <a:cxn ang="16200000">
+                <a:pos x="wd2" y="hd2"/>
+              </a:cxn>
+            </a:cxnLst>
+            <a:rect l="0" t="0" r="r" b="b"/>
+            <a:pathLst>
+              <a:path w="19679" h="19679" extrusionOk="0">
+                <a:moveTo>
+                  <a:pt x="16796" y="2882"/>
+                </a:moveTo>
+                <a:cubicBezTo>
+                  <a:pt x="20639" y="6724"/>
+                  <a:pt x="20639" y="12954"/>
+                  <a:pt x="16796" y="16796"/>
+                </a:cubicBezTo>
+                <a:cubicBezTo>
+                  <a:pt x="12954" y="20639"/>
+                  <a:pt x="6724" y="20639"/>
+                  <a:pt x="2882" y="16796"/>
+                </a:cubicBezTo>
+                <a:cubicBezTo>
+                  <a:pt x="-961" y="12954"/>
+                  <a:pt x="-961" y="6724"/>
+                  <a:pt x="2882" y="2882"/>
+                </a:cubicBezTo>
+                <a:cubicBezTo>
+                  <a:pt x="6724" y="-961"/>
+                  <a:pt x="12954" y="-961"/>
+                  <a:pt x="16796" y="2882"/>
+                </a:cubicBezTo>
+                <a:close/>
+              </a:path>
+            </a:pathLst>
+          </a:custGeom>
+          <a:solidFill>
+            <a:srgbClr val="DA2128"/>
+          </a:solidFill>
+          <a:ln w="12700">
+            <a:miter lim="400000"/>
+          </a:ln>
+        </p:spPr>
+        <p:txBody>
+          <a:bodyPr lIns="0" tIns="0" rIns="0" bIns="0" anchor="ctr"/>
+          <a:lstStyle/>
+          <a:p>
+            <a:pPr lvl="0">
+              <a:defRPr sz="2400">
+                <a:solidFill>
+                  <a:srgbClr val="FFFFFF"/>
+                </a:solidFill>
+              </a:defRPr>
+            </a:pPr>
+            <a:endParaRPr sz="1500"/>
           </a:p>
         </p:txBody>
       </p:sp>
     </p:spTree>
     <p:extLst>
       <p:ext uri="{BB962C8B-B14F-4D97-AF65-F5344CB8AC3E}">
-        <p14:creationId xmlns:p14="http://schemas.microsoft.com/office/powerpoint/2010/main" val="2619886245"/>
+        <p14:creationId xmlns:p14="http://schemas.microsoft.com/office/powerpoint/2010/main" val="1364178666"/>
       </p:ext>
     </p:extLst>
   </p:cSld>
@@ -1433,7 +2365,7 @@
       </p:grpSpPr>
       <p:sp>
         <p:nvSpPr>
-          <p:cNvPr id="2" name="Title 1"/>
+          <p:cNvPr id="2" name="タイトル 1"/>
           <p:cNvSpPr>
             <a:spLocks noGrp="1"/>
           </p:cNvSpPr>
@@ -1441,25 +2373,27 @@
             <p:ph type="title"/>
           </p:nvPr>
         </p:nvSpPr>
-        <p:spPr/>
-        <p:txBody>
-          <a:bodyPr/>
-          <a:lstStyle>
-            <a:lvl1pPr>
-              <a:defRPr/>
-            </a:lvl1pPr>
-          </a:lstStyle>
-          <a:p>
-            <a:r>
-              <a:rPr lang="en-US"/>
-              <a:t>Click to edit Master title style</a:t>
-            </a:r>
-          </a:p>
-        </p:txBody>
-      </p:sp>
-      <p:sp>
-        <p:nvSpPr>
-          <p:cNvPr id="3" name="Text Placeholder 2"/>
+        <p:spPr>
+          <a:xfrm>
+            <a:off x="629841" y="273844"/>
+            <a:ext cx="7886700" cy="994172"/>
+          </a:xfrm>
+        </p:spPr>
+        <p:txBody>
+          <a:bodyPr/>
+          <a:lstStyle/>
+          <a:p>
+            <a:r>
+              <a:rPr kumimoji="1" lang="ja-JP" altLang="en-US" smtClean="0"/>
+              <a:t>マスター タイトルの書式設定</a:t>
+            </a:r>
+            <a:endParaRPr kumimoji="1" lang="ja-JP" altLang="en-US"/>
+          </a:p>
+        </p:txBody>
+      </p:sp>
+      <p:sp>
+        <p:nvSpPr>
+          <p:cNvPr id="3" name="テキスト プレースホルダー 2"/>
           <p:cNvSpPr>
             <a:spLocks noGrp="1"/>
           </p:cNvSpPr>
@@ -1469,8 +2403,8 @@
         </p:nvSpPr>
         <p:spPr>
           <a:xfrm>
-            <a:off x="457200" y="1151335"/>
-            <a:ext cx="4040188" cy="479822"/>
+            <a:off x="629842" y="1260872"/>
+            <a:ext cx="3868340" cy="617934"/>
           </a:xfrm>
         </p:spPr>
         <p:txBody>
@@ -1516,15 +2450,15 @@
           <a:p>
             <a:pPr lvl="0"/>
             <a:r>
-              <a:rPr lang="en-US"/>
-              <a:t>Click to edit Master text styles</a:t>
-            </a:r>
-          </a:p>
-        </p:txBody>
-      </p:sp>
-      <p:sp>
-        <p:nvSpPr>
-          <p:cNvPr id="4" name="Content Placeholder 3"/>
+              <a:rPr kumimoji="1" lang="ja-JP" altLang="en-US" smtClean="0"/>
+              <a:t>マスター テキストの書式設定</a:t>
+            </a:r>
+          </a:p>
+        </p:txBody>
+      </p:sp>
+      <p:sp>
+        <p:nvSpPr>
+          <p:cNvPr id="4" name="コンテンツ プレースホルダー 3"/>
           <p:cNvSpPr>
             <a:spLocks noGrp="1"/>
           </p:cNvSpPr>
@@ -1534,81 +2468,86 @@
         </p:nvSpPr>
         <p:spPr>
           <a:xfrm>
-            <a:off x="457200" y="1631156"/>
-            <a:ext cx="4040188" cy="2963466"/>
-          </a:xfrm>
-        </p:spPr>
-        <p:txBody>
-          <a:bodyPr/>
-          <a:lstStyle>
-            <a:lvl1pPr>
-              <a:defRPr sz="1800"/>
-            </a:lvl1pPr>
-            <a:lvl2pPr>
-              <a:defRPr sz="1500"/>
-            </a:lvl2pPr>
-            <a:lvl3pPr>
-              <a:defRPr sz="1350"/>
-            </a:lvl3pPr>
-            <a:lvl4pPr>
-              <a:defRPr sz="1200"/>
-            </a:lvl4pPr>
-            <a:lvl5pPr>
-              <a:defRPr sz="1200"/>
-            </a:lvl5pPr>
-            <a:lvl6pPr>
-              <a:defRPr sz="1200"/>
-            </a:lvl6pPr>
-            <a:lvl7pPr>
-              <a:defRPr sz="1200"/>
-            </a:lvl7pPr>
-            <a:lvl8pPr>
-              <a:defRPr sz="1200"/>
-            </a:lvl8pPr>
-            <a:lvl9pPr>
-              <a:defRPr sz="1200"/>
-            </a:lvl9pPr>
-          </a:lstStyle>
+            <a:off x="629842" y="1878806"/>
+            <a:ext cx="3868340" cy="2763441"/>
+          </a:xfrm>
+        </p:spPr>
+        <p:txBody>
+          <a:bodyPr/>
+          <a:lstStyle/>
           <a:p>
             <a:pPr lvl="0"/>
             <a:r>
-              <a:rPr lang="en-US"/>
-              <a:t>Click to edit Master text styles</a:t>
+              <a:rPr kumimoji="1" lang="ja-JP" altLang="en-US" smtClean="0"/>
+              <a:t>マスター テキストの書式設定</a:t>
             </a:r>
           </a:p>
           <a:p>
             <a:pPr lvl="1"/>
             <a:r>
-              <a:rPr lang="en-US"/>
-              <a:t>Second level</a:t>
+              <a:rPr kumimoji="1" lang="ja-JP" altLang="en-US" smtClean="0"/>
+              <a:t>第 </a:t>
+            </a:r>
+            <a:r>
+              <a:rPr kumimoji="1" lang="en-US" altLang="ja-JP" smtClean="0"/>
+              <a:t>2 </a:t>
+            </a:r>
+            <a:r>
+              <a:rPr kumimoji="1" lang="ja-JP" altLang="en-US" smtClean="0"/>
+              <a:t>レベル</a:t>
             </a:r>
           </a:p>
           <a:p>
             <a:pPr lvl="2"/>
             <a:r>
-              <a:rPr lang="en-US"/>
-              <a:t>Third level</a:t>
+              <a:rPr kumimoji="1" lang="ja-JP" altLang="en-US" smtClean="0"/>
+              <a:t>第 </a:t>
+            </a:r>
+            <a:r>
+              <a:rPr kumimoji="1" lang="en-US" altLang="ja-JP" smtClean="0"/>
+              <a:t>3 </a:t>
+            </a:r>
+            <a:r>
+              <a:rPr kumimoji="1" lang="ja-JP" altLang="en-US" smtClean="0"/>
+              <a:t>レベル</a:t>
             </a:r>
           </a:p>
           <a:p>
             <a:pPr lvl="3"/>
             <a:r>
-              <a:rPr lang="en-US"/>
-              <a:t>Fourth level</a:t>
+              <a:rPr kumimoji="1" lang="ja-JP" altLang="en-US" smtClean="0"/>
+              <a:t>第 </a:t>
+            </a:r>
+            <a:r>
+              <a:rPr kumimoji="1" lang="en-US" altLang="ja-JP" smtClean="0"/>
+              <a:t>4 </a:t>
+            </a:r>
+            <a:r>
+              <a:rPr kumimoji="1" lang="ja-JP" altLang="en-US" smtClean="0"/>
+              <a:t>レベル</a:t>
             </a:r>
           </a:p>
           <a:p>
             <a:pPr lvl="4"/>
             <a:r>
-              <a:rPr lang="en-US"/>
-              <a:t>Fifth level</a:t>
-            </a:r>
-          </a:p>
-        </p:txBody>
-      </p:sp>
-      <p:sp>
-        <p:nvSpPr>
-          <p:cNvPr id="5" name="Text Placeholder 4"/>
+              <a:rPr kumimoji="1" lang="ja-JP" altLang="en-US" smtClean="0"/>
+              <a:t>第 </a:t>
+            </a:r>
+            <a:r>
+              <a:rPr kumimoji="1" lang="en-US" altLang="ja-JP" smtClean="0"/>
+              <a:t>5 </a:t>
+            </a:r>
+            <a:r>
+              <a:rPr kumimoji="1" lang="ja-JP" altLang="en-US" smtClean="0"/>
+              <a:t>レベル</a:t>
+            </a:r>
+            <a:endParaRPr kumimoji="1" lang="ja-JP" altLang="en-US"/>
+          </a:p>
+        </p:txBody>
+      </p:sp>
+      <p:sp>
+        <p:nvSpPr>
+          <p:cNvPr id="5" name="テキスト プレースホルダー 4"/>
           <p:cNvSpPr>
             <a:spLocks noGrp="1"/>
           </p:cNvSpPr>
@@ -1618,8 +2557,8 @@
         </p:nvSpPr>
         <p:spPr>
           <a:xfrm>
-            <a:off x="4645026" y="1151335"/>
-            <a:ext cx="4041775" cy="479822"/>
+            <a:off x="4629150" y="1260872"/>
+            <a:ext cx="3887391" cy="617934"/>
           </a:xfrm>
         </p:spPr>
         <p:txBody>
@@ -1665,15 +2604,15 @@
           <a:p>
             <a:pPr lvl="0"/>
             <a:r>
-              <a:rPr lang="en-US"/>
-              <a:t>Click to edit Master text styles</a:t>
-            </a:r>
-          </a:p>
-        </p:txBody>
-      </p:sp>
-      <p:sp>
-        <p:nvSpPr>
-          <p:cNvPr id="6" name="Content Placeholder 5"/>
+              <a:rPr kumimoji="1" lang="ja-JP" altLang="en-US" smtClean="0"/>
+              <a:t>マスター テキストの書式設定</a:t>
+            </a:r>
+          </a:p>
+        </p:txBody>
+      </p:sp>
+      <p:sp>
+        <p:nvSpPr>
+          <p:cNvPr id="6" name="コンテンツ プレースホルダー 5"/>
           <p:cNvSpPr>
             <a:spLocks noGrp="1"/>
           </p:cNvSpPr>
@@ -1683,81 +2622,86 @@
         </p:nvSpPr>
         <p:spPr>
           <a:xfrm>
-            <a:off x="4645026" y="1631156"/>
-            <a:ext cx="4041775" cy="2963466"/>
-          </a:xfrm>
-        </p:spPr>
-        <p:txBody>
-          <a:bodyPr/>
-          <a:lstStyle>
-            <a:lvl1pPr>
-              <a:defRPr sz="1800"/>
-            </a:lvl1pPr>
-            <a:lvl2pPr>
-              <a:defRPr sz="1500"/>
-            </a:lvl2pPr>
-            <a:lvl3pPr>
-              <a:defRPr sz="1350"/>
-            </a:lvl3pPr>
-            <a:lvl4pPr>
-              <a:defRPr sz="1200"/>
-            </a:lvl4pPr>
-            <a:lvl5pPr>
-              <a:defRPr sz="1200"/>
-            </a:lvl5pPr>
-            <a:lvl6pPr>
-              <a:defRPr sz="1200"/>
-            </a:lvl6pPr>
-            <a:lvl7pPr>
-              <a:defRPr sz="1200"/>
-            </a:lvl7pPr>
-            <a:lvl8pPr>
-              <a:defRPr sz="1200"/>
-            </a:lvl8pPr>
-            <a:lvl9pPr>
-              <a:defRPr sz="1200"/>
-            </a:lvl9pPr>
-          </a:lstStyle>
+            <a:off x="4629150" y="1878806"/>
+            <a:ext cx="3887391" cy="2763441"/>
+          </a:xfrm>
+        </p:spPr>
+        <p:txBody>
+          <a:bodyPr/>
+          <a:lstStyle/>
           <a:p>
             <a:pPr lvl="0"/>
             <a:r>
-              <a:rPr lang="en-US"/>
-              <a:t>Click to edit Master text styles</a:t>
+              <a:rPr kumimoji="1" lang="ja-JP" altLang="en-US" smtClean="0"/>
+              <a:t>マスター テキストの書式設定</a:t>
             </a:r>
           </a:p>
           <a:p>
             <a:pPr lvl="1"/>
             <a:r>
-              <a:rPr lang="en-US"/>
-              <a:t>Second level</a:t>
+              <a:rPr kumimoji="1" lang="ja-JP" altLang="en-US" smtClean="0"/>
+              <a:t>第 </a:t>
+            </a:r>
+            <a:r>
+              <a:rPr kumimoji="1" lang="en-US" altLang="ja-JP" smtClean="0"/>
+              <a:t>2 </a:t>
+            </a:r>
+            <a:r>
+              <a:rPr kumimoji="1" lang="ja-JP" altLang="en-US" smtClean="0"/>
+              <a:t>レベル</a:t>
             </a:r>
           </a:p>
           <a:p>
             <a:pPr lvl="2"/>
             <a:r>
-              <a:rPr lang="en-US"/>
-              <a:t>Third level</a:t>
+              <a:rPr kumimoji="1" lang="ja-JP" altLang="en-US" smtClean="0"/>
+              <a:t>第 </a:t>
+            </a:r>
+            <a:r>
+              <a:rPr kumimoji="1" lang="en-US" altLang="ja-JP" smtClean="0"/>
+              <a:t>3 </a:t>
+            </a:r>
+            <a:r>
+              <a:rPr kumimoji="1" lang="ja-JP" altLang="en-US" smtClean="0"/>
+              <a:t>レベル</a:t>
             </a:r>
           </a:p>
           <a:p>
             <a:pPr lvl="3"/>
             <a:r>
-              <a:rPr lang="en-US"/>
-              <a:t>Fourth level</a:t>
+              <a:rPr kumimoji="1" lang="ja-JP" altLang="en-US" smtClean="0"/>
+              <a:t>第 </a:t>
+            </a:r>
+            <a:r>
+              <a:rPr kumimoji="1" lang="en-US" altLang="ja-JP" smtClean="0"/>
+              <a:t>4 </a:t>
+            </a:r>
+            <a:r>
+              <a:rPr kumimoji="1" lang="ja-JP" altLang="en-US" smtClean="0"/>
+              <a:t>レベル</a:t>
             </a:r>
           </a:p>
           <a:p>
             <a:pPr lvl="4"/>
             <a:r>
-              <a:rPr lang="en-US"/>
-              <a:t>Fifth level</a:t>
-            </a:r>
-          </a:p>
-        </p:txBody>
-      </p:sp>
-      <p:sp>
-        <p:nvSpPr>
-          <p:cNvPr id="7" name="Date Placeholder 6"/>
+              <a:rPr kumimoji="1" lang="ja-JP" altLang="en-US" smtClean="0"/>
+              <a:t>第 </a:t>
+            </a:r>
+            <a:r>
+              <a:rPr kumimoji="1" lang="en-US" altLang="ja-JP" smtClean="0"/>
+              <a:t>5 </a:t>
+            </a:r>
+            <a:r>
+              <a:rPr kumimoji="1" lang="ja-JP" altLang="en-US" smtClean="0"/>
+              <a:t>レベル</a:t>
+            </a:r>
+            <a:endParaRPr kumimoji="1" lang="ja-JP" altLang="en-US"/>
+          </a:p>
+        </p:txBody>
+      </p:sp>
+      <p:sp>
+        <p:nvSpPr>
+          <p:cNvPr id="7" name="日付プレースホルダー 6"/>
           <p:cNvSpPr>
             <a:spLocks noGrp="1"/>
           </p:cNvSpPr>
@@ -1765,65 +2709,162 @@
             <p:ph type="dt" sz="half" idx="10"/>
           </p:nvPr>
         </p:nvSpPr>
+        <p:spPr>
+          <a:xfrm>
+            <a:off x="628650" y="4767263"/>
+            <a:ext cx="2057400" cy="273844"/>
+          </a:xfrm>
+          <a:prstGeom prst="rect">
+            <a:avLst/>
+          </a:prstGeom>
+        </p:spPr>
+        <p:txBody>
+          <a:bodyPr/>
+          <a:lstStyle/>
+          <a:p>
+            <a:fld id="{BCF2E21D-B218-4D40-9138-FF292A323C33}" type="datetime1">
+              <a:rPr kumimoji="1" lang="ja-JP" altLang="en-US" smtClean="0"/>
+              <a:t>2024/4/22</a:t>
+            </a:fld>
+            <a:endParaRPr kumimoji="1" lang="ja-JP" altLang="en-US"/>
+          </a:p>
+        </p:txBody>
+      </p:sp>
+      <p:sp>
+        <p:nvSpPr>
+          <p:cNvPr id="8" name="フッター プレースホルダー 7"/>
+          <p:cNvSpPr>
+            <a:spLocks noGrp="1"/>
+          </p:cNvSpPr>
+          <p:nvPr>
+            <p:ph type="ftr" sz="quarter" idx="11"/>
+          </p:nvPr>
+        </p:nvSpPr>
+        <p:spPr>
+          <a:xfrm>
+            <a:off x="3028950" y="4767263"/>
+            <a:ext cx="3086100" cy="273844"/>
+          </a:xfrm>
+          <a:prstGeom prst="rect">
+            <a:avLst/>
+          </a:prstGeom>
+        </p:spPr>
+        <p:txBody>
+          <a:bodyPr/>
+          <a:lstStyle/>
+          <a:p>
+            <a:endParaRPr kumimoji="1" lang="ja-JP" altLang="en-US"/>
+          </a:p>
+        </p:txBody>
+      </p:sp>
+      <p:sp>
+        <p:nvSpPr>
+          <p:cNvPr id="9" name="スライド番号プレースホルダー 8"/>
+          <p:cNvSpPr>
+            <a:spLocks noGrp="1"/>
+          </p:cNvSpPr>
+          <p:nvPr>
+            <p:ph type="sldNum" sz="quarter" idx="12"/>
+          </p:nvPr>
+        </p:nvSpPr>
         <p:spPr/>
         <p:txBody>
           <a:bodyPr/>
           <a:lstStyle/>
           <a:p>
-            <a:fld id="{241EB5C9-1307-BA42-ABA2-0BC069CD8E7F}" type="datetimeFigureOut">
-              <a:rPr lang="en-US" smtClean="0"/>
-              <a:t>1/2/22</a:t>
-            </a:fld>
-            <a:endParaRPr lang="en-US"/>
-          </a:p>
-        </p:txBody>
-      </p:sp>
-      <p:sp>
-        <p:nvSpPr>
-          <p:cNvPr id="8" name="Footer Placeholder 7"/>
-          <p:cNvSpPr>
-            <a:spLocks noGrp="1"/>
-          </p:cNvSpPr>
-          <p:nvPr>
-            <p:ph type="ftr" sz="quarter" idx="11"/>
-          </p:nvPr>
-        </p:nvSpPr>
-        <p:spPr/>
-        <p:txBody>
-          <a:bodyPr/>
-          <a:lstStyle/>
-          <a:p>
-            <a:endParaRPr lang="en-US"/>
-          </a:p>
-        </p:txBody>
-      </p:sp>
-      <p:sp>
-        <p:nvSpPr>
-          <p:cNvPr id="9" name="Slide Number Placeholder 8"/>
-          <p:cNvSpPr>
-            <a:spLocks noGrp="1"/>
-          </p:cNvSpPr>
-          <p:nvPr>
-            <p:ph type="sldNum" sz="quarter" idx="12"/>
-          </p:nvPr>
-        </p:nvSpPr>
-        <p:spPr/>
-        <p:txBody>
-          <a:bodyPr/>
-          <a:lstStyle/>
-          <a:p>
-            <a:fld id="{C5EF2332-01BF-834F-8236-50238282D533}" type="slidenum">
-              <a:rPr lang="en-US" smtClean="0"/>
+            <a:fld id="{D6591E97-2355-4C5F-BA98-15BCC4DBE61A}" type="slidenum">
+              <a:rPr kumimoji="1" lang="ja-JP" altLang="en-US" smtClean="0"/>
               <a:t>‹#›</a:t>
             </a:fld>
-            <a:endParaRPr lang="en-US"/>
+            <a:endParaRPr kumimoji="1" lang="ja-JP" altLang="en-US"/>
+          </a:p>
+        </p:txBody>
+      </p:sp>
+      <p:sp>
+        <p:nvSpPr>
+          <p:cNvPr id="10" name="Shape 2"/>
+          <p:cNvSpPr/>
+          <p:nvPr userDrawn="1"/>
+        </p:nvSpPr>
+        <p:spPr>
+          <a:xfrm>
+            <a:off x="286069" y="4879918"/>
+            <a:ext cx="198125" cy="198125"/>
+          </a:xfrm>
+          <a:custGeom>
+            <a:avLst/>
+            <a:gdLst/>
+            <a:ahLst/>
+            <a:cxnLst>
+              <a:cxn ang="0">
+                <a:pos x="wd2" y="hd2"/>
+              </a:cxn>
+              <a:cxn ang="5400000">
+                <a:pos x="wd2" y="hd2"/>
+              </a:cxn>
+              <a:cxn ang="10800000">
+                <a:pos x="wd2" y="hd2"/>
+              </a:cxn>
+              <a:cxn ang="16200000">
+                <a:pos x="wd2" y="hd2"/>
+              </a:cxn>
+            </a:cxnLst>
+            <a:rect l="0" t="0" r="r" b="b"/>
+            <a:pathLst>
+              <a:path w="19679" h="19679" extrusionOk="0">
+                <a:moveTo>
+                  <a:pt x="16796" y="2882"/>
+                </a:moveTo>
+                <a:cubicBezTo>
+                  <a:pt x="20639" y="6724"/>
+                  <a:pt x="20639" y="12954"/>
+                  <a:pt x="16796" y="16796"/>
+                </a:cubicBezTo>
+                <a:cubicBezTo>
+                  <a:pt x="12954" y="20639"/>
+                  <a:pt x="6724" y="20639"/>
+                  <a:pt x="2882" y="16796"/>
+                </a:cubicBezTo>
+                <a:cubicBezTo>
+                  <a:pt x="-961" y="12954"/>
+                  <a:pt x="-961" y="6724"/>
+                  <a:pt x="2882" y="2882"/>
+                </a:cubicBezTo>
+                <a:cubicBezTo>
+                  <a:pt x="6724" y="-961"/>
+                  <a:pt x="12954" y="-961"/>
+                  <a:pt x="16796" y="2882"/>
+                </a:cubicBezTo>
+                <a:close/>
+              </a:path>
+            </a:pathLst>
+          </a:custGeom>
+          <a:solidFill>
+            <a:srgbClr val="DA2128"/>
+          </a:solidFill>
+          <a:ln w="12700">
+            <a:miter lim="400000"/>
+          </a:ln>
+        </p:spPr>
+        <p:txBody>
+          <a:bodyPr lIns="0" tIns="0" rIns="0" bIns="0" anchor="ctr"/>
+          <a:lstStyle/>
+          <a:p>
+            <a:pPr lvl="0">
+              <a:defRPr sz="2400">
+                <a:solidFill>
+                  <a:srgbClr val="FFFFFF"/>
+                </a:solidFill>
+              </a:defRPr>
+            </a:pPr>
+            <a:endParaRPr sz="1500"/>
           </a:p>
         </p:txBody>
       </p:sp>
     </p:spTree>
     <p:extLst>
       <p:ext uri="{BB962C8B-B14F-4D97-AF65-F5344CB8AC3E}">
-        <p14:creationId xmlns:p14="http://schemas.microsoft.com/office/powerpoint/2010/main" val="2535793967"/>
+        <p14:creationId xmlns:p14="http://schemas.microsoft.com/office/powerpoint/2010/main" val="322014938"/>
       </p:ext>
     </p:extLst>
   </p:cSld>
@@ -1834,123 +2875,6 @@
 </file>
 
 <file path=ppt/slideLayouts/slideLayout6.xml><?xml version="1.0" encoding="utf-8"?>
-<p:sldLayout xmlns:a="http://schemas.openxmlformats.org/drawingml/2006/main" xmlns:r="http://schemas.openxmlformats.org/officeDocument/2006/relationships" xmlns:p="http://schemas.openxmlformats.org/presentationml/2006/main" type="titleOnly" preserve="1">
-  <p:cSld name="Title Only">
-    <p:spTree>
-      <p:nvGrpSpPr>
-        <p:cNvPr id="1" name=""/>
-        <p:cNvGrpSpPr/>
-        <p:nvPr/>
-      </p:nvGrpSpPr>
-      <p:grpSpPr>
-        <a:xfrm>
-          <a:off x="0" y="0"/>
-          <a:ext cx="0" cy="0"/>
-          <a:chOff x="0" y="0"/>
-          <a:chExt cx="0" cy="0"/>
-        </a:xfrm>
-      </p:grpSpPr>
-      <p:sp>
-        <p:nvSpPr>
-          <p:cNvPr id="2" name="Title 1"/>
-          <p:cNvSpPr>
-            <a:spLocks noGrp="1"/>
-          </p:cNvSpPr>
-          <p:nvPr>
-            <p:ph type="title"/>
-          </p:nvPr>
-        </p:nvSpPr>
-        <p:spPr/>
-        <p:txBody>
-          <a:bodyPr/>
-          <a:lstStyle/>
-          <a:p>
-            <a:r>
-              <a:rPr lang="en-US"/>
-              <a:t>Click to edit Master title style</a:t>
-            </a:r>
-          </a:p>
-        </p:txBody>
-      </p:sp>
-      <p:sp>
-        <p:nvSpPr>
-          <p:cNvPr id="3" name="Date Placeholder 2"/>
-          <p:cNvSpPr>
-            <a:spLocks noGrp="1"/>
-          </p:cNvSpPr>
-          <p:nvPr>
-            <p:ph type="dt" sz="half" idx="10"/>
-          </p:nvPr>
-        </p:nvSpPr>
-        <p:spPr/>
-        <p:txBody>
-          <a:bodyPr/>
-          <a:lstStyle/>
-          <a:p>
-            <a:fld id="{241EB5C9-1307-BA42-ABA2-0BC069CD8E7F}" type="datetimeFigureOut">
-              <a:rPr lang="en-US" smtClean="0"/>
-              <a:t>1/2/22</a:t>
-            </a:fld>
-            <a:endParaRPr lang="en-US"/>
-          </a:p>
-        </p:txBody>
-      </p:sp>
-      <p:sp>
-        <p:nvSpPr>
-          <p:cNvPr id="4" name="Footer Placeholder 3"/>
-          <p:cNvSpPr>
-            <a:spLocks noGrp="1"/>
-          </p:cNvSpPr>
-          <p:nvPr>
-            <p:ph type="ftr" sz="quarter" idx="11"/>
-          </p:nvPr>
-        </p:nvSpPr>
-        <p:spPr/>
-        <p:txBody>
-          <a:bodyPr/>
-          <a:lstStyle/>
-          <a:p>
-            <a:endParaRPr lang="en-US"/>
-          </a:p>
-        </p:txBody>
-      </p:sp>
-      <p:sp>
-        <p:nvSpPr>
-          <p:cNvPr id="5" name="Slide Number Placeholder 4"/>
-          <p:cNvSpPr>
-            <a:spLocks noGrp="1"/>
-          </p:cNvSpPr>
-          <p:nvPr>
-            <p:ph type="sldNum" sz="quarter" idx="12"/>
-          </p:nvPr>
-        </p:nvSpPr>
-        <p:spPr/>
-        <p:txBody>
-          <a:bodyPr/>
-          <a:lstStyle/>
-          <a:p>
-            <a:fld id="{C5EF2332-01BF-834F-8236-50238282D533}" type="slidenum">
-              <a:rPr lang="en-US" smtClean="0"/>
-              <a:t>‹#›</a:t>
-            </a:fld>
-            <a:endParaRPr lang="en-US"/>
-          </a:p>
-        </p:txBody>
-      </p:sp>
-    </p:spTree>
-    <p:extLst>
-      <p:ext uri="{BB962C8B-B14F-4D97-AF65-F5344CB8AC3E}">
-        <p14:creationId xmlns:p14="http://schemas.microsoft.com/office/powerpoint/2010/main" val="3472721253"/>
-      </p:ext>
-    </p:extLst>
-  </p:cSld>
-  <p:clrMapOvr>
-    <a:masterClrMapping/>
-  </p:clrMapOvr>
-</p:sldLayout>
-</file>
-
-<file path=ppt/slideLayouts/slideLayout7.xml><?xml version="1.0" encoding="utf-8"?>
 <p:sldLayout xmlns:a="http://schemas.openxmlformats.org/drawingml/2006/main" xmlns:r="http://schemas.openxmlformats.org/officeDocument/2006/relationships" xmlns:p="http://schemas.openxmlformats.org/presentationml/2006/main" type="blank" preserve="1">
   <p:cSld name="Blank">
     <p:spTree>
@@ -1969,7 +2893,7 @@
       </p:grpSpPr>
       <p:sp>
         <p:nvSpPr>
-          <p:cNvPr id="2" name="Date Placeholder 1"/>
+          <p:cNvPr id="2" name="日付プレースホルダー 1"/>
           <p:cNvSpPr>
             <a:spLocks noGrp="1"/>
           </p:cNvSpPr>
@@ -1977,65 +2901,512 @@
             <p:ph type="dt" sz="half" idx="10"/>
           </p:nvPr>
         </p:nvSpPr>
+        <p:spPr>
+          <a:xfrm>
+            <a:off x="628650" y="4767263"/>
+            <a:ext cx="2057400" cy="273844"/>
+          </a:xfrm>
+          <a:prstGeom prst="rect">
+            <a:avLst/>
+          </a:prstGeom>
+        </p:spPr>
+        <p:txBody>
+          <a:bodyPr/>
+          <a:lstStyle/>
+          <a:p>
+            <a:fld id="{D1D4E725-94A0-4555-8568-7C0B7ABB1E6B}" type="datetime1">
+              <a:rPr kumimoji="1" lang="ja-JP" altLang="en-US" smtClean="0"/>
+              <a:t>2024/4/22</a:t>
+            </a:fld>
+            <a:endParaRPr kumimoji="1" lang="ja-JP" altLang="en-US"/>
+          </a:p>
+        </p:txBody>
+      </p:sp>
+      <p:sp>
+        <p:nvSpPr>
+          <p:cNvPr id="3" name="フッター プレースホルダー 2"/>
+          <p:cNvSpPr>
+            <a:spLocks noGrp="1"/>
+          </p:cNvSpPr>
+          <p:nvPr>
+            <p:ph type="ftr" sz="quarter" idx="11"/>
+          </p:nvPr>
+        </p:nvSpPr>
+        <p:spPr>
+          <a:xfrm>
+            <a:off x="3028950" y="4767263"/>
+            <a:ext cx="3086100" cy="273844"/>
+          </a:xfrm>
+          <a:prstGeom prst="rect">
+            <a:avLst/>
+          </a:prstGeom>
+        </p:spPr>
+        <p:txBody>
+          <a:bodyPr/>
+          <a:lstStyle/>
+          <a:p>
+            <a:endParaRPr kumimoji="1" lang="ja-JP" altLang="en-US"/>
+          </a:p>
+        </p:txBody>
+      </p:sp>
+      <p:sp>
+        <p:nvSpPr>
+          <p:cNvPr id="4" name="スライド番号プレースホルダー 3"/>
+          <p:cNvSpPr>
+            <a:spLocks noGrp="1"/>
+          </p:cNvSpPr>
+          <p:nvPr>
+            <p:ph type="sldNum" sz="quarter" idx="12"/>
+          </p:nvPr>
+        </p:nvSpPr>
         <p:spPr/>
         <p:txBody>
           <a:bodyPr/>
           <a:lstStyle/>
           <a:p>
-            <a:fld id="{241EB5C9-1307-BA42-ABA2-0BC069CD8E7F}" type="datetimeFigureOut">
-              <a:rPr lang="en-US" smtClean="0"/>
-              <a:t>1/2/22</a:t>
-            </a:fld>
-            <a:endParaRPr lang="en-US"/>
-          </a:p>
-        </p:txBody>
-      </p:sp>
-      <p:sp>
-        <p:nvSpPr>
-          <p:cNvPr id="3" name="Footer Placeholder 2"/>
-          <p:cNvSpPr>
-            <a:spLocks noGrp="1"/>
-          </p:cNvSpPr>
-          <p:nvPr>
-            <p:ph type="ftr" sz="quarter" idx="11"/>
-          </p:nvPr>
-        </p:nvSpPr>
-        <p:spPr/>
-        <p:txBody>
-          <a:bodyPr/>
-          <a:lstStyle/>
-          <a:p>
-            <a:endParaRPr lang="en-US"/>
-          </a:p>
-        </p:txBody>
-      </p:sp>
-      <p:sp>
-        <p:nvSpPr>
-          <p:cNvPr id="4" name="Slide Number Placeholder 3"/>
-          <p:cNvSpPr>
-            <a:spLocks noGrp="1"/>
-          </p:cNvSpPr>
-          <p:nvPr>
-            <p:ph type="sldNum" sz="quarter" idx="12"/>
-          </p:nvPr>
-        </p:nvSpPr>
-        <p:spPr/>
-        <p:txBody>
-          <a:bodyPr/>
-          <a:lstStyle/>
-          <a:p>
-            <a:fld id="{C5EF2332-01BF-834F-8236-50238282D533}" type="slidenum">
-              <a:rPr lang="en-US" smtClean="0"/>
+            <a:fld id="{D6591E97-2355-4C5F-BA98-15BCC4DBE61A}" type="slidenum">
+              <a:rPr kumimoji="1" lang="ja-JP" altLang="en-US" smtClean="0"/>
               <a:t>‹#›</a:t>
             </a:fld>
-            <a:endParaRPr lang="en-US"/>
+            <a:endParaRPr kumimoji="1" lang="ja-JP" altLang="en-US"/>
+          </a:p>
+        </p:txBody>
+      </p:sp>
+      <p:sp>
+        <p:nvSpPr>
+          <p:cNvPr id="5" name="Shape 2"/>
+          <p:cNvSpPr/>
+          <p:nvPr userDrawn="1"/>
+        </p:nvSpPr>
+        <p:spPr>
+          <a:xfrm>
+            <a:off x="286069" y="4879918"/>
+            <a:ext cx="198125" cy="198125"/>
+          </a:xfrm>
+          <a:custGeom>
+            <a:avLst/>
+            <a:gdLst/>
+            <a:ahLst/>
+            <a:cxnLst>
+              <a:cxn ang="0">
+                <a:pos x="wd2" y="hd2"/>
+              </a:cxn>
+              <a:cxn ang="5400000">
+                <a:pos x="wd2" y="hd2"/>
+              </a:cxn>
+              <a:cxn ang="10800000">
+                <a:pos x="wd2" y="hd2"/>
+              </a:cxn>
+              <a:cxn ang="16200000">
+                <a:pos x="wd2" y="hd2"/>
+              </a:cxn>
+            </a:cxnLst>
+            <a:rect l="0" t="0" r="r" b="b"/>
+            <a:pathLst>
+              <a:path w="19679" h="19679" extrusionOk="0">
+                <a:moveTo>
+                  <a:pt x="16796" y="2882"/>
+                </a:moveTo>
+                <a:cubicBezTo>
+                  <a:pt x="20639" y="6724"/>
+                  <a:pt x="20639" y="12954"/>
+                  <a:pt x="16796" y="16796"/>
+                </a:cubicBezTo>
+                <a:cubicBezTo>
+                  <a:pt x="12954" y="20639"/>
+                  <a:pt x="6724" y="20639"/>
+                  <a:pt x="2882" y="16796"/>
+                </a:cubicBezTo>
+                <a:cubicBezTo>
+                  <a:pt x="-961" y="12954"/>
+                  <a:pt x="-961" y="6724"/>
+                  <a:pt x="2882" y="2882"/>
+                </a:cubicBezTo>
+                <a:cubicBezTo>
+                  <a:pt x="6724" y="-961"/>
+                  <a:pt x="12954" y="-961"/>
+                  <a:pt x="16796" y="2882"/>
+                </a:cubicBezTo>
+                <a:close/>
+              </a:path>
+            </a:pathLst>
+          </a:custGeom>
+          <a:solidFill>
+            <a:srgbClr val="DA2128"/>
+          </a:solidFill>
+          <a:ln w="12700">
+            <a:miter lim="400000"/>
+          </a:ln>
+        </p:spPr>
+        <p:txBody>
+          <a:bodyPr lIns="0" tIns="0" rIns="0" bIns="0" anchor="ctr"/>
+          <a:lstStyle/>
+          <a:p>
+            <a:pPr lvl="0">
+              <a:defRPr sz="2400">
+                <a:solidFill>
+                  <a:srgbClr val="FFFFFF"/>
+                </a:solidFill>
+              </a:defRPr>
+            </a:pPr>
+            <a:endParaRPr sz="1500"/>
           </a:p>
         </p:txBody>
       </p:sp>
     </p:spTree>
     <p:extLst>
       <p:ext uri="{BB962C8B-B14F-4D97-AF65-F5344CB8AC3E}">
-        <p14:creationId xmlns:p14="http://schemas.microsoft.com/office/powerpoint/2010/main" val="2130901097"/>
+        <p14:creationId xmlns:p14="http://schemas.microsoft.com/office/powerpoint/2010/main" val="2547488952"/>
+      </p:ext>
+    </p:extLst>
+  </p:cSld>
+  <p:clrMapOvr>
+    <a:masterClrMapping/>
+  </p:clrMapOvr>
+</p:sldLayout>
+</file>
+
+<file path=ppt/slideLayouts/slideLayout7.xml><?xml version="1.0" encoding="utf-8"?>
+<p:sldLayout xmlns:a="http://schemas.openxmlformats.org/drawingml/2006/main" xmlns:r="http://schemas.openxmlformats.org/officeDocument/2006/relationships" xmlns:p="http://schemas.openxmlformats.org/presentationml/2006/main" type="picTx" preserve="1">
+  <p:cSld name="Content with Caption">
+    <p:spTree>
+      <p:nvGrpSpPr>
+        <p:cNvPr id="1" name=""/>
+        <p:cNvGrpSpPr/>
+        <p:nvPr/>
+      </p:nvGrpSpPr>
+      <p:grpSpPr>
+        <a:xfrm>
+          <a:off x="0" y="0"/>
+          <a:ext cx="0" cy="0"/>
+          <a:chOff x="0" y="0"/>
+          <a:chExt cx="0" cy="0"/>
+        </a:xfrm>
+      </p:grpSpPr>
+      <p:sp>
+        <p:nvSpPr>
+          <p:cNvPr id="2" name="タイトル 1"/>
+          <p:cNvSpPr>
+            <a:spLocks noGrp="1"/>
+          </p:cNvSpPr>
+          <p:nvPr>
+            <p:ph type="title"/>
+          </p:nvPr>
+        </p:nvSpPr>
+        <p:spPr>
+          <a:xfrm>
+            <a:off x="629841" y="342900"/>
+            <a:ext cx="2949178" cy="1200150"/>
+          </a:xfrm>
+        </p:spPr>
+        <p:txBody>
+          <a:bodyPr anchor="b"/>
+          <a:lstStyle>
+            <a:lvl1pPr>
+              <a:defRPr sz="2400"/>
+            </a:lvl1pPr>
+          </a:lstStyle>
+          <a:p>
+            <a:r>
+              <a:rPr kumimoji="1" lang="ja-JP" altLang="en-US" smtClean="0"/>
+              <a:t>マスター タイトルの書式設定</a:t>
+            </a:r>
+            <a:endParaRPr kumimoji="1" lang="ja-JP" altLang="en-US"/>
+          </a:p>
+        </p:txBody>
+      </p:sp>
+      <p:sp>
+        <p:nvSpPr>
+          <p:cNvPr id="3" name="図プレースホルダー 2"/>
+          <p:cNvSpPr>
+            <a:spLocks noGrp="1"/>
+          </p:cNvSpPr>
+          <p:nvPr>
+            <p:ph type="pic" idx="1"/>
+          </p:nvPr>
+        </p:nvSpPr>
+        <p:spPr>
+          <a:xfrm>
+            <a:off x="3887391" y="740569"/>
+            <a:ext cx="4629150" cy="3655219"/>
+          </a:xfrm>
+        </p:spPr>
+        <p:txBody>
+          <a:bodyPr/>
+          <a:lstStyle>
+            <a:lvl1pPr marL="0" indent="0">
+              <a:buNone/>
+              <a:defRPr sz="2400"/>
+            </a:lvl1pPr>
+            <a:lvl2pPr marL="342900" indent="0">
+              <a:buNone/>
+              <a:defRPr sz="2100"/>
+            </a:lvl2pPr>
+            <a:lvl3pPr marL="685800" indent="0">
+              <a:buNone/>
+              <a:defRPr sz="1800"/>
+            </a:lvl3pPr>
+            <a:lvl4pPr marL="1028700" indent="0">
+              <a:buNone/>
+              <a:defRPr sz="1500"/>
+            </a:lvl4pPr>
+            <a:lvl5pPr marL="1371600" indent="0">
+              <a:buNone/>
+              <a:defRPr sz="1500"/>
+            </a:lvl5pPr>
+            <a:lvl6pPr marL="1714500" indent="0">
+              <a:buNone/>
+              <a:defRPr sz="1500"/>
+            </a:lvl6pPr>
+            <a:lvl7pPr marL="2057400" indent="0">
+              <a:buNone/>
+              <a:defRPr sz="1500"/>
+            </a:lvl7pPr>
+            <a:lvl8pPr marL="2400300" indent="0">
+              <a:buNone/>
+              <a:defRPr sz="1500"/>
+            </a:lvl8pPr>
+            <a:lvl9pPr marL="2743200" indent="0">
+              <a:buNone/>
+              <a:defRPr sz="1500"/>
+            </a:lvl9pPr>
+          </a:lstStyle>
+          <a:p>
+            <a:endParaRPr kumimoji="1" lang="ja-JP" altLang="en-US"/>
+          </a:p>
+        </p:txBody>
+      </p:sp>
+      <p:sp>
+        <p:nvSpPr>
+          <p:cNvPr id="4" name="テキスト プレースホルダー 3"/>
+          <p:cNvSpPr>
+            <a:spLocks noGrp="1"/>
+          </p:cNvSpPr>
+          <p:nvPr>
+            <p:ph type="body" sz="half" idx="2"/>
+          </p:nvPr>
+        </p:nvSpPr>
+        <p:spPr>
+          <a:xfrm>
+            <a:off x="629841" y="1543050"/>
+            <a:ext cx="2949178" cy="2858691"/>
+          </a:xfrm>
+        </p:spPr>
+        <p:txBody>
+          <a:bodyPr/>
+          <a:lstStyle>
+            <a:lvl1pPr marL="0" indent="0">
+              <a:buNone/>
+              <a:defRPr sz="1200"/>
+            </a:lvl1pPr>
+            <a:lvl2pPr marL="342900" indent="0">
+              <a:buNone/>
+              <a:defRPr sz="1050"/>
+            </a:lvl2pPr>
+            <a:lvl3pPr marL="685800" indent="0">
+              <a:buNone/>
+              <a:defRPr sz="900"/>
+            </a:lvl3pPr>
+            <a:lvl4pPr marL="1028700" indent="0">
+              <a:buNone/>
+              <a:defRPr sz="750"/>
+            </a:lvl4pPr>
+            <a:lvl5pPr marL="1371600" indent="0">
+              <a:buNone/>
+              <a:defRPr sz="750"/>
+            </a:lvl5pPr>
+            <a:lvl6pPr marL="1714500" indent="0">
+              <a:buNone/>
+              <a:defRPr sz="750"/>
+            </a:lvl6pPr>
+            <a:lvl7pPr marL="2057400" indent="0">
+              <a:buNone/>
+              <a:defRPr sz="750"/>
+            </a:lvl7pPr>
+            <a:lvl8pPr marL="2400300" indent="0">
+              <a:buNone/>
+              <a:defRPr sz="750"/>
+            </a:lvl8pPr>
+            <a:lvl9pPr marL="2743200" indent="0">
+              <a:buNone/>
+              <a:defRPr sz="750"/>
+            </a:lvl9pPr>
+          </a:lstStyle>
+          <a:p>
+            <a:pPr lvl="0"/>
+            <a:r>
+              <a:rPr kumimoji="1" lang="ja-JP" altLang="en-US" smtClean="0"/>
+              <a:t>マスター テキストの書式設定</a:t>
+            </a:r>
+          </a:p>
+        </p:txBody>
+      </p:sp>
+      <p:sp>
+        <p:nvSpPr>
+          <p:cNvPr id="5" name="日付プレースホルダー 4"/>
+          <p:cNvSpPr>
+            <a:spLocks noGrp="1"/>
+          </p:cNvSpPr>
+          <p:nvPr>
+            <p:ph type="dt" sz="half" idx="10"/>
+          </p:nvPr>
+        </p:nvSpPr>
+        <p:spPr>
+          <a:xfrm>
+            <a:off x="628650" y="4767263"/>
+            <a:ext cx="2057400" cy="273844"/>
+          </a:xfrm>
+          <a:prstGeom prst="rect">
+            <a:avLst/>
+          </a:prstGeom>
+        </p:spPr>
+        <p:txBody>
+          <a:bodyPr/>
+          <a:lstStyle/>
+          <a:p>
+            <a:fld id="{DC3D817D-5DEA-4CFB-8783-ED554CB28A22}" type="datetime1">
+              <a:rPr kumimoji="1" lang="ja-JP" altLang="en-US" smtClean="0"/>
+              <a:t>2024/4/22</a:t>
+            </a:fld>
+            <a:endParaRPr kumimoji="1" lang="ja-JP" altLang="en-US"/>
+          </a:p>
+        </p:txBody>
+      </p:sp>
+      <p:sp>
+        <p:nvSpPr>
+          <p:cNvPr id="6" name="フッター プレースホルダー 5"/>
+          <p:cNvSpPr>
+            <a:spLocks noGrp="1"/>
+          </p:cNvSpPr>
+          <p:nvPr>
+            <p:ph type="ftr" sz="quarter" idx="11"/>
+          </p:nvPr>
+        </p:nvSpPr>
+        <p:spPr>
+          <a:xfrm>
+            <a:off x="3028950" y="4767263"/>
+            <a:ext cx="3086100" cy="273844"/>
+          </a:xfrm>
+          <a:prstGeom prst="rect">
+            <a:avLst/>
+          </a:prstGeom>
+        </p:spPr>
+        <p:txBody>
+          <a:bodyPr/>
+          <a:lstStyle/>
+          <a:p>
+            <a:endParaRPr kumimoji="1" lang="ja-JP" altLang="en-US"/>
+          </a:p>
+        </p:txBody>
+      </p:sp>
+      <p:sp>
+        <p:nvSpPr>
+          <p:cNvPr id="7" name="スライド番号プレースホルダー 6"/>
+          <p:cNvSpPr>
+            <a:spLocks noGrp="1"/>
+          </p:cNvSpPr>
+          <p:nvPr>
+            <p:ph type="sldNum" sz="quarter" idx="12"/>
+          </p:nvPr>
+        </p:nvSpPr>
+        <p:spPr/>
+        <p:txBody>
+          <a:bodyPr/>
+          <a:lstStyle/>
+          <a:p>
+            <a:fld id="{D6591E97-2355-4C5F-BA98-15BCC4DBE61A}" type="slidenum">
+              <a:rPr kumimoji="1" lang="ja-JP" altLang="en-US" smtClean="0"/>
+              <a:t>‹#›</a:t>
+            </a:fld>
+            <a:endParaRPr kumimoji="1" lang="ja-JP" altLang="en-US"/>
+          </a:p>
+        </p:txBody>
+      </p:sp>
+      <p:sp>
+        <p:nvSpPr>
+          <p:cNvPr id="8" name="Shape 2"/>
+          <p:cNvSpPr/>
+          <p:nvPr userDrawn="1"/>
+        </p:nvSpPr>
+        <p:spPr>
+          <a:xfrm>
+            <a:off x="286069" y="4879918"/>
+            <a:ext cx="198125" cy="198125"/>
+          </a:xfrm>
+          <a:custGeom>
+            <a:avLst/>
+            <a:gdLst/>
+            <a:ahLst/>
+            <a:cxnLst>
+              <a:cxn ang="0">
+                <a:pos x="wd2" y="hd2"/>
+              </a:cxn>
+              <a:cxn ang="5400000">
+                <a:pos x="wd2" y="hd2"/>
+              </a:cxn>
+              <a:cxn ang="10800000">
+                <a:pos x="wd2" y="hd2"/>
+              </a:cxn>
+              <a:cxn ang="16200000">
+                <a:pos x="wd2" y="hd2"/>
+              </a:cxn>
+            </a:cxnLst>
+            <a:rect l="0" t="0" r="r" b="b"/>
+            <a:pathLst>
+              <a:path w="19679" h="19679" extrusionOk="0">
+                <a:moveTo>
+                  <a:pt x="16796" y="2882"/>
+                </a:moveTo>
+                <a:cubicBezTo>
+                  <a:pt x="20639" y="6724"/>
+                  <a:pt x="20639" y="12954"/>
+                  <a:pt x="16796" y="16796"/>
+                </a:cubicBezTo>
+                <a:cubicBezTo>
+                  <a:pt x="12954" y="20639"/>
+                  <a:pt x="6724" y="20639"/>
+                  <a:pt x="2882" y="16796"/>
+                </a:cubicBezTo>
+                <a:cubicBezTo>
+                  <a:pt x="-961" y="12954"/>
+                  <a:pt x="-961" y="6724"/>
+                  <a:pt x="2882" y="2882"/>
+                </a:cubicBezTo>
+                <a:cubicBezTo>
+                  <a:pt x="6724" y="-961"/>
+                  <a:pt x="12954" y="-961"/>
+                  <a:pt x="16796" y="2882"/>
+                </a:cubicBezTo>
+                <a:close/>
+              </a:path>
+            </a:pathLst>
+          </a:custGeom>
+          <a:solidFill>
+            <a:srgbClr val="DA2128"/>
+          </a:solidFill>
+          <a:ln w="12700">
+            <a:miter lim="400000"/>
+          </a:ln>
+        </p:spPr>
+        <p:txBody>
+          <a:bodyPr lIns="0" tIns="0" rIns="0" bIns="0" anchor="ctr"/>
+          <a:lstStyle/>
+          <a:p>
+            <a:pPr lvl="0">
+              <a:defRPr sz="2400">
+                <a:solidFill>
+                  <a:srgbClr val="FFFFFF"/>
+                </a:solidFill>
+              </a:defRPr>
+            </a:pPr>
+            <a:endParaRPr sz="1500"/>
+          </a:p>
+        </p:txBody>
+      </p:sp>
+    </p:spTree>
+    <p:extLst>
+      <p:ext uri="{BB962C8B-B14F-4D97-AF65-F5344CB8AC3E}">
+        <p14:creationId xmlns:p14="http://schemas.microsoft.com/office/powerpoint/2010/main" val="4250056985"/>
       </p:ext>
     </p:extLst>
   </p:cSld>
@@ -2596,7 +3967,7 @@
       </p:grpSpPr>
       <p:sp>
         <p:nvSpPr>
-          <p:cNvPr id="2" name="Title Placeholder 1"/>
+          <p:cNvPr id="2" name="タイトル プレースホルダー 1"/>
           <p:cNvSpPr>
             <a:spLocks noGrp="1"/>
           </p:cNvSpPr>
@@ -2606,29 +3977,34 @@
         </p:nvSpPr>
         <p:spPr>
           <a:xfrm>
-            <a:off x="457200" y="205979"/>
-            <a:ext cx="8229600" cy="857250"/>
+            <a:off x="270000" y="219600"/>
+            <a:ext cx="7250400" cy="396000"/>
           </a:xfrm>
           <a:prstGeom prst="rect">
             <a:avLst/>
           </a:prstGeom>
         </p:spPr>
         <p:txBody>
-          <a:bodyPr anchor="ctr" bIns="45720" lIns="91440" rIns="91440" rtlCol="0" tIns="45720" vert="horz">
+          <a:bodyPr anchor="b" anchorCtr="0" bIns="0" lIns="0" rIns="0" rtlCol="0" tIns="0" vert="horz">
             <a:normAutofit/>
           </a:bodyPr>
           <a:lstStyle/>
           <a:p>
             <a:r>
-              <a:rPr lang="en-US"/>
-              <a:t>Click to edit Master title style</a:t>
-            </a:r>
-          </a:p>
-        </p:txBody>
-      </p:sp>
-      <p:sp>
-        <p:nvSpPr>
-          <p:cNvPr id="3" name="Text Placeholder 2"/>
+              <a:rPr altLang="en-US" kumimoji="1" lang="ja-JP" smtClean="0"/>
+              <a:t>マスター タイトルの書式設定 </a:t>
+            </a:r>
+            <a:r>
+              <a:rPr altLang="ja-JP" kumimoji="1" lang="en-US" smtClean="0"/>
+              <a:t>abc</a:t>
+            </a:r>
+            <a:endParaRPr altLang="en-US" kumimoji="1" lang="ja-JP"/>
+          </a:p>
+        </p:txBody>
+      </p:sp>
+      <p:sp>
+        <p:nvSpPr>
+          <p:cNvPr id="3" name="テキスト プレースホルダー 2"/>
           <p:cNvSpPr>
             <a:spLocks noGrp="1"/>
           </p:cNvSpPr>
@@ -2638,295 +4014,465 @@
         </p:nvSpPr>
         <p:spPr>
           <a:xfrm>
-            <a:off x="457200" y="1200151"/>
-            <a:ext cx="8229600" cy="3394472"/>
+            <a:off x="277200" y="914400"/>
+            <a:ext cx="8568000" cy="3862800"/>
           </a:xfrm>
           <a:prstGeom prst="rect">
             <a:avLst/>
           </a:prstGeom>
-        </p:spPr>
-        <p:txBody>
-          <a:bodyPr bIns="45720" lIns="91440" rIns="91440" rtlCol="0" tIns="45720" vert="horz">
-            <a:normAutofit/>
+          <a:noFill/>
+          <a:ln w="9525">
+            <a:noFill/>
+            <a:miter lim="800000"/>
+            <a:headEnd/>
+            <a:tailEnd/>
+          </a:ln>
+        </p:spPr>
+        <p:txBody>
+          <a:bodyPr anchor="t" anchorCtr="0" bIns="0" compatLnSpc="1" lIns="0" numCol="1" rIns="0" tIns="0" vert="horz" wrap="square">
+            <a:prstTxWarp prst="textNoShape">
+              <a:avLst/>
+            </a:prstTxWarp>
           </a:bodyPr>
           <a:lstStyle/>
           <a:p>
-            <a:pPr lvl="0"/>
-            <a:r>
-              <a:rPr lang="en-US"/>
-              <a:t>Click to edit Master text styles</a:t>
-            </a:r>
-          </a:p>
-          <a:p>
-            <a:pPr lvl="1"/>
-            <a:r>
-              <a:rPr lang="en-US"/>
-              <a:t>Second level</a:t>
-            </a:r>
-          </a:p>
-          <a:p>
-            <a:pPr lvl="2"/>
-            <a:r>
-              <a:rPr lang="en-US"/>
-              <a:t>Third level</a:t>
-            </a:r>
-          </a:p>
-          <a:p>
-            <a:pPr lvl="3"/>
-            <a:r>
-              <a:rPr lang="en-US"/>
-              <a:t>Fourth level</a:t>
-            </a:r>
-          </a:p>
-          <a:p>
-            <a:pPr lvl="4"/>
-            <a:r>
-              <a:rPr lang="en-US"/>
-              <a:t>Fifth level</a:t>
-            </a:r>
-          </a:p>
-        </p:txBody>
-      </p:sp>
-      <p:sp>
-        <p:nvSpPr>
-          <p:cNvPr id="4" name="Date Placeholder 3"/>
-          <p:cNvSpPr>
-            <a:spLocks noGrp="1"/>
-          </p:cNvSpPr>
-          <p:nvPr>
-            <p:ph idx="2" sz="half" type="dt"/>
-          </p:nvPr>
-        </p:nvSpPr>
-        <p:spPr>
-          <a:xfrm>
-            <a:off x="457200" y="4767263"/>
-            <a:ext cx="2133600" cy="273844"/>
+            <a:pPr eaLnBrk="0" fontAlgn="base" hangingPunct="0" indent="0" lvl="0" marL="0">
+              <a:lnSpc>
+                <a:spcPct val="100000"/>
+              </a:lnSpc>
+              <a:spcBef>
+                <a:spcPts val="450"/>
+              </a:spcBef>
+              <a:spcAft>
+                <a:spcPct val="0"/>
+              </a:spcAft>
+              <a:buNone/>
+            </a:pPr>
+            <a:r>
+              <a:rPr altLang="en-US" kumimoji="1" lang="ja-JP" smtClean="0"/>
+              <a:t>マスター テキストの書式設定 </a:t>
+            </a:r>
+            <a:r>
+              <a:rPr altLang="ja-JP" kumimoji="1" lang="en-US" smtClean="0"/>
+              <a:t>abc</a:t>
+            </a:r>
+            <a:endParaRPr altLang="en-US" kumimoji="1" lang="ja-JP" smtClean="0"/>
+          </a:p>
+          <a:p>
+            <a:pPr eaLnBrk="0" fontAlgn="base" hangingPunct="0" indent="-132157" lvl="1" marL="133347">
+              <a:lnSpc>
+                <a:spcPct val="100000"/>
+              </a:lnSpc>
+              <a:spcBef>
+                <a:spcPts val="450"/>
+              </a:spcBef>
+              <a:spcAft>
+                <a:spcPct val="0"/>
+              </a:spcAft>
+              <a:buClr>
+                <a:srgbClr val="DA2131"/>
+              </a:buClr>
+            </a:pPr>
+            <a:r>
+              <a:rPr altLang="en-US" kumimoji="1" lang="ja-JP" smtClean="0"/>
+              <a:t>第 </a:t>
+            </a:r>
+            <a:r>
+              <a:rPr altLang="ja-JP" kumimoji="1" lang="en-US" smtClean="0"/>
+              <a:t>2 </a:t>
+            </a:r>
+            <a:r>
+              <a:rPr altLang="en-US" kumimoji="1" lang="ja-JP" smtClean="0"/>
+              <a:t>レベル</a:t>
+            </a:r>
+          </a:p>
+          <a:p>
+            <a:pPr eaLnBrk="0" fontAlgn="base" hangingPunct="0" indent="-111917" lvl="2" marL="538150">
+              <a:lnSpc>
+                <a:spcPct val="100000"/>
+              </a:lnSpc>
+              <a:spcBef>
+                <a:spcPts val="450"/>
+              </a:spcBef>
+              <a:spcAft>
+                <a:spcPct val="0"/>
+              </a:spcAft>
+              <a:buChar char="-"/>
+            </a:pPr>
+            <a:r>
+              <a:rPr altLang="en-US" kumimoji="1" lang="ja-JP" smtClean="0"/>
+              <a:t>第 </a:t>
+            </a:r>
+            <a:r>
+              <a:rPr altLang="ja-JP" kumimoji="1" lang="en-US" smtClean="0"/>
+              <a:t>3 </a:t>
+            </a:r>
+            <a:r>
+              <a:rPr altLang="en-US" kumimoji="1" lang="ja-JP" smtClean="0"/>
+              <a:t>レベル</a:t>
+            </a:r>
+          </a:p>
+          <a:p>
+            <a:pPr eaLnBrk="0" fontAlgn="base" hangingPunct="0" indent="-133347" lvl="3" marL="1752557">
+              <a:lnSpc>
+                <a:spcPct val="100000"/>
+              </a:lnSpc>
+              <a:spcBef>
+                <a:spcPts val="450"/>
+              </a:spcBef>
+              <a:spcAft>
+                <a:spcPct val="0"/>
+              </a:spcAft>
+              <a:buFont charset="2" panose="05050102010706020507" pitchFamily="18" typeface="Symbol"/>
+              <a:buChar char="-"/>
+            </a:pPr>
+            <a:r>
+              <a:rPr altLang="en-US" kumimoji="1" lang="ja-JP" smtClean="0"/>
+              <a:t>第 </a:t>
+            </a:r>
+            <a:r>
+              <a:rPr altLang="ja-JP" kumimoji="1" lang="en-US" smtClean="0"/>
+              <a:t>4 </a:t>
+            </a:r>
+            <a:r>
+              <a:rPr altLang="en-US" kumimoji="1" lang="ja-JP" smtClean="0"/>
+              <a:t>レベル</a:t>
+            </a:r>
+          </a:p>
+          <a:p>
+            <a:pPr eaLnBrk="0" fontAlgn="base" hangingPunct="0" indent="-133347" lvl="4" marL="1752557">
+              <a:lnSpc>
+                <a:spcPct val="100000"/>
+              </a:lnSpc>
+              <a:spcBef>
+                <a:spcPts val="450"/>
+              </a:spcBef>
+              <a:spcAft>
+                <a:spcPct val="0"/>
+              </a:spcAft>
+              <a:buClr>
+                <a:srgbClr val="DA2131"/>
+              </a:buClr>
+            </a:pPr>
+            <a:r>
+              <a:rPr altLang="en-US" kumimoji="1" lang="ja-JP" smtClean="0"/>
+              <a:t>第 </a:t>
+            </a:r>
+            <a:r>
+              <a:rPr altLang="ja-JP" kumimoji="1" lang="en-US" smtClean="0"/>
+              <a:t>5 </a:t>
+            </a:r>
+            <a:r>
+              <a:rPr altLang="en-US" kumimoji="1" lang="ja-JP" smtClean="0"/>
+              <a:t>レベル</a:t>
+            </a:r>
+            <a:endParaRPr altLang="en-US" kumimoji="1" lang="ja-JP"/>
+          </a:p>
+        </p:txBody>
+      </p:sp>
+      <p:pic>
+        <p:nvPicPr>
+          <p:cNvPr id="5" name="Grafik 2">
+            <a:extLst>
+              <a:ext uri="{FF2B5EF4-FFF2-40B4-BE49-F238E27FC236}">
+                <a16:creationId xmlns:a16="http://schemas.microsoft.com/office/drawing/2014/main" id="{A67D95E5-C737-7E9E-884F-987AD918915D}"/>
+              </a:ext>
+            </a:extLst>
+          </p:cNvPr>
+          <p:cNvPicPr>
+            <a:picLocks noChangeAspect="1"/>
+          </p:cNvPicPr>
+          <p:nvPr userDrawn="1"/>
+        </p:nvPicPr>
+        <p:blipFill>
+          <a:blip cstate="print" r:embed="rId9">
+            <a:extLst>
+              <a:ext uri="{28A0092B-C50C-407E-A947-70E740481C1C}">
+                <a14:useLocalDpi xmlns:a14="http://schemas.microsoft.com/office/drawing/2010/main" val="0"/>
+              </a:ext>
+            </a:extLst>
+          </a:blip>
+          <a:stretch>
+            <a:fillRect/>
+          </a:stretch>
+        </p:blipFill>
+        <p:spPr>
+          <a:xfrm>
+            <a:off x="6882492" y="349857"/>
+            <a:ext cx="1967593" cy="230512"/>
           </a:xfrm>
           <a:prstGeom prst="rect">
             <a:avLst/>
           </a:prstGeom>
         </p:spPr>
+      </p:pic>
+      <p:sp>
+        <p:nvSpPr>
+          <p:cNvPr id="11" name="Shape 2"/>
+          <p:cNvSpPr/>
+          <p:nvPr userDrawn="1"/>
+        </p:nvSpPr>
+        <p:spPr>
+          <a:xfrm>
+            <a:off x="286069" y="4879918"/>
+            <a:ext cx="198125" cy="198125"/>
+          </a:xfrm>
+          <a:custGeom>
+            <a:avLst/>
+            <a:gdLst/>
+            <a:ahLst/>
+            <a:cxnLst>
+              <a:cxn ang="0">
+                <a:pos x="wd2" y="hd2"/>
+              </a:cxn>
+              <a:cxn ang="5400000">
+                <a:pos x="wd2" y="hd2"/>
+              </a:cxn>
+              <a:cxn ang="10800000">
+                <a:pos x="wd2" y="hd2"/>
+              </a:cxn>
+              <a:cxn ang="16200000">
+                <a:pos x="wd2" y="hd2"/>
+              </a:cxn>
+            </a:cxnLst>
+            <a:rect b="b" l="0" r="r" t="0"/>
+            <a:pathLst>
+              <a:path extrusionOk="0" h="19679" w="19679">
+                <a:moveTo>
+                  <a:pt x="16796" y="2882"/>
+                </a:moveTo>
+                <a:cubicBezTo>
+                  <a:pt x="20639" y="6724"/>
+                  <a:pt x="20639" y="12954"/>
+                  <a:pt x="16796" y="16796"/>
+                </a:cubicBezTo>
+                <a:cubicBezTo>
+                  <a:pt x="12954" y="20639"/>
+                  <a:pt x="6724" y="20639"/>
+                  <a:pt x="2882" y="16796"/>
+                </a:cubicBezTo>
+                <a:cubicBezTo>
+                  <a:pt x="-961" y="12954"/>
+                  <a:pt x="-961" y="6724"/>
+                  <a:pt x="2882" y="2882"/>
+                </a:cubicBezTo>
+                <a:cubicBezTo>
+                  <a:pt x="6724" y="-961"/>
+                  <a:pt x="12954" y="-961"/>
+                  <a:pt x="16796" y="2882"/>
+                </a:cubicBezTo>
+                <a:close/>
+              </a:path>
+            </a:pathLst>
+          </a:custGeom>
+          <a:noFill/>
+          <a:ln w="12700">
+            <a:miter lim="400000"/>
+          </a:ln>
+        </p:spPr>
+        <p:txBody>
+          <a:bodyPr anchor="ctr" bIns="0" lIns="0" rIns="0" tIns="0"/>
+          <a:lstStyle/>
+          <a:p>
+            <a:pPr lvl="0">
+              <a:defRPr sz="2400">
+                <a:solidFill>
+                  <a:srgbClr val="FFFFFF"/>
+                </a:solidFill>
+              </a:defRPr>
+            </a:pPr>
+            <a:endParaRPr sz="1500"/>
+          </a:p>
+        </p:txBody>
+      </p:sp>
+      <p:sp>
+        <p:nvSpPr>
+          <p:cNvPr id="6" name="スライド番号プレースホルダー 5"/>
+          <p:cNvSpPr>
+            <a:spLocks noGrp="1"/>
+          </p:cNvSpPr>
+          <p:nvPr>
+            <p:ph idx="4" sz="quarter" type="sldNum"/>
+          </p:nvPr>
+        </p:nvSpPr>
+        <p:spPr>
+          <a:xfrm>
+            <a:off x="161611" y="4837387"/>
+            <a:ext cx="355600" cy="273844"/>
+          </a:xfrm>
+          <a:prstGeom prst="rect">
+            <a:avLst/>
+          </a:prstGeom>
+        </p:spPr>
         <p:txBody>
           <a:bodyPr anchor="ctr" bIns="45720" lIns="91440" rIns="91440" rtlCol="0" tIns="45720" vert="horz"/>
           <a:lstStyle>
-            <a:lvl1pPr algn="l">
-              <a:defRPr sz="900">
+            <a:lvl1pPr algn="r">
+              <a:defRPr b="1" sz="700">
                 <a:solidFill>
-                  <a:schemeClr val="tx1">
-                    <a:tint val="75000"/>
-                  </a:schemeClr>
+                  <a:schemeClr val="bg1"/>
                 </a:solidFill>
+                <a:latin charset="0" panose="020B0604020202020204" pitchFamily="34" typeface="Arial"/>
+                <a:ea charset="-128" panose="020B0600070205080204" pitchFamily="50" typeface="ＭＳ Ｐゴシック"/>
+                <a:cs charset="0" panose="020B0604020202020204" pitchFamily="34" typeface="Arial"/>
               </a:defRPr>
             </a:lvl1pPr>
           </a:lstStyle>
           <a:p>
-            <a:fld id="{241EB5C9-1307-BA42-ABA2-0BC069CD8E7F}" type="datetimeFigureOut">
-              <a:rPr lang="en-US" smtClean="0"/>
-              <a:t>1/2/22</a:t>
-            </a:fld>
-            <a:endParaRPr lang="en-US"/>
-          </a:p>
-        </p:txBody>
-      </p:sp>
-      <p:sp>
-        <p:nvSpPr>
-          <p:cNvPr id="5" name="Footer Placeholder 4"/>
-          <p:cNvSpPr>
-            <a:spLocks noGrp="1"/>
-          </p:cNvSpPr>
-          <p:nvPr>
-            <p:ph idx="3" sz="quarter" type="ftr"/>
-          </p:nvPr>
-        </p:nvSpPr>
-        <p:spPr>
-          <a:xfrm>
-            <a:off x="3124200" y="4767263"/>
-            <a:ext cx="2895600" cy="273844"/>
-          </a:xfrm>
-          <a:prstGeom prst="rect">
-            <a:avLst/>
-          </a:prstGeom>
-        </p:spPr>
-        <p:txBody>
-          <a:bodyPr anchor="ctr" bIns="45720" lIns="91440" rIns="91440" rtlCol="0" tIns="45720" vert="horz"/>
-          <a:lstStyle>
-            <a:lvl1pPr algn="ctr">
-              <a:defRPr sz="900">
+            <a:fld id="{2A605FED-7AC8-4412-BF98-CCE815642EF6}" type="slidenum">
+              <a:rPr altLang="ja-JP" b="1" lang="de-DE" smtClean="0" sz="700">
                 <a:solidFill>
-                  <a:schemeClr val="tx1">
-                    <a:tint val="75000"/>
-                  </a:schemeClr>
+                  <a:schemeClr val="bg1"/>
                 </a:solidFill>
-              </a:defRPr>
-            </a:lvl1pPr>
-          </a:lstStyle>
-          <a:p>
-            <a:endParaRPr lang="en-US"/>
-          </a:p>
-        </p:txBody>
-      </p:sp>
-      <p:sp>
-        <p:nvSpPr>
-          <p:cNvPr id="6" name="Slide Number Placeholder 5"/>
-          <p:cNvSpPr>
-            <a:spLocks noGrp="1"/>
-          </p:cNvSpPr>
-          <p:nvPr>
-            <p:ph idx="4" sz="quarter" type="sldNum"/>
-          </p:nvPr>
-        </p:nvSpPr>
-        <p:spPr>
-          <a:xfrm>
-            <a:off x="6553200" y="4767263"/>
-            <a:ext cx="2133600" cy="273844"/>
-          </a:xfrm>
-          <a:prstGeom prst="rect">
-            <a:avLst/>
-          </a:prstGeom>
-        </p:spPr>
-        <p:txBody>
-          <a:bodyPr anchor="ctr" bIns="45720" lIns="91440" rIns="91440" rtlCol="0" tIns="45720" vert="horz"/>
-          <a:lstStyle>
-            <a:lvl1pPr algn="r">
-              <a:defRPr sz="900">
-                <a:solidFill>
-                  <a:schemeClr val="tx1">
-                    <a:tint val="75000"/>
-                  </a:schemeClr>
-                </a:solidFill>
-              </a:defRPr>
-            </a:lvl1pPr>
-          </a:lstStyle>
-          <a:p>
-            <a:fld id="{C5EF2332-01BF-834F-8236-50238282D533}" type="slidenum">
-              <a:rPr lang="en-US" smtClean="0"/>
+                <a:latin charset="0" pitchFamily="34" typeface="Arial"/>
+                <a:cs charset="0" pitchFamily="34" typeface="Arial"/>
+              </a:rPr>
+              <a:pPr/>
               <a:t>‹#›</a:t>
             </a:fld>
-            <a:endParaRPr lang="en-US"/>
+            <a:endParaRPr altLang="en-US" lang="ja-JP"/>
           </a:p>
         </p:txBody>
       </p:sp>
     </p:spTree>
     <p:extLst>
       <p:ext uri="{BB962C8B-B14F-4D97-AF65-F5344CB8AC3E}">
-        <p14:creationId xmlns:p14="http://schemas.microsoft.com/office/powerpoint/2010/main" val="3676200875"/>
+        <p14:creationId xmlns:p14="http://schemas.microsoft.com/office/powerpoint/2010/main" val="2645140980"/>
       </p:ext>
     </p:extLst>
   </p:cSld>
   <p:clrMap accent1="accent1" accent2="accent2" accent3="accent3" accent4="accent4" accent5="accent5" accent6="accent6" bg1="lt1" bg2="lt2" folHlink="folHlink" hlink="hlink" tx1="dk1" tx2="dk2"/>
   <p:sldLayoutIdLst>
-    <p:sldLayoutId id="2147483649" r:id="rId1"/>
-    <p:sldLayoutId id="2147483650" r:id="rId2"/>
-    <p:sldLayoutId id="2147483651" r:id="rId3"/>
-    <p:sldLayoutId id="2147483652" r:id="rId4"/>
-    <p:sldLayoutId id="2147483653" r:id="rId5"/>
-    <p:sldLayoutId id="2147483654" r:id="rId6"/>
-    <p:sldLayoutId id="2147483655" r:id="rId7"/>
-    <p:sldLayoutId id="2147483656" r:id="rId8"/>
-    <p:sldLayoutId id="2147483657" r:id="rId9"/>
-    <p:sldLayoutId id="2147483658" r:id="rId10"/>
-    <p:sldLayoutId id="2147483659" r:id="rId11"/>
+    <p:sldLayoutId id="2147483691" r:id="rId1"/>
+    <p:sldLayoutId id="2147483692" r:id="rId2"/>
+    <p:sldLayoutId id="2147483693" r:id="rId3"/>
+    <p:sldLayoutId id="2147483694" r:id="rId4"/>
+    <p:sldLayoutId id="2147483695" r:id="rId5"/>
+    <p:sldLayoutId id="2147483697" r:id="rId6"/>
+    <p:sldLayoutId id="2147483699" r:id="rId7"/>
   </p:sldLayoutIdLst>
+  <p:hf dt="0" ftr="0" hdr="0"/>
   <p:txStyles>
     <p:titleStyle>
-      <a:lvl1pPr algn="ctr" defTabSz="342900" eaLnBrk="1" hangingPunct="1" latinLnBrk="0" rtl="0">
+      <a:lvl1pPr algn="l" defTabSz="685800" eaLnBrk="1" hangingPunct="1" latinLnBrk="0" rtl="0">
+        <a:lnSpc>
+          <a:spcPct val="90000"/>
+        </a:lnSpc>
         <a:spcBef>
           <a:spcPct val="0"/>
         </a:spcBef>
         <a:buNone/>
-        <a:defRPr kern="1200" sz="3300">
+        <a:defRPr kern="1200" kumimoji="1" sz="1600">
           <a:solidFill>
             <a:schemeClr val="tx1"/>
           </a:solidFill>
-          <a:latin typeface="+mj-lt"/>
-          <a:ea typeface="+mj-ea"/>
-          <a:cs typeface="+mj-cs"/>
+          <a:latin charset="0" panose="020B0604020202020204" pitchFamily="34" typeface="Arial"/>
+          <a:ea charset="-128" panose="020B0600070205080204" pitchFamily="50" typeface="ＭＳ Ｐゴシック"/>
+          <a:cs charset="0" panose="020B0604020202020204" pitchFamily="34" typeface="Arial"/>
         </a:defRPr>
       </a:lvl1pPr>
     </p:titleStyle>
     <p:bodyStyle>
-      <a:lvl1pPr algn="l" defTabSz="342900" eaLnBrk="1" hangingPunct="1" indent="-342900" latinLnBrk="0" marL="342900" rtl="0">
+      <a:lvl1pPr algn="l" defTabSz="685800" eaLnBrk="1" hangingPunct="1" indent="-171450" latinLnBrk="0" marL="171450" rtl="0">
+        <a:lnSpc>
+          <a:spcPct val="90000"/>
+        </a:lnSpc>
         <a:spcBef>
-          <a:spcPct val="20000"/>
+          <a:spcPts val="750"/>
         </a:spcBef>
-        <a:buFont typeface="Arial"/>
+        <a:buFont charset="0" panose="020B0604020202020204" pitchFamily="34" typeface="Arial"/>
         <a:buChar char="•"/>
-        <a:defRPr kern="1200" sz="2400">
+        <a:defRPr altLang="en-US" kern="1200" kumimoji="1" lang="ja-JP" smtClean="0" sz="1200">
           <a:solidFill>
             <a:schemeClr val="tx1"/>
           </a:solidFill>
-          <a:latin typeface="+mn-lt"/>
-          <a:ea typeface="+mn-ea"/>
-          <a:cs typeface="+mn-cs"/>
+          <a:latin charset="-128" panose="020B0600070205080204" pitchFamily="50" typeface="ＭＳ Ｐゴシック"/>
+          <a:ea charset="-128" panose="020B0600070205080204" pitchFamily="50" typeface="ＭＳ Ｐゴシック"/>
+          <a:cs charset="0" panose="020B0604020202020204" pitchFamily="34" typeface="Arial"/>
         </a:defRPr>
       </a:lvl1pPr>
-      <a:lvl2pPr algn="l" defTabSz="342900" eaLnBrk="1" hangingPunct="1" indent="-342900" latinLnBrk="0" marL="685800" rtl="0">
+      <a:lvl2pPr algn="l" defTabSz="685800" eaLnBrk="1" hangingPunct="1" indent="-171450" latinLnBrk="0" marL="514350" rtl="0">
+        <a:lnSpc>
+          <a:spcPct val="90000"/>
+        </a:lnSpc>
         <a:spcBef>
-          <a:spcPct val="20000"/>
+          <a:spcPts val="375"/>
         </a:spcBef>
-        <a:buFont typeface="Arial"/>
-        <a:buChar char="–"/>
-        <a:defRPr kern="1200" sz="2100">
+        <a:buFont charset="0" panose="020B0604020202020204" pitchFamily="34" typeface="Arial"/>
+        <a:buChar char="•"/>
+        <a:defRPr altLang="en-US" kern="1200" kumimoji="1" lang="ja-JP" smtClean="0" sz="1200">
           <a:solidFill>
             <a:schemeClr val="tx1"/>
           </a:solidFill>
-          <a:latin typeface="+mn-lt"/>
-          <a:ea typeface="+mn-ea"/>
-          <a:cs typeface="+mn-cs"/>
+          <a:latin charset="0" panose="020B0604020202020204" pitchFamily="34" typeface="Arial"/>
+          <a:ea charset="-128" panose="020B0600070205080204" pitchFamily="50" typeface="ＭＳ Ｐゴシック"/>
+          <a:cs charset="0" panose="020B0604020202020204" pitchFamily="34" typeface="Arial"/>
         </a:defRPr>
       </a:lvl2pPr>
-      <a:lvl3pPr algn="l" defTabSz="342900" eaLnBrk="1" hangingPunct="1" indent="-342900" latinLnBrk="0" marL="1028700" rtl="0">
+      <a:lvl3pPr algn="l" defTabSz="685800" eaLnBrk="1" hangingPunct="1" indent="-171450" latinLnBrk="0" marL="857250" rtl="0">
+        <a:lnSpc>
+          <a:spcPct val="90000"/>
+        </a:lnSpc>
         <a:spcBef>
-          <a:spcPct val="20000"/>
+          <a:spcPts val="375"/>
         </a:spcBef>
-        <a:buFont typeface="Arial"/>
+        <a:buFont charset="0" panose="020B0604020202020204" pitchFamily="34" typeface="Arial"/>
         <a:buChar char="•"/>
-        <a:defRPr kern="1200" sz="1800">
+        <a:defRPr altLang="en-US" kern="1200" kumimoji="1" lang="ja-JP" smtClean="0" sz="1200">
           <a:solidFill>
             <a:schemeClr val="tx1"/>
           </a:solidFill>
-          <a:latin typeface="+mn-lt"/>
-          <a:ea typeface="+mn-ea"/>
-          <a:cs typeface="+mn-cs"/>
+          <a:latin charset="0" panose="020B0604020202020204" pitchFamily="34" typeface="Arial"/>
+          <a:ea charset="-128" panose="020B0600070205080204" pitchFamily="50" typeface="ＭＳ Ｐゴシック"/>
+          <a:cs charset="0" panose="020B0604020202020204" pitchFamily="34" typeface="Arial"/>
         </a:defRPr>
       </a:lvl3pPr>
-      <a:lvl4pPr algn="l" defTabSz="342900" eaLnBrk="1" hangingPunct="1" indent="-342900" latinLnBrk="0" marL="1371600" rtl="0">
+      <a:lvl4pPr algn="l" defTabSz="685800" eaLnBrk="1" hangingPunct="1" indent="-171450" latinLnBrk="0" marL="1200150" rtl="0">
+        <a:lnSpc>
+          <a:spcPct val="90000"/>
+        </a:lnSpc>
         <a:spcBef>
-          <a:spcPct val="20000"/>
+          <a:spcPts val="375"/>
         </a:spcBef>
-        <a:buFont typeface="Arial"/>
-        <a:buChar char="–"/>
-        <a:defRPr kern="1200" sz="1500">
+        <a:buFont charset="0" panose="020B0604020202020204" pitchFamily="34" typeface="Arial"/>
+        <a:buChar char="•"/>
+        <a:defRPr altLang="en-US" kern="1200" kumimoji="1" lang="ja-JP" smtClean="0" sz="1200">
           <a:solidFill>
             <a:schemeClr val="tx1"/>
           </a:solidFill>
-          <a:latin typeface="+mn-lt"/>
-          <a:ea typeface="+mn-ea"/>
-          <a:cs typeface="+mn-cs"/>
+          <a:latin charset="0" panose="020B0604020202020204" pitchFamily="34" typeface="Arial"/>
+          <a:ea charset="-128" panose="020B0600070205080204" pitchFamily="50" typeface="ＭＳ Ｐゴシック"/>
+          <a:cs charset="0" panose="020B0604020202020204" pitchFamily="34" typeface="Arial"/>
         </a:defRPr>
       </a:lvl4pPr>
-      <a:lvl5pPr algn="l" defTabSz="342900" eaLnBrk="1" hangingPunct="1" indent="-342900" latinLnBrk="0" marL="1714500" rtl="0">
+      <a:lvl5pPr algn="l" defTabSz="685800" eaLnBrk="1" hangingPunct="1" indent="-171450" latinLnBrk="0" marL="1543050" rtl="0">
+        <a:lnSpc>
+          <a:spcPct val="90000"/>
+        </a:lnSpc>
         <a:spcBef>
-          <a:spcPct val="20000"/>
+          <a:spcPts val="375"/>
         </a:spcBef>
-        <a:buFont typeface="Arial"/>
-        <a:buChar char="»"/>
-        <a:defRPr kern="1200" sz="1500">
+        <a:buFont charset="0" panose="020B0604020202020204" pitchFamily="34" typeface="Arial"/>
+        <a:buChar char="•"/>
+        <a:defRPr altLang="en-US" kern="1200" kumimoji="1" lang="ja-JP" sz="1200">
           <a:solidFill>
             <a:schemeClr val="tx1"/>
           </a:solidFill>
-          <a:latin typeface="+mn-lt"/>
-          <a:ea typeface="+mn-ea"/>
-          <a:cs typeface="+mn-cs"/>
+          <a:latin charset="0" panose="020B0604020202020204" pitchFamily="34" typeface="Arial"/>
+          <a:ea charset="-128" panose="020B0600070205080204" pitchFamily="50" typeface="ＭＳ Ｐゴシック"/>
+          <a:cs charset="0" panose="020B0604020202020204" pitchFamily="34" typeface="Arial"/>
         </a:defRPr>
       </a:lvl5pPr>
-      <a:lvl6pPr algn="l" defTabSz="342900" eaLnBrk="1" hangingPunct="1" indent="-342900" latinLnBrk="0" marL="2057400" rtl="0">
+      <a:lvl6pPr algn="l" defTabSz="685800" eaLnBrk="1" hangingPunct="1" indent="-171450" latinLnBrk="0" marL="1885950" rtl="0">
+        <a:lnSpc>
+          <a:spcPct val="90000"/>
+        </a:lnSpc>
         <a:spcBef>
-          <a:spcPct val="20000"/>
+          <a:spcPts val="375"/>
         </a:spcBef>
-        <a:buFont typeface="Arial"/>
+        <a:buFont charset="0" panose="020B0604020202020204" pitchFamily="34" typeface="Arial"/>
         <a:buChar char="•"/>
-        <a:defRPr kern="1200" sz="1500">
+        <a:defRPr kern="1200" kumimoji="1" sz="1350">
           <a:solidFill>
             <a:schemeClr val="tx1"/>
           </a:solidFill>
@@ -2935,13 +4481,16 @@
           <a:cs typeface="+mn-cs"/>
         </a:defRPr>
       </a:lvl6pPr>
-      <a:lvl7pPr algn="l" defTabSz="342900" eaLnBrk="1" hangingPunct="1" indent="-342900" latinLnBrk="0" marL="2400300" rtl="0">
+      <a:lvl7pPr algn="l" defTabSz="685800" eaLnBrk="1" hangingPunct="1" indent="-171450" latinLnBrk="0" marL="2228850" rtl="0">
+        <a:lnSpc>
+          <a:spcPct val="90000"/>
+        </a:lnSpc>
         <a:spcBef>
-          <a:spcPct val="20000"/>
+          <a:spcPts val="375"/>
         </a:spcBef>
-        <a:buFont typeface="Arial"/>
+        <a:buFont charset="0" panose="020B0604020202020204" pitchFamily="34" typeface="Arial"/>
         <a:buChar char="•"/>
-        <a:defRPr kern="1200" sz="1500">
+        <a:defRPr kern="1200" kumimoji="1" sz="1350">
           <a:solidFill>
             <a:schemeClr val="tx1"/>
           </a:solidFill>
@@ -2950,13 +4499,16 @@
           <a:cs typeface="+mn-cs"/>
         </a:defRPr>
       </a:lvl7pPr>
-      <a:lvl8pPr algn="l" defTabSz="342900" eaLnBrk="1" hangingPunct="1" indent="-342900" latinLnBrk="0" marL="2743200" rtl="0">
+      <a:lvl8pPr algn="l" defTabSz="685800" eaLnBrk="1" hangingPunct="1" indent="-171450" latinLnBrk="0" marL="2571750" rtl="0">
+        <a:lnSpc>
+          <a:spcPct val="90000"/>
+        </a:lnSpc>
         <a:spcBef>
-          <a:spcPct val="20000"/>
+          <a:spcPts val="375"/>
         </a:spcBef>
-        <a:buFont typeface="Arial"/>
+        <a:buFont charset="0" panose="020B0604020202020204" pitchFamily="34" typeface="Arial"/>
         <a:buChar char="•"/>
-        <a:defRPr kern="1200" sz="1500">
+        <a:defRPr kern="1200" kumimoji="1" sz="1350">
           <a:solidFill>
             <a:schemeClr val="tx1"/>
           </a:solidFill>
@@ -2965,13 +4517,16 @@
           <a:cs typeface="+mn-cs"/>
         </a:defRPr>
       </a:lvl8pPr>
-      <a:lvl9pPr algn="l" defTabSz="342900" eaLnBrk="1" hangingPunct="1" indent="-342900" latinLnBrk="0" marL="3086100" rtl="0">
+      <a:lvl9pPr algn="l" defTabSz="685800" eaLnBrk="1" hangingPunct="1" indent="-171450" latinLnBrk="0" marL="2914650" rtl="0">
+        <a:lnSpc>
+          <a:spcPct val="90000"/>
+        </a:lnSpc>
         <a:spcBef>
-          <a:spcPct val="20000"/>
+          <a:spcPts val="375"/>
         </a:spcBef>
-        <a:buFont typeface="Arial"/>
+        <a:buFont charset="0" panose="020B0604020202020204" pitchFamily="34" typeface="Arial"/>
         <a:buChar char="•"/>
-        <a:defRPr kern="1200" sz="1500">
+        <a:defRPr kern="1200" kumimoji="1" sz="1350">
           <a:solidFill>
             <a:schemeClr val="tx1"/>
           </a:solidFill>
@@ -2983,10 +4538,10 @@
     </p:bodyStyle>
     <p:otherStyle>
       <a:defPPr>
-        <a:defRPr lang="en-US"/>
+        <a:defRPr lang="ja-JP"/>
       </a:defPPr>
-      <a:lvl1pPr algn="l" defTabSz="342900" eaLnBrk="1" hangingPunct="1" latinLnBrk="0" marL="0" rtl="0">
-        <a:defRPr kern="1200" sz="1350">
+      <a:lvl1pPr algn="l" defTabSz="685800" eaLnBrk="1" hangingPunct="1" latinLnBrk="0" marL="0" rtl="0">
+        <a:defRPr kern="1200" kumimoji="1" sz="1350">
           <a:solidFill>
             <a:schemeClr val="tx1"/>
           </a:solidFill>
@@ -2995,8 +4550,8 @@
           <a:cs typeface="+mn-cs"/>
         </a:defRPr>
       </a:lvl1pPr>
-      <a:lvl2pPr algn="l" defTabSz="342900" eaLnBrk="1" hangingPunct="1" latinLnBrk="0" marL="342900" rtl="0">
-        <a:defRPr kern="1200" sz="1350">
+      <a:lvl2pPr algn="l" defTabSz="685800" eaLnBrk="1" hangingPunct="1" latinLnBrk="0" marL="342900" rtl="0">
+        <a:defRPr kern="1200" kumimoji="1" sz="1350">
           <a:solidFill>
             <a:schemeClr val="tx1"/>
           </a:solidFill>
@@ -3005,8 +4560,8 @@
           <a:cs typeface="+mn-cs"/>
         </a:defRPr>
       </a:lvl2pPr>
-      <a:lvl3pPr algn="l" defTabSz="342900" eaLnBrk="1" hangingPunct="1" latinLnBrk="0" marL="685800" rtl="0">
-        <a:defRPr kern="1200" sz="1350">
+      <a:lvl3pPr algn="l" defTabSz="685800" eaLnBrk="1" hangingPunct="1" latinLnBrk="0" marL="685800" rtl="0">
+        <a:defRPr kern="1200" kumimoji="1" sz="1350">
           <a:solidFill>
             <a:schemeClr val="tx1"/>
           </a:solidFill>
@@ -3015,8 +4570,8 @@
           <a:cs typeface="+mn-cs"/>
         </a:defRPr>
       </a:lvl3pPr>
-      <a:lvl4pPr algn="l" defTabSz="342900" eaLnBrk="1" hangingPunct="1" latinLnBrk="0" marL="1028700" rtl="0">
-        <a:defRPr kern="1200" sz="1350">
+      <a:lvl4pPr algn="l" defTabSz="685800" eaLnBrk="1" hangingPunct="1" latinLnBrk="0" marL="1028700" rtl="0">
+        <a:defRPr kern="1200" kumimoji="1" sz="1350">
           <a:solidFill>
             <a:schemeClr val="tx1"/>
           </a:solidFill>
@@ -3025,8 +4580,8 @@
           <a:cs typeface="+mn-cs"/>
         </a:defRPr>
       </a:lvl4pPr>
-      <a:lvl5pPr algn="l" defTabSz="342900" eaLnBrk="1" hangingPunct="1" latinLnBrk="0" marL="1371600" rtl="0">
-        <a:defRPr kern="1200" sz="1350">
+      <a:lvl5pPr algn="l" defTabSz="685800" eaLnBrk="1" hangingPunct="1" latinLnBrk="0" marL="1371600" rtl="0">
+        <a:defRPr kern="1200" kumimoji="1" sz="1350">
           <a:solidFill>
             <a:schemeClr val="tx1"/>
           </a:solidFill>
@@ -3035,8 +4590,8 @@
           <a:cs typeface="+mn-cs"/>
         </a:defRPr>
       </a:lvl5pPr>
-      <a:lvl6pPr algn="l" defTabSz="342900" eaLnBrk="1" hangingPunct="1" latinLnBrk="0" marL="1714500" rtl="0">
-        <a:defRPr kern="1200" sz="1350">
+      <a:lvl6pPr algn="l" defTabSz="685800" eaLnBrk="1" hangingPunct="1" latinLnBrk="0" marL="1714500" rtl="0">
+        <a:defRPr kern="1200" kumimoji="1" sz="1350">
           <a:solidFill>
             <a:schemeClr val="tx1"/>
           </a:solidFill>
@@ -3045,8 +4600,8 @@
           <a:cs typeface="+mn-cs"/>
         </a:defRPr>
       </a:lvl6pPr>
-      <a:lvl7pPr algn="l" defTabSz="342900" eaLnBrk="1" hangingPunct="1" latinLnBrk="0" marL="2057400" rtl="0">
-        <a:defRPr kern="1200" sz="1350">
+      <a:lvl7pPr algn="l" defTabSz="685800" eaLnBrk="1" hangingPunct="1" latinLnBrk="0" marL="2057400" rtl="0">
+        <a:defRPr kern="1200" kumimoji="1" sz="1350">
           <a:solidFill>
             <a:schemeClr val="tx1"/>
           </a:solidFill>
@@ -3055,8 +4610,8 @@
           <a:cs typeface="+mn-cs"/>
         </a:defRPr>
       </a:lvl7pPr>
-      <a:lvl8pPr algn="l" defTabSz="342900" eaLnBrk="1" hangingPunct="1" latinLnBrk="0" marL="2400300" rtl="0">
-        <a:defRPr kern="1200" sz="1350">
+      <a:lvl8pPr algn="l" defTabSz="685800" eaLnBrk="1" hangingPunct="1" latinLnBrk="0" marL="2400300" rtl="0">
+        <a:defRPr kern="1200" kumimoji="1" sz="1350">
           <a:solidFill>
             <a:schemeClr val="tx1"/>
           </a:solidFill>
@@ -3065,8 +4620,8 @@
           <a:cs typeface="+mn-cs"/>
         </a:defRPr>
       </a:lvl8pPr>
-      <a:lvl9pPr algn="l" defTabSz="342900" eaLnBrk="1" hangingPunct="1" latinLnBrk="0" marL="2743200" rtl="0">
-        <a:defRPr kern="1200" sz="1350">
+      <a:lvl9pPr algn="l" defTabSz="685800" eaLnBrk="1" hangingPunct="1" latinLnBrk="0" marL="2743200" rtl="0">
+        <a:defRPr kern="1200" kumimoji="1" sz="1350">
           <a:solidFill>
             <a:schemeClr val="tx1"/>
           </a:solidFill>
@@ -3099,7 +4654,7 @@
       </p:grpSpPr>
       <p:sp>
         <p:nvSpPr>
-          <p:cNvPr id="2" name="Title 1"/>
+          <p:cNvPr id="2" name="タイトル 1"/>
           <p:cNvSpPr>
             <a:spLocks noGrp="1"/>
           </p:cNvSpPr>
@@ -3109,8 +4664,8 @@
         </p:nvSpPr>
         <p:spPr>
           <a:xfrm>
-            <a:off x="685800" y="1597819"/>
-            <a:ext cx="7772400" cy="1102519"/>
+            <a:off x="414000" y="3960000"/>
+            <a:ext cx="6584400" cy="320400"/>
           </a:xfrm>
         </p:spPr>
         <p:txBody>
@@ -3122,14 +4677,14 @@
             </a:pPr>
             <a:r>
               <a:rPr/>
-              <a:t>PowerPointのタイトル名</a:t>
-            </a:r>
-          </a:p>
-        </p:txBody>
-      </p:sp>
-      <p:sp>
-        <p:nvSpPr>
-          <p:cNvPr id="3" name="Subtitle 2"/>
+              <a:t>第1章 計算力学に必要な数学の基礎</a:t>
+            </a:r>
+          </a:p>
+        </p:txBody>
+      </p:sp>
+      <p:sp>
+        <p:nvSpPr>
+          <p:cNvPr id="3" name="サブタイトル 2"/>
           <p:cNvSpPr>
             <a:spLocks noGrp="1"/>
           </p:cNvSpPr>
@@ -3139,8 +4694,8 @@
         </p:nvSpPr>
         <p:spPr>
           <a:xfrm>
-            <a:off x="1371600" y="2914650"/>
-            <a:ext cx="6400800" cy="1314450"/>
+            <a:off x="432000" y="4712400"/>
+            <a:ext cx="4968000" cy="262800"/>
           </a:xfrm>
         </p:spPr>
         <p:txBody>
@@ -3152,25 +4707,21 @@
             </a:pPr>
             <a:r>
               <a:rPr/>
-              <a:t>サブタイトル名</a:t>
+              <a:t>Makoto.Yaugchi@motherson.com</a:t>
             </a:r>
             <a:br/>
             <a:br/>
-            <a:r>
-              <a:rPr/>
-              <a:t>Makoto.Yaguchi@motherson.com</a:t>
-            </a:r>
-          </a:p>
-        </p:txBody>
-      </p:sp>
-      <p:sp>
-        <p:nvSpPr>
-          <p:cNvPr id="4" name="Date Placeholder 3"/>
-          <p:cNvSpPr>
-            <a:spLocks noGrp="1"/>
-          </p:cNvSpPr>
-          <p:nvPr>
-            <p:ph idx="10" sz="half" type="dt"/>
+          </a:p>
+        </p:txBody>
+      </p:sp>
+      <p:sp>
+        <p:nvSpPr>
+          <p:cNvPr id="6" name="スライド番号プレースホルダー 5"/>
+          <p:cNvSpPr>
+            <a:spLocks noGrp="1"/>
+          </p:cNvSpPr>
+          <p:nvPr>
+            <p:ph idx="12" sz="quarter" type="sldNum"/>
           </p:nvPr>
         </p:nvSpPr>
         <p:spPr/>
@@ -3178,13 +4729,11 @@
           <a:bodyPr/>
           <a:lstStyle/>
           <a:p>
-            <a:pPr lvl="0" indent="0" marL="0">
-              <a:buNone/>
-            </a:pPr>
-            <a:r>
-              <a:rPr/>
-              <a:t>2024年4月17日</a:t>
-            </a:r>
+            <a:fld id="{EC9FE446-0DE4-4663-A80B-7CF44FF3B4A2}" type="slidenum">
+              <a:rPr altLang="en-US" kumimoji="1" lang="ja-JP" smtClean="0"/>
+              <a:t>‹#›</a:t>
+            </a:fld>
+            <a:endParaRPr altLang="en-US" kumimoji="1" lang="ja-JP"/>
           </a:p>
         </p:txBody>
       </p:sp>
@@ -3212,7 +4761,7 @@
       </p:grpSpPr>
       <p:sp>
         <p:nvSpPr>
-          <p:cNvPr id="2" name="Title 1"/>
+          <p:cNvPr id="2" name="タイトル 1"/>
           <p:cNvSpPr>
             <a:spLocks noGrp="1"/>
           </p:cNvSpPr>
@@ -3220,43 +4769,46 @@
             <p:ph type="title"/>
           </p:nvPr>
         </p:nvSpPr>
+        <p:spPr>
+          <a:xfrm>
+            <a:off x="860400" y="1098000"/>
+            <a:ext cx="3470400" cy="345600"/>
+          </a:xfrm>
+        </p:spPr>
+        <p:txBody>
+          <a:bodyPr/>
+          <a:lstStyle/>
+          <a:p>
+            <a:pPr lvl="0" indent="0" marL="0">
+              <a:buNone/>
+            </a:pPr>
+            <a:r>
+              <a:rPr/>
+              <a:t>第1章 計算力学に必要な数学の基礎</a:t>
+            </a:r>
+          </a:p>
+        </p:txBody>
+      </p:sp>
+      <p:sp>
+        <p:nvSpPr>
+          <p:cNvPr id="6" name="スライド番号プレースホルダー 5"/>
+          <p:cNvSpPr>
+            <a:spLocks noGrp="1"/>
+          </p:cNvSpPr>
+          <p:nvPr>
+            <p:ph idx="12" sz="quarter" type="sldNum"/>
+          </p:nvPr>
+        </p:nvSpPr>
         <p:spPr/>
         <p:txBody>
           <a:bodyPr/>
           <a:lstStyle/>
           <a:p>
-            <a:pPr lvl="0" indent="0" marL="0">
-              <a:buNone/>
-            </a:pPr>
-            <a:r>
-              <a:rPr/>
-              <a:t>計算力学１級問題集解説</a:t>
-            </a:r>
-          </a:p>
-        </p:txBody>
-      </p:sp>
-      <p:sp>
-        <p:nvSpPr>
-          <p:cNvPr id="3" name="Content Placeholder 2"/>
-          <p:cNvSpPr>
-            <a:spLocks noGrp="1"/>
-          </p:cNvSpPr>
-          <p:nvPr>
-            <p:ph idx="1"/>
-          </p:nvPr>
-        </p:nvSpPr>
-        <p:spPr/>
-        <p:txBody>
-          <a:bodyPr/>
-          <a:lstStyle/>
-          <a:p>
-            <a:pPr lvl="0" indent="0" marL="0">
-              <a:buNone/>
-            </a:pPr>
-            <a:r>
-              <a:rPr/>
-              <a:t>@author Makott Yaguchi Staff Engineer Core Business Operations R&amp;D Manegemnet Promotion Degital Development Department 2024/4/20</a:t>
-            </a:r>
+            <a:fld id="{D6591E97-2355-4C5F-BA98-15BCC4DBE61A}" type="slidenum">
+              <a:rPr altLang="en-US" kumimoji="1" lang="ja-JP" smtClean="0"/>
+              <a:t>‹#›</a:t>
+            </a:fld>
+            <a:endParaRPr altLang="en-US" kumimoji="1" lang="ja-JP"/>
           </a:p>
         </p:txBody>
       </p:sp>
@@ -3284,12 +4836,12 @@
       </p:grpSpPr>
       <p:sp>
         <p:nvSpPr>
-          <p:cNvPr id="3" name="Content Placeholder 2"/>
-          <p:cNvSpPr>
-            <a:spLocks noGrp="1"/>
-          </p:cNvSpPr>
-          <p:nvPr>
-            <p:ph idx="1"/>
+          <p:cNvPr id="2" name="タイトル 1"/>
+          <p:cNvSpPr>
+            <a:spLocks noGrp="1"/>
+          </p:cNvSpPr>
+          <p:nvPr>
+            <p:ph type="title"/>
           </p:nvPr>
         </p:nvSpPr>
         <p:spPr/>
@@ -3298,62 +4850,20 @@
           <a:lstStyle/>
           <a:p>
             <a:pPr lvl="0" indent="0" marL="0">
-              <a:spcBef>
-                <a:spcPts val="3000"/>
-              </a:spcBef>
               <a:buNone/>
             </a:pPr>
             <a:r>
-              <a:rPr b="1"/>
-              <a:t>第1章 計算力学に必要な数学の基礎</a:t>
-            </a:r>
-          </a:p>
-          <a:p>
-            <a:pPr lvl="0" indent="0" marL="0">
-              <a:buNone/>
-            </a:pPr>
-            <a:r>
               <a:rPr/>
-              <a:t>ここでは</a:t>
-            </a:r>
-            <a:r>
-              <a:rPr b="1"/>
-              <a:t>計算力学に必要な数学の基礎</a:t>
-            </a:r>
-            <a:r>
-              <a:rPr/>
-              <a:t>について解説する</a:t>
-            </a:r>
-          </a:p>
-        </p:txBody>
-      </p:sp>
-    </p:spTree>
-  </p:cSld>
-</p:sld>
-</file>
-
-<file path=ppt/slides/slide4.xml><?xml version="1.0" encoding="utf-8"?>
-<p:sld xmlns:a="http://schemas.openxmlformats.org/drawingml/2006/main" xmlns:r="http://schemas.openxmlformats.org/officeDocument/2006/relationships" xmlns:p="http://schemas.openxmlformats.org/presentationml/2006/main">
-  <p:cSld>
-    <p:spTree>
-      <p:nvGrpSpPr>
-        <p:cNvPr id="1" name=""/>
-        <p:cNvGrpSpPr/>
-        <p:nvPr/>
-      </p:nvGrpSpPr>
-      <p:grpSpPr>
-        <a:xfrm>
-          <a:off x="0" y="0"/>
-          <a:ext cx="0" cy="0"/>
-          <a:chOff x="0" y="0"/>
-          <a:chExt cx="0" cy="0"/>
-        </a:xfrm>
-      </p:grpSpPr>
+              <a:t>1-1 基本の数学</a:t>
+            </a:r>
+          </a:p>
+        </p:txBody>
+      </p:sp>
       <mc:AlternateContent xmlns:mc="http://schemas.openxmlformats.org/markup-compatibility/2006">
         <mc:Choice xmlns:a14="http://schemas.microsoft.com/office/drawing/2010/main" Requires="a14">
           <p:sp>
             <p:nvSpPr>
-              <p:cNvPr id="3" name="Content Placeholder 2"/>
+              <p:cNvPr id="3" name="コンテンツ プレースホルダー 2"/>
               <p:cNvSpPr>
                 <a:spLocks noGrp="1"/>
               </p:cNvSpPr>
@@ -3365,18 +4875,6 @@
             <p:txBody>
               <a:bodyPr/>
               <a:lstStyle/>
-              <a:p>
-                <a:pPr lvl="0" indent="0" marL="0">
-                  <a:spcBef>
-                    <a:spcPts val="3000"/>
-                  </a:spcBef>
-                  <a:buNone/>
-                </a:pPr>
-                <a:r>
-                  <a:rPr b="1"/>
-                  <a:t>1-1 基本の数学</a:t>
-                </a:r>
-              </a:p>
               <a:p>
                 <a:pPr lvl="0" indent="0" marL="0">
                   <a:buNone/>
@@ -3553,66 +5051,128 @@
                   <a:t>bbb</a:t>
                 </a:r>
               </a:p>
-              <a:p>
-                <a:pPr lvl="0"/>
-                <a:r>
-                  <a:rPr/>
-                  <a:t>ccc</a:t>
-                </a:r>
-              </a:p>
-              <a:p>
-                <a:pPr lvl="0"/>
-                <a:r>
-                  <a:rPr/>
-                  <a:t>ccc</a:t>
-                </a:r>
-              </a:p>
-              <a:p>
-                <a:pPr lvl="0"/>
-                <a:r>
-                  <a:rPr/>
-                  <a:t>ccc</a:t>
-                </a:r>
-              </a:p>
-              <a:p>
-                <a:pPr lvl="0"/>
-                <a:r>
-                  <a:rPr/>
-                  <a:t>ccc</a:t>
-                </a:r>
-              </a:p>
-              <a:p>
-                <a:pPr lvl="0"/>
-                <a:r>
-                  <a:rPr/>
-                  <a:t>ccc</a:t>
-                </a:r>
-              </a:p>
-              <a:p>
-                <a:pPr lvl="0"/>
-                <a:r>
-                  <a:rPr/>
-                  <a:t>ccc</a:t>
-                </a:r>
-              </a:p>
-              <a:p>
-                <a:pPr lvl="0"/>
-                <a:r>
-                  <a:rPr/>
-                  <a:t>ccc</a:t>
-                </a:r>
-              </a:p>
-              <a:p>
-                <a:pPr lvl="0"/>
-                <a:r>
-                  <a:rPr/>
-                  <a:t>ccc</a:t>
-                </a:r>
-              </a:p>
             </p:txBody>
           </p:sp>
         </mc:Choice>
       </mc:AlternateContent>
+      <p:sp>
+        <p:nvSpPr>
+          <p:cNvPr id="6" name="スライド番号プレースホルダー 5"/>
+          <p:cNvSpPr>
+            <a:spLocks noGrp="1"/>
+          </p:cNvSpPr>
+          <p:nvPr>
+            <p:ph idx="12" sz="quarter" type="sldNum"/>
+          </p:nvPr>
+        </p:nvSpPr>
+        <p:spPr/>
+        <p:txBody>
+          <a:bodyPr/>
+          <a:lstStyle/>
+          <a:p>
+            <a:fld id="{D6591E97-2355-4C5F-BA98-15BCC4DBE61A}" type="slidenum">
+              <a:rPr altLang="en-US" kumimoji="1" lang="ja-JP" smtClean="0"/>
+              <a:t>‹#›</a:t>
+            </a:fld>
+            <a:endParaRPr altLang="en-US" kumimoji="1" lang="ja-JP"/>
+          </a:p>
+        </p:txBody>
+      </p:sp>
+    </p:spTree>
+  </p:cSld>
+</p:sld>
+</file>
+
+<file path=ppt/slides/slide4.xml><?xml version="1.0" encoding="utf-8"?>
+<p:sld xmlns:a="http://schemas.openxmlformats.org/drawingml/2006/main" xmlns:r="http://schemas.openxmlformats.org/officeDocument/2006/relationships" xmlns:p="http://schemas.openxmlformats.org/presentationml/2006/main">
+  <p:cSld>
+    <p:spTree>
+      <p:nvGrpSpPr>
+        <p:cNvPr id="1" name=""/>
+        <p:cNvGrpSpPr/>
+        <p:nvPr/>
+      </p:nvGrpSpPr>
+      <p:grpSpPr>
+        <a:xfrm>
+          <a:off x="0" y="0"/>
+          <a:ext cx="0" cy="0"/>
+          <a:chOff x="0" y="0"/>
+          <a:chExt cx="0" cy="0"/>
+        </a:xfrm>
+      </p:grpSpPr>
+      <p:sp>
+        <p:nvSpPr>
+          <p:cNvPr id="2" name="タイトル 1"/>
+          <p:cNvSpPr>
+            <a:spLocks noGrp="1"/>
+          </p:cNvSpPr>
+          <p:nvPr>
+            <p:ph type="title"/>
+          </p:nvPr>
+        </p:nvSpPr>
+        <p:spPr/>
+        <p:txBody>
+          <a:bodyPr/>
+          <a:lstStyle/>
+          <a:p>
+            <a:pPr lvl="0" indent="0" marL="0">
+              <a:buNone/>
+            </a:pPr>
+            <a:r>
+              <a:rPr/>
+              <a:t>1-2 基本の数学</a:t>
+            </a:r>
+          </a:p>
+        </p:txBody>
+      </p:sp>
+      <p:sp>
+        <p:nvSpPr>
+          <p:cNvPr id="3" name="コンテンツ プレースホルダー 2"/>
+          <p:cNvSpPr>
+            <a:spLocks noGrp="1"/>
+          </p:cNvSpPr>
+          <p:nvPr>
+            <p:ph idx="1"/>
+          </p:nvPr>
+        </p:nvSpPr>
+        <p:spPr/>
+        <p:txBody>
+          <a:bodyPr/>
+          <a:lstStyle/>
+          <a:p>
+            <a:pPr lvl="0" indent="0" marL="0">
+              <a:buNone/>
+            </a:pPr>
+            <a:r>
+              <a:rPr/>
+              <a:t>ここまで書いてみた。。</a:t>
+            </a:r>
+          </a:p>
+        </p:txBody>
+      </p:sp>
+      <p:sp>
+        <p:nvSpPr>
+          <p:cNvPr id="6" name="スライド番号プレースホルダー 5"/>
+          <p:cNvSpPr>
+            <a:spLocks noGrp="1"/>
+          </p:cNvSpPr>
+          <p:nvPr>
+            <p:ph idx="12" sz="quarter" type="sldNum"/>
+          </p:nvPr>
+        </p:nvSpPr>
+        <p:spPr/>
+        <p:txBody>
+          <a:bodyPr/>
+          <a:lstStyle/>
+          <a:p>
+            <a:fld id="{D6591E97-2355-4C5F-BA98-15BCC4DBE61A}" type="slidenum">
+              <a:rPr altLang="en-US" kumimoji="1" lang="ja-JP" smtClean="0"/>
+              <a:t>‹#›</a:t>
+            </a:fld>
+            <a:endParaRPr altLang="en-US" kumimoji="1" lang="ja-JP"/>
+          </a:p>
+        </p:txBody>
+      </p:sp>
     </p:spTree>
   </p:cSld>
 </p:sld>
@@ -3637,12 +5197,42 @@
       </p:grpSpPr>
       <p:sp>
         <p:nvSpPr>
-          <p:cNvPr id="3" name="Content Placeholder 2"/>
-          <p:cNvSpPr>
-            <a:spLocks noGrp="1"/>
-          </p:cNvSpPr>
-          <p:nvPr>
-            <p:ph idx="1"/>
+          <p:cNvPr id="2" name="タイトル 1"/>
+          <p:cNvSpPr>
+            <a:spLocks noGrp="1"/>
+          </p:cNvSpPr>
+          <p:nvPr>
+            <p:ph type="title"/>
+          </p:nvPr>
+        </p:nvSpPr>
+        <p:spPr>
+          <a:xfrm>
+            <a:off x="860400" y="1098000"/>
+            <a:ext cx="3470400" cy="345600"/>
+          </a:xfrm>
+        </p:spPr>
+        <p:txBody>
+          <a:bodyPr/>
+          <a:lstStyle/>
+          <a:p>
+            <a:pPr lvl="0" indent="0" marL="0">
+              <a:buNone/>
+            </a:pPr>
+            <a:r>
+              <a:rPr/>
+              <a:t>第2章 基本的な応力とひずみ</a:t>
+            </a:r>
+          </a:p>
+        </p:txBody>
+      </p:sp>
+      <p:sp>
+        <p:nvSpPr>
+          <p:cNvPr id="6" name="スライド番号プレースホルダー 5"/>
+          <p:cNvSpPr>
+            <a:spLocks noGrp="1"/>
+          </p:cNvSpPr>
+          <p:nvPr>
+            <p:ph idx="12" sz="quarter" type="sldNum"/>
           </p:nvPr>
         </p:nvSpPr>
         <p:spPr/>
@@ -3650,25 +5240,11 @@
           <a:bodyPr/>
           <a:lstStyle/>
           <a:p>
-            <a:pPr lvl="0" indent="0" marL="0">
-              <a:spcBef>
-                <a:spcPts val="3000"/>
-              </a:spcBef>
-              <a:buNone/>
-            </a:pPr>
-            <a:r>
-              <a:rPr b="1"/>
-              <a:t>1-2 基本の数学</a:t>
-            </a:r>
-          </a:p>
-          <a:p>
-            <a:pPr lvl="0" indent="0" marL="0">
-              <a:buNone/>
-            </a:pPr>
-            <a:r>
-              <a:rPr/>
-              <a:t>ここまで書いてみた。。</a:t>
-            </a:r>
+            <a:fld id="{D6591E97-2355-4C5F-BA98-15BCC4DBE61A}" type="slidenum">
+              <a:rPr altLang="en-US" kumimoji="1" lang="ja-JP" smtClean="0"/>
+              <a:t>‹#›</a:t>
+            </a:fld>
+            <a:endParaRPr altLang="en-US" kumimoji="1" lang="ja-JP"/>
           </a:p>
         </p:txBody>
       </p:sp>
@@ -3696,7 +5272,32 @@
       </p:grpSpPr>
       <p:sp>
         <p:nvSpPr>
-          <p:cNvPr id="3" name="Content Placeholder 2"/>
+          <p:cNvPr id="2" name="タイトル 1"/>
+          <p:cNvSpPr>
+            <a:spLocks noGrp="1"/>
+          </p:cNvSpPr>
+          <p:nvPr>
+            <p:ph type="title"/>
+          </p:nvPr>
+        </p:nvSpPr>
+        <p:spPr/>
+        <p:txBody>
+          <a:bodyPr/>
+          <a:lstStyle/>
+          <a:p>
+            <a:pPr lvl="0" indent="0" marL="0">
+              <a:buNone/>
+            </a:pPr>
+            <a:r>
+              <a:rPr/>
+              <a:t>2-1 応力</a:t>
+            </a:r>
+          </a:p>
+        </p:txBody>
+      </p:sp>
+      <p:sp>
+        <p:nvSpPr>
+          <p:cNvPr id="3" name="コンテンツ プレースホルダー 2"/>
           <p:cNvSpPr>
             <a:spLocks noGrp="1"/>
           </p:cNvSpPr>
@@ -3708,85 +5309,6 @@
         <p:txBody>
           <a:bodyPr/>
           <a:lstStyle/>
-          <a:p>
-            <a:pPr lvl="0" indent="0" marL="0">
-              <a:spcBef>
-                <a:spcPts val="3000"/>
-              </a:spcBef>
-              <a:buNone/>
-            </a:pPr>
-            <a:r>
-              <a:rPr b="1"/>
-              <a:t>第2章 基本的な応力とひずみ</a:t>
-            </a:r>
-          </a:p>
-          <a:p>
-            <a:pPr lvl="0" indent="0" marL="0">
-              <a:buNone/>
-            </a:pPr>
-            <a:r>
-              <a:rPr/>
-              <a:t>ここでは</a:t>
-            </a:r>
-            <a:r>
-              <a:rPr b="1"/>
-              <a:t>応力とひずみ</a:t>
-            </a:r>
-            <a:r>
-              <a:rPr/>
-              <a:t>について解説する</a:t>
-            </a:r>
-          </a:p>
-        </p:txBody>
-      </p:sp>
-    </p:spTree>
-  </p:cSld>
-</p:sld>
-</file>
-
-<file path=ppt/slides/slide7.xml><?xml version="1.0" encoding="utf-8"?>
-<p:sld xmlns:a="http://schemas.openxmlformats.org/drawingml/2006/main" xmlns:r="http://schemas.openxmlformats.org/officeDocument/2006/relationships" xmlns:p="http://schemas.openxmlformats.org/presentationml/2006/main">
-  <p:cSld>
-    <p:spTree>
-      <p:nvGrpSpPr>
-        <p:cNvPr id="1" name=""/>
-        <p:cNvGrpSpPr/>
-        <p:nvPr/>
-      </p:nvGrpSpPr>
-      <p:grpSpPr>
-        <a:xfrm>
-          <a:off x="0" y="0"/>
-          <a:ext cx="0" cy="0"/>
-          <a:chOff x="0" y="0"/>
-          <a:chExt cx="0" cy="0"/>
-        </a:xfrm>
-      </p:grpSpPr>
-      <p:sp>
-        <p:nvSpPr>
-          <p:cNvPr id="3" name="Content Placeholder 2"/>
-          <p:cNvSpPr>
-            <a:spLocks noGrp="1"/>
-          </p:cNvSpPr>
-          <p:nvPr>
-            <p:ph idx="1"/>
-          </p:nvPr>
-        </p:nvSpPr>
-        <p:spPr/>
-        <p:txBody>
-          <a:bodyPr/>
-          <a:lstStyle/>
-          <a:p>
-            <a:pPr lvl="0" indent="0" marL="0">
-              <a:spcBef>
-                <a:spcPts val="3000"/>
-              </a:spcBef>
-              <a:buNone/>
-            </a:pPr>
-            <a:r>
-              <a:rPr b="1"/>
-              <a:t>2-1 応力</a:t>
-            </a:r>
-          </a:p>
           <a:p>
             <a:pPr lvl="0" indent="0" marL="0">
               <a:buNone/>
@@ -3798,36 +5320,14 @@
           </a:p>
         </p:txBody>
       </p:sp>
-    </p:spTree>
-  </p:cSld>
-</p:sld>
-</file>
-
-<file path=ppt/slides/slide8.xml><?xml version="1.0" encoding="utf-8"?>
-<p:sld xmlns:a="http://schemas.openxmlformats.org/drawingml/2006/main" xmlns:r="http://schemas.openxmlformats.org/officeDocument/2006/relationships" xmlns:p="http://schemas.openxmlformats.org/presentationml/2006/main">
-  <p:cSld>
-    <p:spTree>
-      <p:nvGrpSpPr>
-        <p:cNvPr id="1" name=""/>
-        <p:cNvGrpSpPr/>
-        <p:nvPr/>
-      </p:nvGrpSpPr>
-      <p:grpSpPr>
-        <a:xfrm>
-          <a:off x="0" y="0"/>
-          <a:ext cx="0" cy="0"/>
-          <a:chOff x="0" y="0"/>
-          <a:chExt cx="0" cy="0"/>
-        </a:xfrm>
-      </p:grpSpPr>
-      <p:sp>
-        <p:nvSpPr>
-          <p:cNvPr id="3" name="Content Placeholder 2"/>
-          <p:cNvSpPr>
-            <a:spLocks noGrp="1"/>
-          </p:cNvSpPr>
-          <p:nvPr>
-            <p:ph idx="1"/>
+      <p:sp>
+        <p:nvSpPr>
+          <p:cNvPr id="6" name="スライド番号プレースホルダー 5"/>
+          <p:cNvSpPr>
+            <a:spLocks noGrp="1"/>
+          </p:cNvSpPr>
+          <p:nvPr>
+            <p:ph idx="12" sz="quarter" type="sldNum"/>
           </p:nvPr>
         </p:nvSpPr>
         <p:spPr/>
@@ -3835,13 +5335,11 @@
           <a:bodyPr/>
           <a:lstStyle/>
           <a:p>
-            <a:pPr lvl="0" indent="0" marL="0">
-              <a:buNone/>
-            </a:pPr>
-            <a:r>
-              <a:rPr/>
-              <a:t>© Motherson All rights reserved by Motherson and/or its affiliated companies. Any commercial use hereof, especially any transfer and/or copying hereof, is prohibited without the prior written consent of Motherson and/or its affiliated companies. In case of transfer of information containing know-how for which copyright or any other intellectual property right protection may be afforded, Motherson and/or its affiliated companies reserve all rights to any such grant of copyright protection and/or grant of intellectual property right protection. www.motherson.com</a:t>
-            </a:r>
+            <a:fld id="{D6591E97-2355-4C5F-BA98-15BCC4DBE61A}" type="slidenum">
+              <a:rPr altLang="en-US" kumimoji="1" lang="ja-JP" smtClean="0"/>
+              <a:t>‹#›</a:t>
+            </a:fld>
+            <a:endParaRPr altLang="en-US" kumimoji="1" lang="ja-JP"/>
           </a:p>
         </p:txBody>
       </p:sp>
@@ -3851,327 +5349,7 @@
 </file>
 
 <file path=ppt/theme/theme1.xml><?xml version="1.0" encoding="utf-8"?>
-<a:theme xmlns:a="http://schemas.openxmlformats.org/drawingml/2006/main" name="Office Theme">
-  <a:themeElements>
-    <a:clrScheme name="Office">
-      <a:dk1>
-        <a:sysClr val="windowText" lastClr="000000"/>
-      </a:dk1>
-      <a:lt1>
-        <a:sysClr val="window" lastClr="FFFFFF"/>
-      </a:lt1>
-      <a:dk2>
-        <a:srgbClr val="1F497D"/>
-      </a:dk2>
-      <a:lt2>
-        <a:srgbClr val="EEECE1"/>
-      </a:lt2>
-      <a:accent1>
-        <a:srgbClr val="4F81BD"/>
-      </a:accent1>
-      <a:accent2>
-        <a:srgbClr val="C0504D"/>
-      </a:accent2>
-      <a:accent3>
-        <a:srgbClr val="9BBB59"/>
-      </a:accent3>
-      <a:accent4>
-        <a:srgbClr val="8064A2"/>
-      </a:accent4>
-      <a:accent5>
-        <a:srgbClr val="4BACC6"/>
-      </a:accent5>
-      <a:accent6>
-        <a:srgbClr val="F79646"/>
-      </a:accent6>
-      <a:hlink>
-        <a:srgbClr val="0000FF"/>
-      </a:hlink>
-      <a:folHlink>
-        <a:srgbClr val="800080"/>
-      </a:folHlink>
-    </a:clrScheme>
-    <a:fontScheme name="Office">
-      <a:majorFont>
-        <a:latin typeface="Calibri"/>
-        <a:ea typeface=""/>
-        <a:cs typeface=""/>
-        <a:font script="Jpan" typeface="ＭＳ Ｐゴシック"/>
-        <a:font script="Hang" typeface="맑은 고딕"/>
-        <a:font script="Hans" typeface="宋体"/>
-        <a:font script="Hant" typeface="新細明體"/>
-        <a:font script="Arab" typeface="Times New Roman"/>
-        <a:font script="Hebr" typeface="Times New Roman"/>
-        <a:font script="Thai" typeface="Angsana New"/>
-        <a:font script="Ethi" typeface="Nyala"/>
-        <a:font script="Beng" typeface="Vrinda"/>
-        <a:font script="Gujr" typeface="Shruti"/>
-        <a:font script="Khmr" typeface="MoolBoran"/>
-        <a:font script="Knda" typeface="Tunga"/>
-        <a:font script="Guru" typeface="Raavi"/>
-        <a:font script="Cans" typeface="Euphemia"/>
-        <a:font script="Cher" typeface="Plantagenet Cherokee"/>
-        <a:font script="Yiii" typeface="Microsoft Yi Baiti"/>
-        <a:font script="Tibt" typeface="Microsoft Himalaya"/>
-        <a:font script="Thaa" typeface="MV Boli"/>
-        <a:font script="Deva" typeface="Mangal"/>
-        <a:font script="Telu" typeface="Gautami"/>
-        <a:font script="Taml" typeface="Latha"/>
-        <a:font script="Syrc" typeface="Estrangelo Edessa"/>
-        <a:font script="Orya" typeface="Kalinga"/>
-        <a:font script="Mlym" typeface="Kartika"/>
-        <a:font script="Laoo" typeface="DokChampa"/>
-        <a:font script="Sinh" typeface="Iskoola Pota"/>
-        <a:font script="Mong" typeface="Mongolian Baiti"/>
-        <a:font script="Viet" typeface="Times New Roman"/>
-        <a:font script="Uigh" typeface="Microsoft Uighur"/>
-        <a:font script="Geor" typeface="Sylfaen"/>
-      </a:majorFont>
-      <a:minorFont>
-        <a:latin typeface="Calibri"/>
-        <a:ea typeface=""/>
-        <a:cs typeface=""/>
-        <a:font script="Jpan" typeface="ＭＳ Ｐゴシック"/>
-        <a:font script="Hang" typeface="맑은 고딕"/>
-        <a:font script="Hans" typeface="宋体"/>
-        <a:font script="Hant" typeface="新細明體"/>
-        <a:font script="Arab" typeface="Arial"/>
-        <a:font script="Hebr" typeface="Arial"/>
-        <a:font script="Thai" typeface="Cordia New"/>
-        <a:font script="Ethi" typeface="Nyala"/>
-        <a:font script="Beng" typeface="Vrinda"/>
-        <a:font script="Gujr" typeface="Shruti"/>
-        <a:font script="Khmr" typeface="DaunPenh"/>
-        <a:font script="Knda" typeface="Tunga"/>
-        <a:font script="Guru" typeface="Raavi"/>
-        <a:font script="Cans" typeface="Euphemia"/>
-        <a:font script="Cher" typeface="Plantagenet Cherokee"/>
-        <a:font script="Yiii" typeface="Microsoft Yi Baiti"/>
-        <a:font script="Tibt" typeface="Microsoft Himalaya"/>
-        <a:font script="Thaa" typeface="MV Boli"/>
-        <a:font script="Deva" typeface="Mangal"/>
-        <a:font script="Telu" typeface="Gautami"/>
-        <a:font script="Taml" typeface="Latha"/>
-        <a:font script="Syrc" typeface="Estrangelo Edessa"/>
-        <a:font script="Orya" typeface="Kalinga"/>
-        <a:font script="Mlym" typeface="Kartika"/>
-        <a:font script="Laoo" typeface="DokChampa"/>
-        <a:font script="Sinh" typeface="Iskoola Pota"/>
-        <a:font script="Mong" typeface="Mongolian Baiti"/>
-        <a:font script="Viet" typeface="Arial"/>
-        <a:font script="Uigh" typeface="Microsoft Uighur"/>
-        <a:font script="Geor" typeface="Sylfaen"/>
-      </a:minorFont>
-    </a:fontScheme>
-    <a:fmtScheme name="Office">
-      <a:fillStyleLst>
-        <a:solidFill>
-          <a:schemeClr val="phClr"/>
-        </a:solidFill>
-        <a:gradFill rotWithShape="1">
-          <a:gsLst>
-            <a:gs pos="0">
-              <a:schemeClr val="phClr">
-                <a:tint val="50000"/>
-                <a:satMod val="300000"/>
-              </a:schemeClr>
-            </a:gs>
-            <a:gs pos="35000">
-              <a:schemeClr val="phClr">
-                <a:tint val="37000"/>
-                <a:satMod val="300000"/>
-              </a:schemeClr>
-            </a:gs>
-            <a:gs pos="100000">
-              <a:schemeClr val="phClr">
-                <a:tint val="15000"/>
-                <a:satMod val="350000"/>
-              </a:schemeClr>
-            </a:gs>
-          </a:gsLst>
-          <a:lin ang="16200000" scaled="1"/>
-        </a:gradFill>
-        <a:gradFill rotWithShape="1">
-          <a:gsLst>
-            <a:gs pos="0">
-              <a:schemeClr val="phClr">
-                <a:tint val="100000"/>
-                <a:shade val="100000"/>
-                <a:satMod val="130000"/>
-              </a:schemeClr>
-            </a:gs>
-            <a:gs pos="100000">
-              <a:schemeClr val="phClr">
-                <a:tint val="50000"/>
-                <a:shade val="100000"/>
-                <a:satMod val="350000"/>
-              </a:schemeClr>
-            </a:gs>
-          </a:gsLst>
-          <a:lin ang="16200000" scaled="0"/>
-        </a:gradFill>
-      </a:fillStyleLst>
-      <a:lnStyleLst>
-        <a:ln w="9525" cap="flat" cmpd="sng" algn="ctr">
-          <a:solidFill>
-            <a:schemeClr val="phClr">
-              <a:shade val="95000"/>
-              <a:satMod val="105000"/>
-            </a:schemeClr>
-          </a:solidFill>
-          <a:prstDash val="solid"/>
-        </a:ln>
-        <a:ln w="25400" cap="flat" cmpd="sng" algn="ctr">
-          <a:solidFill>
-            <a:schemeClr val="phClr"/>
-          </a:solidFill>
-          <a:prstDash val="solid"/>
-        </a:ln>
-        <a:ln w="38100" cap="flat" cmpd="sng" algn="ctr">
-          <a:solidFill>
-            <a:schemeClr val="phClr"/>
-          </a:solidFill>
-          <a:prstDash val="solid"/>
-        </a:ln>
-      </a:lnStyleLst>
-      <a:effectStyleLst>
-        <a:effectStyle>
-          <a:effectLst>
-            <a:outerShdw blurRad="40000" dist="20000" dir="5400000" rotWithShape="0">
-              <a:srgbClr val="000000">
-                <a:alpha val="38000"/>
-              </a:srgbClr>
-            </a:outerShdw>
-          </a:effectLst>
-        </a:effectStyle>
-        <a:effectStyle>
-          <a:effectLst>
-            <a:outerShdw blurRad="40000" dist="23000" dir="5400000" rotWithShape="0">
-              <a:srgbClr val="000000">
-                <a:alpha val="35000"/>
-              </a:srgbClr>
-            </a:outerShdw>
-          </a:effectLst>
-        </a:effectStyle>
-        <a:effectStyle>
-          <a:effectLst>
-            <a:outerShdw blurRad="40000" dist="23000" dir="5400000" rotWithShape="0">
-              <a:srgbClr val="000000">
-                <a:alpha val="35000"/>
-              </a:srgbClr>
-            </a:outerShdw>
-          </a:effectLst>
-          <a:scene3d>
-            <a:camera prst="orthographicFront">
-              <a:rot lat="0" lon="0" rev="0"/>
-            </a:camera>
-            <a:lightRig rig="threePt" dir="t">
-              <a:rot lat="0" lon="0" rev="1200000"/>
-            </a:lightRig>
-          </a:scene3d>
-          <a:sp3d>
-            <a:bevelT w="63500" h="25400"/>
-          </a:sp3d>
-        </a:effectStyle>
-      </a:effectStyleLst>
-      <a:bgFillStyleLst>
-        <a:solidFill>
-          <a:schemeClr val="phClr"/>
-        </a:solidFill>
-        <a:gradFill rotWithShape="1">
-          <a:gsLst>
-            <a:gs pos="0">
-              <a:schemeClr val="phClr">
-                <a:tint val="40000"/>
-                <a:satMod val="350000"/>
-              </a:schemeClr>
-            </a:gs>
-            <a:gs pos="40000">
-              <a:schemeClr val="phClr">
-                <a:tint val="45000"/>
-                <a:shade val="99000"/>
-                <a:satMod val="350000"/>
-              </a:schemeClr>
-            </a:gs>
-            <a:gs pos="100000">
-              <a:schemeClr val="phClr">
-                <a:shade val="20000"/>
-                <a:satMod val="255000"/>
-              </a:schemeClr>
-            </a:gs>
-          </a:gsLst>
-          <a:path path="circle">
-            <a:fillToRect l="50000" t="-80000" r="50000" b="180000"/>
-          </a:path>
-        </a:gradFill>
-        <a:gradFill rotWithShape="1">
-          <a:gsLst>
-            <a:gs pos="0">
-              <a:schemeClr val="phClr">
-                <a:tint val="80000"/>
-                <a:satMod val="300000"/>
-              </a:schemeClr>
-            </a:gs>
-            <a:gs pos="100000">
-              <a:schemeClr val="phClr">
-                <a:shade val="30000"/>
-                <a:satMod val="200000"/>
-              </a:schemeClr>
-            </a:gs>
-          </a:gsLst>
-          <a:path path="circle">
-            <a:fillToRect l="50000" t="50000" r="50000" b="50000"/>
-          </a:path>
-        </a:gradFill>
-      </a:bgFillStyleLst>
-    </a:fmtScheme>
-  </a:themeElements>
-  <a:objectDefaults>
-    <a:spDef>
-      <a:spPr/>
-      <a:bodyPr/>
-      <a:lstStyle/>
-      <a:style>
-        <a:lnRef idx="1">
-          <a:schemeClr val="accent1"/>
-        </a:lnRef>
-        <a:fillRef idx="3">
-          <a:schemeClr val="accent1"/>
-        </a:fillRef>
-        <a:effectRef idx="2">
-          <a:schemeClr val="accent1"/>
-        </a:effectRef>
-        <a:fontRef idx="minor">
-          <a:schemeClr val="lt1"/>
-        </a:fontRef>
-      </a:style>
-    </a:spDef>
-    <a:lnDef>
-      <a:spPr/>
-      <a:bodyPr/>
-      <a:lstStyle/>
-      <a:style>
-        <a:lnRef idx="2">
-          <a:schemeClr val="accent1"/>
-        </a:lnRef>
-        <a:fillRef idx="0">
-          <a:schemeClr val="accent1"/>
-        </a:fillRef>
-        <a:effectRef idx="1">
-          <a:schemeClr val="accent1"/>
-        </a:effectRef>
-        <a:fontRef idx="minor">
-          <a:schemeClr val="tx1"/>
-        </a:fontRef>
-      </a:style>
-    </a:lnDef>
-  </a:objectDefaults>
-  <a:extraClrSchemeLst/>
-</a:theme>
-</file>
-
-<file path=ppt/theme/theme2.xml><?xml version="1.0" encoding="utf-8"?>
-<a:theme xmlns:a="http://schemas.openxmlformats.org/drawingml/2006/main" name="Office Theme">
+<a:theme xmlns:a="http://schemas.openxmlformats.org/drawingml/2006/main" name="YPP_Ver1.0_yaguchi">
   <a:themeElements>
     <a:clrScheme name="Office">
       <a:dk1>
@@ -4213,12 +5391,12 @@
     </a:clrScheme>
     <a:fontScheme name="Office">
       <a:majorFont>
-        <a:latin typeface="Calibri Light" panose="020F0302020204030204"/>
+        <a:latin typeface="游ゴシック Light" panose="020F0302020204030204"/>
         <a:ea typeface=""/>
         <a:cs typeface=""/>
-        <a:font script="Jpan" typeface="ＭＳ Ｐゴシック"/>
+        <a:font script="Jpan" typeface="游ゴシック Light"/>
         <a:font script="Hang" typeface="맑은 고딕"/>
-        <a:font script="Hans" typeface="宋体"/>
+        <a:font script="Hans" typeface="等线 Light"/>
         <a:font script="Hant" typeface="新細明體"/>
         <a:font script="Arab" typeface="Times New Roman"/>
         <a:font script="Hebr" typeface="Times New Roman"/>
@@ -4248,12 +5426,273 @@
         <a:font script="Geor" typeface="Sylfaen"/>
       </a:majorFont>
       <a:minorFont>
-        <a:latin typeface="Calibri" panose="020F0502020204030204"/>
+        <a:latin typeface="游ゴシック" panose="020F0502020204030204"/>
         <a:ea typeface=""/>
         <a:cs typeface=""/>
-        <a:font script="Jpan" typeface="ＭＳ Ｐゴシック"/>
+        <a:font script="Jpan" typeface="游ゴシック"/>
         <a:font script="Hang" typeface="맑은 고딕"/>
-        <a:font script="Hans" typeface="宋体"/>
+        <a:font script="Hans" typeface="等线"/>
+        <a:font script="Hant" typeface="新細明體"/>
+        <a:font script="Arab" typeface="Arial"/>
+        <a:font script="Hebr" typeface="Arial"/>
+        <a:font script="Thai" typeface="Cordia New"/>
+        <a:font script="Ethi" typeface="Nyala"/>
+        <a:font script="Beng" typeface="Vrinda"/>
+        <a:font script="Gujr" typeface="Shruti"/>
+        <a:font script="Khmr" typeface="DaunPenh"/>
+        <a:font script="Knda" typeface="Tunga"/>
+        <a:font script="Guru" typeface="Raavi"/>
+        <a:font script="Cans" typeface="Euphemia"/>
+        <a:font script="Cher" typeface="Plantagenet Cherokee"/>
+        <a:font script="Yiii" typeface="Microsoft Yi Baiti"/>
+        <a:font script="Tibt" typeface="Microsoft Himalaya"/>
+        <a:font script="Thaa" typeface="MV Boli"/>
+        <a:font script="Deva" typeface="Mangal"/>
+        <a:font script="Telu" typeface="Gautami"/>
+        <a:font script="Taml" typeface="Latha"/>
+        <a:font script="Syrc" typeface="Estrangelo Edessa"/>
+        <a:font script="Orya" typeface="Kalinga"/>
+        <a:font script="Mlym" typeface="Kartika"/>
+        <a:font script="Laoo" typeface="DokChampa"/>
+        <a:font script="Sinh" typeface="Iskoola Pota"/>
+        <a:font script="Mong" typeface="Mongolian Baiti"/>
+        <a:font script="Viet" typeface="Arial"/>
+        <a:font script="Uigh" typeface="Microsoft Uighur"/>
+        <a:font script="Geor" typeface="Sylfaen"/>
+      </a:minorFont>
+    </a:fontScheme>
+    <a:fmtScheme name="Office">
+      <a:fillStyleLst>
+        <a:solidFill>
+          <a:schemeClr val="phClr"/>
+        </a:solidFill>
+        <a:gradFill rotWithShape="1">
+          <a:gsLst>
+            <a:gs pos="0">
+              <a:schemeClr val="phClr">
+                <a:lumMod val="110000"/>
+                <a:satMod val="105000"/>
+                <a:tint val="67000"/>
+              </a:schemeClr>
+            </a:gs>
+            <a:gs pos="50000">
+              <a:schemeClr val="phClr">
+                <a:lumMod val="105000"/>
+                <a:satMod val="103000"/>
+                <a:tint val="73000"/>
+              </a:schemeClr>
+            </a:gs>
+            <a:gs pos="100000">
+              <a:schemeClr val="phClr">
+                <a:lumMod val="105000"/>
+                <a:satMod val="109000"/>
+                <a:tint val="81000"/>
+              </a:schemeClr>
+            </a:gs>
+          </a:gsLst>
+          <a:lin ang="5400000" scaled="0"/>
+        </a:gradFill>
+        <a:gradFill rotWithShape="1">
+          <a:gsLst>
+            <a:gs pos="0">
+              <a:schemeClr val="phClr">
+                <a:satMod val="103000"/>
+                <a:lumMod val="102000"/>
+                <a:tint val="94000"/>
+              </a:schemeClr>
+            </a:gs>
+            <a:gs pos="50000">
+              <a:schemeClr val="phClr">
+                <a:satMod val="110000"/>
+                <a:lumMod val="100000"/>
+                <a:shade val="100000"/>
+              </a:schemeClr>
+            </a:gs>
+            <a:gs pos="100000">
+              <a:schemeClr val="phClr">
+                <a:lumMod val="99000"/>
+                <a:satMod val="120000"/>
+                <a:shade val="78000"/>
+              </a:schemeClr>
+            </a:gs>
+          </a:gsLst>
+          <a:lin ang="5400000" scaled="0"/>
+        </a:gradFill>
+      </a:fillStyleLst>
+      <a:lnStyleLst>
+        <a:ln w="6350" cap="flat" cmpd="sng" algn="ctr">
+          <a:solidFill>
+            <a:schemeClr val="phClr"/>
+          </a:solidFill>
+          <a:prstDash val="solid"/>
+          <a:miter lim="800000"/>
+        </a:ln>
+        <a:ln w="12700" cap="flat" cmpd="sng" algn="ctr">
+          <a:solidFill>
+            <a:schemeClr val="phClr"/>
+          </a:solidFill>
+          <a:prstDash val="solid"/>
+          <a:miter lim="800000"/>
+        </a:ln>
+        <a:ln w="19050" cap="flat" cmpd="sng" algn="ctr">
+          <a:solidFill>
+            <a:schemeClr val="phClr"/>
+          </a:solidFill>
+          <a:prstDash val="solid"/>
+          <a:miter lim="800000"/>
+        </a:ln>
+      </a:lnStyleLst>
+      <a:effectStyleLst>
+        <a:effectStyle>
+          <a:effectLst/>
+        </a:effectStyle>
+        <a:effectStyle>
+          <a:effectLst/>
+        </a:effectStyle>
+        <a:effectStyle>
+          <a:effectLst>
+            <a:outerShdw blurRad="57150" dist="19050" dir="5400000" algn="ctr" rotWithShape="0">
+              <a:srgbClr val="000000">
+                <a:alpha val="63000"/>
+              </a:srgbClr>
+            </a:outerShdw>
+          </a:effectLst>
+        </a:effectStyle>
+      </a:effectStyleLst>
+      <a:bgFillStyleLst>
+        <a:solidFill>
+          <a:schemeClr val="phClr"/>
+        </a:solidFill>
+        <a:solidFill>
+          <a:schemeClr val="phClr">
+            <a:tint val="95000"/>
+            <a:satMod val="170000"/>
+          </a:schemeClr>
+        </a:solidFill>
+        <a:gradFill rotWithShape="1">
+          <a:gsLst>
+            <a:gs pos="0">
+              <a:schemeClr val="phClr">
+                <a:tint val="93000"/>
+                <a:satMod val="150000"/>
+                <a:shade val="98000"/>
+                <a:lumMod val="102000"/>
+              </a:schemeClr>
+            </a:gs>
+            <a:gs pos="50000">
+              <a:schemeClr val="phClr">
+                <a:tint val="98000"/>
+                <a:satMod val="130000"/>
+                <a:shade val="90000"/>
+                <a:lumMod val="103000"/>
+              </a:schemeClr>
+            </a:gs>
+            <a:gs pos="100000">
+              <a:schemeClr val="phClr">
+                <a:shade val="63000"/>
+                <a:satMod val="120000"/>
+              </a:schemeClr>
+            </a:gs>
+          </a:gsLst>
+          <a:lin ang="5400000" scaled="0"/>
+        </a:gradFill>
+      </a:bgFillStyleLst>
+    </a:fmtScheme>
+  </a:themeElements>
+  <a:objectDefaults/>
+  <a:extraClrSchemeLst/>
+  <a:extLst>
+    <a:ext uri="{05A4C25C-085E-4340-85A3-A5531E510DB2}">
+      <thm15:themeFamily xmlns:thm15="http://schemas.microsoft.com/office/thememl/2012/main" name="Office Theme" id="{62F939B6-93AF-4DB8-9C6B-D6C7DFDC589F}" vid="{4A3C46E8-61CC-4603-A589-7422A47A8E4A}"/>
+    </a:ext>
+  </a:extLst>
+</a:theme>
+</file>
+
+<file path=ppt/theme/theme2.xml><?xml version="1.0" encoding="utf-8"?>
+<a:theme xmlns:a="http://schemas.openxmlformats.org/drawingml/2006/main" name="Office テーマ">
+  <a:themeElements>
+    <a:clrScheme name="Office">
+      <a:dk1>
+        <a:sysClr val="windowText" lastClr="000000"/>
+      </a:dk1>
+      <a:lt1>
+        <a:sysClr val="window" lastClr="FFFFFF"/>
+      </a:lt1>
+      <a:dk2>
+        <a:srgbClr val="44546A"/>
+      </a:dk2>
+      <a:lt2>
+        <a:srgbClr val="E7E6E6"/>
+      </a:lt2>
+      <a:accent1>
+        <a:srgbClr val="5B9BD5"/>
+      </a:accent1>
+      <a:accent2>
+        <a:srgbClr val="ED7D31"/>
+      </a:accent2>
+      <a:accent3>
+        <a:srgbClr val="A5A5A5"/>
+      </a:accent3>
+      <a:accent4>
+        <a:srgbClr val="FFC000"/>
+      </a:accent4>
+      <a:accent5>
+        <a:srgbClr val="4472C4"/>
+      </a:accent5>
+      <a:accent6>
+        <a:srgbClr val="70AD47"/>
+      </a:accent6>
+      <a:hlink>
+        <a:srgbClr val="0563C1"/>
+      </a:hlink>
+      <a:folHlink>
+        <a:srgbClr val="954F72"/>
+      </a:folHlink>
+    </a:clrScheme>
+    <a:fontScheme name="Office">
+      <a:majorFont>
+        <a:latin typeface="游ゴシック Light" panose="020F0302020204030204"/>
+        <a:ea typeface=""/>
+        <a:cs typeface=""/>
+        <a:font script="Jpan" typeface="游ゴシック Light"/>
+        <a:font script="Hang" typeface="맑은 고딕"/>
+        <a:font script="Hans" typeface="等线 Light"/>
+        <a:font script="Hant" typeface="新細明體"/>
+        <a:font script="Arab" typeface="Times New Roman"/>
+        <a:font script="Hebr" typeface="Times New Roman"/>
+        <a:font script="Thai" typeface="Angsana New"/>
+        <a:font script="Ethi" typeface="Nyala"/>
+        <a:font script="Beng" typeface="Vrinda"/>
+        <a:font script="Gujr" typeface="Shruti"/>
+        <a:font script="Khmr" typeface="MoolBoran"/>
+        <a:font script="Knda" typeface="Tunga"/>
+        <a:font script="Guru" typeface="Raavi"/>
+        <a:font script="Cans" typeface="Euphemia"/>
+        <a:font script="Cher" typeface="Plantagenet Cherokee"/>
+        <a:font script="Yiii" typeface="Microsoft Yi Baiti"/>
+        <a:font script="Tibt" typeface="Microsoft Himalaya"/>
+        <a:font script="Thaa" typeface="MV Boli"/>
+        <a:font script="Deva" typeface="Mangal"/>
+        <a:font script="Telu" typeface="Gautami"/>
+        <a:font script="Taml" typeface="Latha"/>
+        <a:font script="Syrc" typeface="Estrangelo Edessa"/>
+        <a:font script="Orya" typeface="Kalinga"/>
+        <a:font script="Mlym" typeface="Kartika"/>
+        <a:font script="Laoo" typeface="DokChampa"/>
+        <a:font script="Sinh" typeface="Iskoola Pota"/>
+        <a:font script="Mong" typeface="Mongolian Baiti"/>
+        <a:font script="Viet" typeface="Times New Roman"/>
+        <a:font script="Uigh" typeface="Microsoft Uighur"/>
+        <a:font script="Geor" typeface="Sylfaen"/>
+      </a:majorFont>
+      <a:minorFont>
+        <a:latin typeface="游ゴシック" panose="020F0502020204030204"/>
+        <a:ea typeface=""/>
+        <a:cs typeface=""/>
+        <a:font script="Jpan" typeface="游ゴシック"/>
+        <a:font script="Hang" typeface="맑은 고딕"/>
+        <a:font script="Hans" typeface="等线"/>
         <a:font script="Hant" typeface="新細明體"/>
         <a:font script="Arab" typeface="Arial"/>
         <a:font script="Hebr" typeface="Arial"/>
